--- a/learn-pr/azure/store-and-share-with-azure-files/resources/media.pptx
+++ b/learn-pr/azure/store-and-share-with-azure-files/resources/media.pptx
@@ -275,7 +275,7 @@
           <a:p>
             <a:fld id="{383DF94D-D670-4BAC-85FE-E124618F9928}" type="datetimeFigureOut">
               <a:rPr lang="en-GB" smtClean="0"/>
-              <a:t>28/11/2019</a:t>
+              <a:t>02/12/2019</a:t>
             </a:fld>
             <a:endParaRPr lang="en-GB"/>
           </a:p>
@@ -475,7 +475,7 @@
           <a:p>
             <a:fld id="{383DF94D-D670-4BAC-85FE-E124618F9928}" type="datetimeFigureOut">
               <a:rPr lang="en-GB" smtClean="0"/>
-              <a:t>28/11/2019</a:t>
+              <a:t>02/12/2019</a:t>
             </a:fld>
             <a:endParaRPr lang="en-GB"/>
           </a:p>
@@ -685,7 +685,7 @@
           <a:p>
             <a:fld id="{383DF94D-D670-4BAC-85FE-E124618F9928}" type="datetimeFigureOut">
               <a:rPr lang="en-GB" smtClean="0"/>
-              <a:t>28/11/2019</a:t>
+              <a:t>02/12/2019</a:t>
             </a:fld>
             <a:endParaRPr lang="en-GB"/>
           </a:p>
@@ -885,7 +885,7 @@
           <a:p>
             <a:fld id="{383DF94D-D670-4BAC-85FE-E124618F9928}" type="datetimeFigureOut">
               <a:rPr lang="en-GB" smtClean="0"/>
-              <a:t>28/11/2019</a:t>
+              <a:t>02/12/2019</a:t>
             </a:fld>
             <a:endParaRPr lang="en-GB"/>
           </a:p>
@@ -1161,7 +1161,7 @@
           <a:p>
             <a:fld id="{383DF94D-D670-4BAC-85FE-E124618F9928}" type="datetimeFigureOut">
               <a:rPr lang="en-GB" smtClean="0"/>
-              <a:t>28/11/2019</a:t>
+              <a:t>02/12/2019</a:t>
             </a:fld>
             <a:endParaRPr lang="en-GB"/>
           </a:p>
@@ -1429,7 +1429,7 @@
           <a:p>
             <a:fld id="{383DF94D-D670-4BAC-85FE-E124618F9928}" type="datetimeFigureOut">
               <a:rPr lang="en-GB" smtClean="0"/>
-              <a:t>28/11/2019</a:t>
+              <a:t>02/12/2019</a:t>
             </a:fld>
             <a:endParaRPr lang="en-GB"/>
           </a:p>
@@ -1844,7 +1844,7 @@
           <a:p>
             <a:fld id="{383DF94D-D670-4BAC-85FE-E124618F9928}" type="datetimeFigureOut">
               <a:rPr lang="en-GB" smtClean="0"/>
-              <a:t>28/11/2019</a:t>
+              <a:t>02/12/2019</a:t>
             </a:fld>
             <a:endParaRPr lang="en-GB"/>
           </a:p>
@@ -1986,7 +1986,7 @@
           <a:p>
             <a:fld id="{383DF94D-D670-4BAC-85FE-E124618F9928}" type="datetimeFigureOut">
               <a:rPr lang="en-GB" smtClean="0"/>
-              <a:t>28/11/2019</a:t>
+              <a:t>02/12/2019</a:t>
             </a:fld>
             <a:endParaRPr lang="en-GB"/>
           </a:p>
@@ -2099,7 +2099,7 @@
           <a:p>
             <a:fld id="{383DF94D-D670-4BAC-85FE-E124618F9928}" type="datetimeFigureOut">
               <a:rPr lang="en-GB" smtClean="0"/>
-              <a:t>28/11/2019</a:t>
+              <a:t>02/12/2019</a:t>
             </a:fld>
             <a:endParaRPr lang="en-GB"/>
           </a:p>
@@ -2412,7 +2412,7 @@
           <a:p>
             <a:fld id="{383DF94D-D670-4BAC-85FE-E124618F9928}" type="datetimeFigureOut">
               <a:rPr lang="en-GB" smtClean="0"/>
-              <a:t>28/11/2019</a:t>
+              <a:t>02/12/2019</a:t>
             </a:fld>
             <a:endParaRPr lang="en-GB"/>
           </a:p>
@@ -2701,7 +2701,7 @@
           <a:p>
             <a:fld id="{383DF94D-D670-4BAC-85FE-E124618F9928}" type="datetimeFigureOut">
               <a:rPr lang="en-GB" smtClean="0"/>
-              <a:t>28/11/2019</a:t>
+              <a:t>02/12/2019</a:t>
             </a:fld>
             <a:endParaRPr lang="en-GB"/>
           </a:p>
@@ -2944,7 +2944,7 @@
           <a:p>
             <a:fld id="{383DF94D-D670-4BAC-85FE-E124618F9928}" type="datetimeFigureOut">
               <a:rPr lang="en-GB" smtClean="0"/>
-              <a:t>28/11/2019</a:t>
+              <a:t>02/12/2019</a:t>
             </a:fld>
             <a:endParaRPr lang="en-GB"/>
           </a:p>
@@ -3361,12 +3361,181 @@
           <a:chExt cx="0" cy="0"/>
         </a:xfrm>
       </p:grpSpPr>
+      <p:sp>
+        <p:nvSpPr>
+          <p:cNvPr id="4" name="Rectangle: Rounded Corners 3">
+            <a:extLst>
+              <a:ext uri="{FF2B5EF4-FFF2-40B4-BE49-F238E27FC236}">
+                <a16:creationId xmlns:a16="http://schemas.microsoft.com/office/drawing/2014/main" id="{9D876E0D-4185-4F1D-B418-B3339D44F825}"/>
+              </a:ext>
+            </a:extLst>
+          </p:cNvPr>
+          <p:cNvSpPr/>
+          <p:nvPr/>
+        </p:nvSpPr>
+        <p:spPr>
+          <a:xfrm>
+            <a:off x="1439187" y="1003852"/>
+            <a:ext cx="1534601" cy="3106972"/>
+          </a:xfrm>
+          <a:prstGeom prst="roundRect">
+            <a:avLst>
+              <a:gd name="adj" fmla="val 3114"/>
+            </a:avLst>
+          </a:prstGeom>
+          <a:solidFill>
+            <a:schemeClr val="accent1">
+              <a:lumMod val="75000"/>
+            </a:schemeClr>
+          </a:solidFill>
+          <a:ln>
+            <a:noFill/>
+          </a:ln>
+        </p:spPr>
+        <p:style>
+          <a:lnRef idx="2">
+            <a:schemeClr val="accent1">
+              <a:shade val="50000"/>
+            </a:schemeClr>
+          </a:lnRef>
+          <a:fillRef idx="1">
+            <a:schemeClr val="accent1"/>
+          </a:fillRef>
+          <a:effectRef idx="0">
+            <a:schemeClr val="accent1"/>
+          </a:effectRef>
+          <a:fontRef idx="minor">
+            <a:schemeClr val="lt1"/>
+          </a:fontRef>
+        </p:style>
+        <p:txBody>
+          <a:bodyPr rtlCol="0" anchor="t"/>
+          <a:lstStyle/>
+          <a:p>
+            <a:pPr algn="ctr"/>
+            <a:r>
+              <a:rPr lang="en-GB" dirty="0">
+                <a:solidFill>
+                  <a:schemeClr val="bg1"/>
+                </a:solidFill>
+                <a:latin typeface="Segoe UI Semibold" panose="020B0702040204020203" pitchFamily="34" charset="0"/>
+                <a:cs typeface="Segoe UI Semibold" panose="020B0702040204020203" pitchFamily="34" charset="0"/>
+              </a:rPr>
+              <a:t>Account</a:t>
+            </a:r>
+          </a:p>
+        </p:txBody>
+      </p:sp>
+      <p:sp>
+        <p:nvSpPr>
+          <p:cNvPr id="11" name="Rectangle: Rounded Corners 10">
+            <a:extLst>
+              <a:ext uri="{FF2B5EF4-FFF2-40B4-BE49-F238E27FC236}">
+                <a16:creationId xmlns:a16="http://schemas.microsoft.com/office/drawing/2014/main" id="{1962626F-7974-4EC1-A3CE-AFCF23B23366}"/>
+              </a:ext>
+            </a:extLst>
+          </p:cNvPr>
+          <p:cNvSpPr/>
+          <p:nvPr/>
+        </p:nvSpPr>
+        <p:spPr>
+          <a:xfrm>
+            <a:off x="3241149" y="1003852"/>
+            <a:ext cx="1534601" cy="3106972"/>
+          </a:xfrm>
+          <a:prstGeom prst="roundRect">
+            <a:avLst>
+              <a:gd name="adj" fmla="val 3114"/>
+            </a:avLst>
+          </a:prstGeom>
+          <a:solidFill>
+            <a:schemeClr val="accent6">
+              <a:lumMod val="75000"/>
+            </a:schemeClr>
+          </a:solidFill>
+          <a:ln>
+            <a:noFill/>
+          </a:ln>
+        </p:spPr>
+        <p:style>
+          <a:lnRef idx="2">
+            <a:schemeClr val="accent1">
+              <a:shade val="50000"/>
+            </a:schemeClr>
+          </a:lnRef>
+          <a:fillRef idx="1">
+            <a:schemeClr val="accent1"/>
+          </a:fillRef>
+          <a:effectRef idx="0">
+            <a:schemeClr val="accent1"/>
+          </a:effectRef>
+          <a:fontRef idx="minor">
+            <a:schemeClr val="lt1"/>
+          </a:fontRef>
+        </p:style>
+        <p:txBody>
+          <a:bodyPr rtlCol="0" anchor="t"/>
+          <a:lstStyle/>
+          <a:p>
+            <a:pPr algn="ctr"/>
+            <a:r>
+              <a:rPr lang="en-GB" dirty="0">
+                <a:solidFill>
+                  <a:schemeClr val="bg1"/>
+                </a:solidFill>
+                <a:latin typeface="Segoe UI Semibold" panose="020B0702040204020203" pitchFamily="34" charset="0"/>
+                <a:cs typeface="Segoe UI Semibold" panose="020B0702040204020203" pitchFamily="34" charset="0"/>
+              </a:rPr>
+              <a:t>Share</a:t>
+            </a:r>
+          </a:p>
+        </p:txBody>
+      </p:sp>
+      <p:pic>
+        <p:nvPicPr>
+          <p:cNvPr id="20" name="Graphic 19" descr="Line arrow Straight">
+            <a:extLst>
+              <a:ext uri="{FF2B5EF4-FFF2-40B4-BE49-F238E27FC236}">
+                <a16:creationId xmlns:a16="http://schemas.microsoft.com/office/drawing/2014/main" id="{CBF75754-54B0-47BB-A8E7-874539A7809C}"/>
+              </a:ext>
+            </a:extLst>
+          </p:cNvPr>
+          <p:cNvPicPr>
+            <a:picLocks noChangeAspect="1"/>
+          </p:cNvPicPr>
+          <p:nvPr/>
+        </p:nvPicPr>
+        <p:blipFill>
+          <a:blip r:embed="rId2">
+            <a:extLst>
+              <a:ext uri="{28A0092B-C50C-407E-A947-70E740481C1C}">
+                <a14:useLocalDpi xmlns:a14="http://schemas.microsoft.com/office/drawing/2010/main" val="0"/>
+              </a:ext>
+              <a:ext uri="{96DAC541-7B7A-43D3-8B79-37D633B846F1}">
+                <asvg:svgBlip xmlns:asvg="http://schemas.microsoft.com/office/drawing/2016/SVG/main" r:embed="rId3"/>
+              </a:ext>
+            </a:extLst>
+          </a:blip>
+          <a:stretch>
+            <a:fillRect/>
+          </a:stretch>
+        </p:blipFill>
+        <p:spPr>
+          <a:xfrm rot="10800000">
+            <a:off x="1807928" y="2341659"/>
+            <a:ext cx="525780" cy="525780"/>
+          </a:xfrm>
+          <a:prstGeom prst="rect">
+            <a:avLst/>
+          </a:prstGeom>
+        </p:spPr>
+      </p:pic>
       <p:grpSp>
         <p:nvGrpSpPr>
-          <p:cNvPr id="82" name="Group 81">
+          <p:cNvPr id="27" name="Group 26">
             <a:extLst>
               <a:ext uri="{FF2B5EF4-FFF2-40B4-BE49-F238E27FC236}">
-                <a16:creationId xmlns:a16="http://schemas.microsoft.com/office/drawing/2014/main" id="{FC8E20D3-786C-46B5-AF59-726DC3C2CE5E}"/>
+                <a16:creationId xmlns:a16="http://schemas.microsoft.com/office/drawing/2014/main" id="{F6A0E7C2-AB65-4EBF-96CB-3D52914C3D8C}"/>
               </a:ext>
             </a:extLst>
           </p:cNvPr>
@@ -3375,18 +3544,333 @@
         </p:nvGrpSpPr>
         <p:grpSpPr>
           <a:xfrm>
-            <a:off x="1439187" y="1003852"/>
-            <a:ext cx="6940487" cy="3106972"/>
-            <a:chOff x="1439187" y="1003852"/>
-            <a:chExt cx="6940487" cy="3106972"/>
+            <a:off x="2679702" y="1511735"/>
+            <a:ext cx="798644" cy="525780"/>
+            <a:chOff x="2669117" y="1511735"/>
+            <a:chExt cx="798644" cy="525780"/>
+          </a:xfrm>
+        </p:grpSpPr>
+        <p:pic>
+          <p:nvPicPr>
+            <p:cNvPr id="21" name="Graphic 20" descr="Line arrow Straight">
+              <a:extLst>
+                <a:ext uri="{FF2B5EF4-FFF2-40B4-BE49-F238E27FC236}">
+                  <a16:creationId xmlns:a16="http://schemas.microsoft.com/office/drawing/2014/main" id="{DCC5D097-29BB-42E3-97B6-4B4B3DED66AA}"/>
+                </a:ext>
+              </a:extLst>
+            </p:cNvPr>
+            <p:cNvPicPr>
+              <a:picLocks noChangeAspect="1"/>
+            </p:cNvPicPr>
+            <p:nvPr/>
+          </p:nvPicPr>
+          <p:blipFill>
+            <a:blip r:embed="rId4">
+              <a:extLst>
+                <a:ext uri="{28A0092B-C50C-407E-A947-70E740481C1C}">
+                  <a14:useLocalDpi xmlns:a14="http://schemas.microsoft.com/office/drawing/2010/main" val="0"/>
+                </a:ext>
+                <a:ext uri="{96DAC541-7B7A-43D3-8B79-37D633B846F1}">
+                  <asvg:svgBlip xmlns:asvg="http://schemas.microsoft.com/office/drawing/2016/SVG/main" r:embed="rId5"/>
+                </a:ext>
+              </a:extLst>
+            </a:blip>
+            <a:stretch>
+              <a:fillRect/>
+            </a:stretch>
+          </p:blipFill>
+          <p:spPr>
+            <a:xfrm rot="10800000">
+              <a:off x="2941981" y="1511735"/>
+              <a:ext cx="525780" cy="525780"/>
+            </a:xfrm>
+            <a:prstGeom prst="rect">
+              <a:avLst/>
+            </a:prstGeom>
+          </p:spPr>
+        </p:pic>
+        <p:cxnSp>
+          <p:nvCxnSpPr>
+            <p:cNvPr id="23" name="Straight Connector 22">
+              <a:extLst>
+                <a:ext uri="{FF2B5EF4-FFF2-40B4-BE49-F238E27FC236}">
+                  <a16:creationId xmlns:a16="http://schemas.microsoft.com/office/drawing/2014/main" id="{80D46503-FF6B-4F3E-9E25-BE77004471B4}"/>
+                </a:ext>
+              </a:extLst>
+            </p:cNvPr>
+            <p:cNvCxnSpPr>
+              <a:cxnSpLocks/>
+            </p:cNvCxnSpPr>
+            <p:nvPr/>
+          </p:nvCxnSpPr>
+          <p:spPr>
+            <a:xfrm flipH="1">
+              <a:off x="2669117" y="1774625"/>
+              <a:ext cx="742953" cy="0"/>
+            </a:xfrm>
+            <a:prstGeom prst="line">
+              <a:avLst/>
+            </a:prstGeom>
+            <a:ln w="32385" cap="rnd">
+              <a:solidFill>
+                <a:schemeClr val="accent6">
+                  <a:lumMod val="50000"/>
+                </a:schemeClr>
+              </a:solidFill>
+            </a:ln>
+          </p:spPr>
+          <p:style>
+            <a:lnRef idx="1">
+              <a:schemeClr val="accent1"/>
+            </a:lnRef>
+            <a:fillRef idx="0">
+              <a:schemeClr val="accent1"/>
+            </a:fillRef>
+            <a:effectRef idx="0">
+              <a:schemeClr val="accent1"/>
+            </a:effectRef>
+            <a:fontRef idx="minor">
+              <a:schemeClr val="tx1"/>
+            </a:fontRef>
+          </p:style>
+        </p:cxnSp>
+      </p:grpSp>
+      <p:grpSp>
+        <p:nvGrpSpPr>
+          <p:cNvPr id="31" name="Group 30">
+            <a:extLst>
+              <a:ext uri="{FF2B5EF4-FFF2-40B4-BE49-F238E27FC236}">
+                <a16:creationId xmlns:a16="http://schemas.microsoft.com/office/drawing/2014/main" id="{D13A679F-0C19-4047-809A-79CCB0BF16DB}"/>
+              </a:ext>
+            </a:extLst>
+          </p:cNvPr>
+          <p:cNvGrpSpPr/>
+          <p:nvPr/>
+        </p:nvGrpSpPr>
+        <p:grpSpPr>
+          <a:xfrm>
+            <a:off x="2679702" y="2715550"/>
+            <a:ext cx="798644" cy="525780"/>
+            <a:chOff x="2669117" y="1511735"/>
+            <a:chExt cx="798644" cy="525780"/>
+          </a:xfrm>
+        </p:grpSpPr>
+        <p:pic>
+          <p:nvPicPr>
+            <p:cNvPr id="32" name="Graphic 31" descr="Line arrow Straight">
+              <a:extLst>
+                <a:ext uri="{FF2B5EF4-FFF2-40B4-BE49-F238E27FC236}">
+                  <a16:creationId xmlns:a16="http://schemas.microsoft.com/office/drawing/2014/main" id="{B30D512E-D138-445C-80D2-51FFDD1190B0}"/>
+                </a:ext>
+              </a:extLst>
+            </p:cNvPr>
+            <p:cNvPicPr>
+              <a:picLocks noChangeAspect="1"/>
+            </p:cNvPicPr>
+            <p:nvPr/>
+          </p:nvPicPr>
+          <p:blipFill>
+            <a:blip r:embed="rId4">
+              <a:extLst>
+                <a:ext uri="{28A0092B-C50C-407E-A947-70E740481C1C}">
+                  <a14:useLocalDpi xmlns:a14="http://schemas.microsoft.com/office/drawing/2010/main" val="0"/>
+                </a:ext>
+                <a:ext uri="{96DAC541-7B7A-43D3-8B79-37D633B846F1}">
+                  <asvg:svgBlip xmlns:asvg="http://schemas.microsoft.com/office/drawing/2016/SVG/main" r:embed="rId5"/>
+                </a:ext>
+              </a:extLst>
+            </a:blip>
+            <a:stretch>
+              <a:fillRect/>
+            </a:stretch>
+          </p:blipFill>
+          <p:spPr>
+            <a:xfrm rot="10800000">
+              <a:off x="2941981" y="1511735"/>
+              <a:ext cx="525780" cy="525780"/>
+            </a:xfrm>
+            <a:prstGeom prst="rect">
+              <a:avLst/>
+            </a:prstGeom>
+          </p:spPr>
+        </p:pic>
+        <p:cxnSp>
+          <p:nvCxnSpPr>
+            <p:cNvPr id="33" name="Straight Connector 32">
+              <a:extLst>
+                <a:ext uri="{FF2B5EF4-FFF2-40B4-BE49-F238E27FC236}">
+                  <a16:creationId xmlns:a16="http://schemas.microsoft.com/office/drawing/2014/main" id="{76687DF8-B793-4A0C-9F3A-74BEB13D1E3E}"/>
+                </a:ext>
+              </a:extLst>
+            </p:cNvPr>
+            <p:cNvCxnSpPr>
+              <a:cxnSpLocks/>
+            </p:cNvCxnSpPr>
+            <p:nvPr/>
+          </p:nvCxnSpPr>
+          <p:spPr>
+            <a:xfrm flipH="1">
+              <a:off x="2669117" y="1774625"/>
+              <a:ext cx="742953" cy="0"/>
+            </a:xfrm>
+            <a:prstGeom prst="line">
+              <a:avLst/>
+            </a:prstGeom>
+            <a:ln w="32385" cap="rnd">
+              <a:solidFill>
+                <a:schemeClr val="accent6">
+                  <a:lumMod val="50000"/>
+                </a:schemeClr>
+              </a:solidFill>
+            </a:ln>
+          </p:spPr>
+          <p:style>
+            <a:lnRef idx="1">
+              <a:schemeClr val="accent1"/>
+            </a:lnRef>
+            <a:fillRef idx="0">
+              <a:schemeClr val="accent1"/>
+            </a:fillRef>
+            <a:effectRef idx="0">
+              <a:schemeClr val="accent1"/>
+            </a:effectRef>
+            <a:fontRef idx="minor">
+              <a:schemeClr val="tx1"/>
+            </a:fontRef>
+          </p:style>
+        </p:cxnSp>
+      </p:grpSp>
+      <p:grpSp>
+        <p:nvGrpSpPr>
+          <p:cNvPr id="34" name="Group 33">
+            <a:extLst>
+              <a:ext uri="{FF2B5EF4-FFF2-40B4-BE49-F238E27FC236}">
+                <a16:creationId xmlns:a16="http://schemas.microsoft.com/office/drawing/2014/main" id="{53AFB80C-5226-4011-841A-975A98948BEE}"/>
+              </a:ext>
+            </a:extLst>
+          </p:cNvPr>
+          <p:cNvGrpSpPr/>
+          <p:nvPr/>
+        </p:nvGrpSpPr>
+        <p:grpSpPr>
+          <a:xfrm>
+            <a:off x="2679702" y="3310225"/>
+            <a:ext cx="798644" cy="525780"/>
+            <a:chOff x="2669117" y="1511735"/>
+            <a:chExt cx="798644" cy="525780"/>
+          </a:xfrm>
+        </p:grpSpPr>
+        <p:pic>
+          <p:nvPicPr>
+            <p:cNvPr id="35" name="Graphic 34" descr="Line arrow Straight">
+              <a:extLst>
+                <a:ext uri="{FF2B5EF4-FFF2-40B4-BE49-F238E27FC236}">
+                  <a16:creationId xmlns:a16="http://schemas.microsoft.com/office/drawing/2014/main" id="{8E852E41-4E3D-4142-B735-454D115EBACC}"/>
+                </a:ext>
+              </a:extLst>
+            </p:cNvPr>
+            <p:cNvPicPr>
+              <a:picLocks noChangeAspect="1"/>
+            </p:cNvPicPr>
+            <p:nvPr/>
+          </p:nvPicPr>
+          <p:blipFill>
+            <a:blip r:embed="rId4">
+              <a:extLst>
+                <a:ext uri="{28A0092B-C50C-407E-A947-70E740481C1C}">
+                  <a14:useLocalDpi xmlns:a14="http://schemas.microsoft.com/office/drawing/2010/main" val="0"/>
+                </a:ext>
+                <a:ext uri="{96DAC541-7B7A-43D3-8B79-37D633B846F1}">
+                  <asvg:svgBlip xmlns:asvg="http://schemas.microsoft.com/office/drawing/2016/SVG/main" r:embed="rId5"/>
+                </a:ext>
+              </a:extLst>
+            </a:blip>
+            <a:stretch>
+              <a:fillRect/>
+            </a:stretch>
+          </p:blipFill>
+          <p:spPr>
+            <a:xfrm rot="10800000">
+              <a:off x="2941981" y="1511735"/>
+              <a:ext cx="525780" cy="525780"/>
+            </a:xfrm>
+            <a:prstGeom prst="rect">
+              <a:avLst/>
+            </a:prstGeom>
+          </p:spPr>
+        </p:pic>
+        <p:cxnSp>
+          <p:nvCxnSpPr>
+            <p:cNvPr id="36" name="Straight Connector 35">
+              <a:extLst>
+                <a:ext uri="{FF2B5EF4-FFF2-40B4-BE49-F238E27FC236}">
+                  <a16:creationId xmlns:a16="http://schemas.microsoft.com/office/drawing/2014/main" id="{97ED7FCB-F190-4AD0-83AD-EADFC9303DDD}"/>
+                </a:ext>
+              </a:extLst>
+            </p:cNvPr>
+            <p:cNvCxnSpPr>
+              <a:cxnSpLocks/>
+            </p:cNvCxnSpPr>
+            <p:nvPr/>
+          </p:nvCxnSpPr>
+          <p:spPr>
+            <a:xfrm flipH="1">
+              <a:off x="2669117" y="1774625"/>
+              <a:ext cx="742953" cy="0"/>
+            </a:xfrm>
+            <a:prstGeom prst="line">
+              <a:avLst/>
+            </a:prstGeom>
+            <a:ln w="32385" cap="rnd">
+              <a:solidFill>
+                <a:schemeClr val="accent6">
+                  <a:lumMod val="50000"/>
+                </a:schemeClr>
+              </a:solidFill>
+            </a:ln>
+          </p:spPr>
+          <p:style>
+            <a:lnRef idx="1">
+              <a:schemeClr val="accent1"/>
+            </a:lnRef>
+            <a:fillRef idx="0">
+              <a:schemeClr val="accent1"/>
+            </a:fillRef>
+            <a:effectRef idx="0">
+              <a:schemeClr val="accent1"/>
+            </a:effectRef>
+            <a:fontRef idx="minor">
+              <a:schemeClr val="tx1"/>
+            </a:fontRef>
+          </p:style>
+        </p:cxnSp>
+      </p:grpSp>
+      <p:grpSp>
+        <p:nvGrpSpPr>
+          <p:cNvPr id="10" name="Group 9">
+            <a:extLst>
+              <a:ext uri="{FF2B5EF4-FFF2-40B4-BE49-F238E27FC236}">
+                <a16:creationId xmlns:a16="http://schemas.microsoft.com/office/drawing/2014/main" id="{A1606F1D-C847-4DA1-9FCE-90F763F4731C}"/>
+              </a:ext>
+            </a:extLst>
+          </p:cNvPr>
+          <p:cNvGrpSpPr/>
+          <p:nvPr/>
+        </p:nvGrpSpPr>
+        <p:grpSpPr>
+          <a:xfrm>
+            <a:off x="1706548" y="1494843"/>
+            <a:ext cx="999877" cy="2361540"/>
+            <a:chOff x="1721457" y="1709528"/>
+            <a:chExt cx="999877" cy="2361540"/>
           </a:xfrm>
         </p:grpSpPr>
         <p:sp>
           <p:nvSpPr>
-            <p:cNvPr id="4" name="Rectangle: Rounded Corners 3">
+            <p:cNvPr id="8" name="Rectangle: Rounded Corners 7">
               <a:extLst>
                 <a:ext uri="{FF2B5EF4-FFF2-40B4-BE49-F238E27FC236}">
-                  <a16:creationId xmlns:a16="http://schemas.microsoft.com/office/drawing/2014/main" id="{9D876E0D-4185-4F1D-B418-B3339D44F825}"/>
+                  <a16:creationId xmlns:a16="http://schemas.microsoft.com/office/drawing/2014/main" id="{C72EAF8E-B859-4CE8-954A-85AC08B90EFF}"/>
                 </a:ext>
               </a:extLst>
             </p:cNvPr>
@@ -3394,19 +3878,15 @@
             <p:nvPr/>
           </p:nvSpPr>
           <p:spPr>
-            <a:xfrm>
-              <a:off x="1439187" y="1003852"/>
-              <a:ext cx="1534601" cy="3106972"/>
+            <a:xfrm rot="16200000">
+              <a:off x="737483" y="2693504"/>
+              <a:ext cx="2361538" cy="393589"/>
             </a:xfrm>
             <a:prstGeom prst="roundRect">
-              <a:avLst>
-                <a:gd name="adj" fmla="val 3114"/>
-              </a:avLst>
+              <a:avLst/>
             </a:prstGeom>
             <a:solidFill>
-              <a:schemeClr val="accent1">
-                <a:lumMod val="75000"/>
-              </a:schemeClr>
+              <a:schemeClr val="bg1"/>
             </a:solidFill>
             <a:ln>
               <a:noFill/>
@@ -3429,29 +3909,31 @@
             </a:fontRef>
           </p:style>
           <p:txBody>
-            <a:bodyPr rtlCol="0" anchor="t"/>
+            <a:bodyPr rtlCol="0" anchor="ctr"/>
             <a:lstStyle/>
             <a:p>
               <a:pPr algn="ctr"/>
               <a:r>
-                <a:rPr lang="en-GB" dirty="0">
+                <a:rPr lang="en-GB" sz="1600" dirty="0">
                   <a:solidFill>
-                    <a:schemeClr val="bg1"/>
+                    <a:schemeClr val="accent1">
+                      <a:lumMod val="75000"/>
+                    </a:schemeClr>
                   </a:solidFill>
-                  <a:latin typeface="Segoe UI Semibold" panose="020B0702040204020203" pitchFamily="34" charset="0"/>
-                  <a:cs typeface="Segoe UI Semibold" panose="020B0702040204020203" pitchFamily="34" charset="0"/>
+                  <a:latin typeface="Segoe UI Light" panose="020B0502040204020203" pitchFamily="34" charset="0"/>
+                  <a:cs typeface="Segoe UI Light" panose="020B0502040204020203" pitchFamily="34" charset="0"/>
                 </a:rPr>
-                <a:t>Account</a:t>
+                <a:t>Azure Storage Account</a:t>
               </a:r>
             </a:p>
           </p:txBody>
         </p:sp>
         <p:sp>
           <p:nvSpPr>
-            <p:cNvPr id="11" name="Rectangle: Rounded Corners 10">
+            <p:cNvPr id="9" name="Rectangle: Rounded Corners 8">
               <a:extLst>
                 <a:ext uri="{FF2B5EF4-FFF2-40B4-BE49-F238E27FC236}">
-                  <a16:creationId xmlns:a16="http://schemas.microsoft.com/office/drawing/2014/main" id="{1962626F-7974-4EC1-A3CE-AFCF23B23366}"/>
+                  <a16:creationId xmlns:a16="http://schemas.microsoft.com/office/drawing/2014/main" id="{8418BDC7-DD24-40A9-9A77-51926E728CAB}"/>
                 </a:ext>
               </a:extLst>
             </p:cNvPr>
@@ -3459,19 +3941,15 @@
             <p:nvPr/>
           </p:nvSpPr>
           <p:spPr>
-            <a:xfrm>
-              <a:off x="3241149" y="1003852"/>
-              <a:ext cx="1534601" cy="3106972"/>
+            <a:xfrm rot="16200000">
+              <a:off x="1343770" y="2693503"/>
+              <a:ext cx="2361540" cy="393589"/>
             </a:xfrm>
             <a:prstGeom prst="roundRect">
-              <a:avLst>
-                <a:gd name="adj" fmla="val 3114"/>
-              </a:avLst>
+              <a:avLst/>
             </a:prstGeom>
             <a:solidFill>
-              <a:schemeClr val="accent6">
-                <a:lumMod val="75000"/>
-              </a:schemeClr>
+              <a:schemeClr val="bg1"/>
             </a:solidFill>
             <a:ln>
               <a:noFill/>
@@ -3494,706 +3972,122 @@
             </a:fontRef>
           </p:style>
           <p:txBody>
-            <a:bodyPr rtlCol="0" anchor="t"/>
+            <a:bodyPr rtlCol="0" anchor="ctr"/>
             <a:lstStyle/>
             <a:p>
               <a:pPr algn="ctr"/>
               <a:r>
-                <a:rPr lang="en-GB" dirty="0">
+                <a:rPr lang="en-GB" sz="1600" dirty="0">
                   <a:solidFill>
-                    <a:schemeClr val="bg1"/>
+                    <a:schemeClr val="accent1">
+                      <a:lumMod val="75000"/>
+                    </a:schemeClr>
                   </a:solidFill>
-                  <a:latin typeface="Segoe UI Semibold" panose="020B0702040204020203" pitchFamily="34" charset="0"/>
-                  <a:cs typeface="Segoe UI Semibold" panose="020B0702040204020203" pitchFamily="34" charset="0"/>
+                  <a:latin typeface="Segoe UI Light" panose="020B0502040204020203" pitchFamily="34" charset="0"/>
+                  <a:cs typeface="Segoe UI Light" panose="020B0502040204020203" pitchFamily="34" charset="0"/>
                 </a:rPr>
-                <a:t>Share</a:t>
+                <a:t>Azure File Shares</a:t>
               </a:r>
             </a:p>
           </p:txBody>
         </p:sp>
+      </p:grpSp>
+      <p:sp>
+        <p:nvSpPr>
+          <p:cNvPr id="37" name="Rectangle: Rounded Corners 36">
+            <a:extLst>
+              <a:ext uri="{FF2B5EF4-FFF2-40B4-BE49-F238E27FC236}">
+                <a16:creationId xmlns:a16="http://schemas.microsoft.com/office/drawing/2014/main" id="{2642C3A0-57A1-4570-9CDB-6E8B46D2CE7A}"/>
+              </a:ext>
+            </a:extLst>
+          </p:cNvPr>
+          <p:cNvSpPr/>
+          <p:nvPr/>
+        </p:nvSpPr>
+        <p:spPr>
+          <a:xfrm>
+            <a:off x="5043111" y="1003852"/>
+            <a:ext cx="1534601" cy="3106972"/>
+          </a:xfrm>
+          <a:prstGeom prst="roundRect">
+            <a:avLst>
+              <a:gd name="adj" fmla="val 3114"/>
+            </a:avLst>
+          </a:prstGeom>
+          <a:solidFill>
+            <a:schemeClr val="accent4">
+              <a:lumMod val="75000"/>
+            </a:schemeClr>
+          </a:solidFill>
+          <a:ln>
+            <a:noFill/>
+          </a:ln>
+        </p:spPr>
+        <p:style>
+          <a:lnRef idx="2">
+            <a:schemeClr val="accent1">
+              <a:shade val="50000"/>
+            </a:schemeClr>
+          </a:lnRef>
+          <a:fillRef idx="1">
+            <a:schemeClr val="accent1"/>
+          </a:fillRef>
+          <a:effectRef idx="0">
+            <a:schemeClr val="accent1"/>
+          </a:effectRef>
+          <a:fontRef idx="minor">
+            <a:schemeClr val="lt1"/>
+          </a:fontRef>
+        </p:style>
+        <p:txBody>
+          <a:bodyPr rtlCol="0" anchor="t"/>
+          <a:lstStyle/>
+          <a:p>
+            <a:pPr algn="ctr"/>
+            <a:r>
+              <a:rPr lang="en-GB" dirty="0">
+                <a:solidFill>
+                  <a:schemeClr val="bg1"/>
+                </a:solidFill>
+                <a:latin typeface="Segoe UI Semibold" panose="020B0702040204020203" pitchFamily="34" charset="0"/>
+                <a:cs typeface="Segoe UI Semibold" panose="020B0702040204020203" pitchFamily="34" charset="0"/>
+              </a:rPr>
+              <a:t>Directories</a:t>
+            </a:r>
+          </a:p>
+        </p:txBody>
+      </p:sp>
+      <p:grpSp>
+        <p:nvGrpSpPr>
+          <p:cNvPr id="43" name="Group 42">
+            <a:extLst>
+              <a:ext uri="{FF2B5EF4-FFF2-40B4-BE49-F238E27FC236}">
+                <a16:creationId xmlns:a16="http://schemas.microsoft.com/office/drawing/2014/main" id="{B4D9E1CA-DB52-428A-9647-B6493FBC23B2}"/>
+              </a:ext>
+            </a:extLst>
+          </p:cNvPr>
+          <p:cNvGrpSpPr/>
+          <p:nvPr/>
+        </p:nvGrpSpPr>
+        <p:grpSpPr>
+          <a:xfrm>
+            <a:off x="4483771" y="1511735"/>
+            <a:ext cx="798644" cy="525780"/>
+            <a:chOff x="2669117" y="1511735"/>
+            <a:chExt cx="798644" cy="525780"/>
+          </a:xfrm>
+          <a:solidFill>
+            <a:schemeClr val="accent4">
+              <a:lumMod val="50000"/>
+            </a:schemeClr>
+          </a:solidFill>
+        </p:grpSpPr>
         <p:pic>
           <p:nvPicPr>
-            <p:cNvPr id="20" name="Graphic 19" descr="Line arrow Straight">
+            <p:cNvPr id="44" name="Graphic 43" descr="Line arrow Straight">
               <a:extLst>
                 <a:ext uri="{FF2B5EF4-FFF2-40B4-BE49-F238E27FC236}">
-                  <a16:creationId xmlns:a16="http://schemas.microsoft.com/office/drawing/2014/main" id="{CBF75754-54B0-47BB-A8E7-874539A7809C}"/>
-                </a:ext>
-              </a:extLst>
-            </p:cNvPr>
-            <p:cNvPicPr>
-              <a:picLocks noChangeAspect="1"/>
-            </p:cNvPicPr>
-            <p:nvPr/>
-          </p:nvPicPr>
-          <p:blipFill>
-            <a:blip r:embed="rId2">
-              <a:extLst>
-                <a:ext uri="{28A0092B-C50C-407E-A947-70E740481C1C}">
-                  <a14:useLocalDpi xmlns:a14="http://schemas.microsoft.com/office/drawing/2010/main" val="0"/>
-                </a:ext>
-                <a:ext uri="{96DAC541-7B7A-43D3-8B79-37D633B846F1}">
-                  <asvg:svgBlip xmlns:asvg="http://schemas.microsoft.com/office/drawing/2016/SVG/main" r:embed="rId3"/>
-                </a:ext>
-              </a:extLst>
-            </a:blip>
-            <a:stretch>
-              <a:fillRect/>
-            </a:stretch>
-          </p:blipFill>
-          <p:spPr>
-            <a:xfrm rot="10800000">
-              <a:off x="1807928" y="2341659"/>
-              <a:ext cx="525780" cy="525780"/>
-            </a:xfrm>
-            <a:prstGeom prst="rect">
-              <a:avLst/>
-            </a:prstGeom>
-          </p:spPr>
-        </p:pic>
-        <p:grpSp>
-          <p:nvGrpSpPr>
-            <p:cNvPr id="27" name="Group 26">
-              <a:extLst>
-                <a:ext uri="{FF2B5EF4-FFF2-40B4-BE49-F238E27FC236}">
-                  <a16:creationId xmlns:a16="http://schemas.microsoft.com/office/drawing/2014/main" id="{F6A0E7C2-AB65-4EBF-96CB-3D52914C3D8C}"/>
-                </a:ext>
-              </a:extLst>
-            </p:cNvPr>
-            <p:cNvGrpSpPr/>
-            <p:nvPr/>
-          </p:nvGrpSpPr>
-          <p:grpSpPr>
-            <a:xfrm>
-              <a:off x="2679702" y="1511735"/>
-              <a:ext cx="798644" cy="525780"/>
-              <a:chOff x="2669117" y="1511735"/>
-              <a:chExt cx="798644" cy="525780"/>
-            </a:xfrm>
-          </p:grpSpPr>
-          <p:pic>
-            <p:nvPicPr>
-              <p:cNvPr id="21" name="Graphic 20" descr="Line arrow Straight">
-                <a:extLst>
-                  <a:ext uri="{FF2B5EF4-FFF2-40B4-BE49-F238E27FC236}">
-                    <a16:creationId xmlns:a16="http://schemas.microsoft.com/office/drawing/2014/main" id="{DCC5D097-29BB-42E3-97B6-4B4B3DED66AA}"/>
-                  </a:ext>
-                </a:extLst>
-              </p:cNvPr>
-              <p:cNvPicPr>
-                <a:picLocks noChangeAspect="1"/>
-              </p:cNvPicPr>
-              <p:nvPr/>
-            </p:nvPicPr>
-            <p:blipFill>
-              <a:blip r:embed="rId4">
-                <a:extLst>
-                  <a:ext uri="{28A0092B-C50C-407E-A947-70E740481C1C}">
-                    <a14:useLocalDpi xmlns:a14="http://schemas.microsoft.com/office/drawing/2010/main" val="0"/>
-                  </a:ext>
-                  <a:ext uri="{96DAC541-7B7A-43D3-8B79-37D633B846F1}">
-                    <asvg:svgBlip xmlns:asvg="http://schemas.microsoft.com/office/drawing/2016/SVG/main" r:embed="rId5"/>
-                  </a:ext>
-                </a:extLst>
-              </a:blip>
-              <a:stretch>
-                <a:fillRect/>
-              </a:stretch>
-            </p:blipFill>
-            <p:spPr>
-              <a:xfrm rot="10800000">
-                <a:off x="2941981" y="1511735"/>
-                <a:ext cx="525780" cy="525780"/>
-              </a:xfrm>
-              <a:prstGeom prst="rect">
-                <a:avLst/>
-              </a:prstGeom>
-            </p:spPr>
-          </p:pic>
-          <p:cxnSp>
-            <p:nvCxnSpPr>
-              <p:cNvPr id="23" name="Straight Connector 22">
-                <a:extLst>
-                  <a:ext uri="{FF2B5EF4-FFF2-40B4-BE49-F238E27FC236}">
-                    <a16:creationId xmlns:a16="http://schemas.microsoft.com/office/drawing/2014/main" id="{80D46503-FF6B-4F3E-9E25-BE77004471B4}"/>
-                  </a:ext>
-                </a:extLst>
-              </p:cNvPr>
-              <p:cNvCxnSpPr>
-                <a:cxnSpLocks/>
-              </p:cNvCxnSpPr>
-              <p:nvPr/>
-            </p:nvCxnSpPr>
-            <p:spPr>
-              <a:xfrm flipH="1">
-                <a:off x="2669117" y="1774625"/>
-                <a:ext cx="742953" cy="0"/>
-              </a:xfrm>
-              <a:prstGeom prst="line">
-                <a:avLst/>
-              </a:prstGeom>
-              <a:ln w="32385" cap="rnd">
-                <a:solidFill>
-                  <a:schemeClr val="accent6">
-                    <a:lumMod val="50000"/>
-                  </a:schemeClr>
-                </a:solidFill>
-              </a:ln>
-            </p:spPr>
-            <p:style>
-              <a:lnRef idx="1">
-                <a:schemeClr val="accent1"/>
-              </a:lnRef>
-              <a:fillRef idx="0">
-                <a:schemeClr val="accent1"/>
-              </a:fillRef>
-              <a:effectRef idx="0">
-                <a:schemeClr val="accent1"/>
-              </a:effectRef>
-              <a:fontRef idx="minor">
-                <a:schemeClr val="tx1"/>
-              </a:fontRef>
-            </p:style>
-          </p:cxnSp>
-        </p:grpSp>
-        <p:grpSp>
-          <p:nvGrpSpPr>
-            <p:cNvPr id="31" name="Group 30">
-              <a:extLst>
-                <a:ext uri="{FF2B5EF4-FFF2-40B4-BE49-F238E27FC236}">
-                  <a16:creationId xmlns:a16="http://schemas.microsoft.com/office/drawing/2014/main" id="{D13A679F-0C19-4047-809A-79CCB0BF16DB}"/>
-                </a:ext>
-              </a:extLst>
-            </p:cNvPr>
-            <p:cNvGrpSpPr/>
-            <p:nvPr/>
-          </p:nvGrpSpPr>
-          <p:grpSpPr>
-            <a:xfrm>
-              <a:off x="2679702" y="2715550"/>
-              <a:ext cx="798644" cy="525780"/>
-              <a:chOff x="2669117" y="1511735"/>
-              <a:chExt cx="798644" cy="525780"/>
-            </a:xfrm>
-          </p:grpSpPr>
-          <p:pic>
-            <p:nvPicPr>
-              <p:cNvPr id="32" name="Graphic 31" descr="Line arrow Straight">
-                <a:extLst>
-                  <a:ext uri="{FF2B5EF4-FFF2-40B4-BE49-F238E27FC236}">
-                    <a16:creationId xmlns:a16="http://schemas.microsoft.com/office/drawing/2014/main" id="{B30D512E-D138-445C-80D2-51FFDD1190B0}"/>
-                  </a:ext>
-                </a:extLst>
-              </p:cNvPr>
-              <p:cNvPicPr>
-                <a:picLocks noChangeAspect="1"/>
-              </p:cNvPicPr>
-              <p:nvPr/>
-            </p:nvPicPr>
-            <p:blipFill>
-              <a:blip r:embed="rId4">
-                <a:extLst>
-                  <a:ext uri="{28A0092B-C50C-407E-A947-70E740481C1C}">
-                    <a14:useLocalDpi xmlns:a14="http://schemas.microsoft.com/office/drawing/2010/main" val="0"/>
-                  </a:ext>
-                  <a:ext uri="{96DAC541-7B7A-43D3-8B79-37D633B846F1}">
-                    <asvg:svgBlip xmlns:asvg="http://schemas.microsoft.com/office/drawing/2016/SVG/main" r:embed="rId5"/>
-                  </a:ext>
-                </a:extLst>
-              </a:blip>
-              <a:stretch>
-                <a:fillRect/>
-              </a:stretch>
-            </p:blipFill>
-            <p:spPr>
-              <a:xfrm rot="10800000">
-                <a:off x="2941981" y="1511735"/>
-                <a:ext cx="525780" cy="525780"/>
-              </a:xfrm>
-              <a:prstGeom prst="rect">
-                <a:avLst/>
-              </a:prstGeom>
-            </p:spPr>
-          </p:pic>
-          <p:cxnSp>
-            <p:nvCxnSpPr>
-              <p:cNvPr id="33" name="Straight Connector 32">
-                <a:extLst>
-                  <a:ext uri="{FF2B5EF4-FFF2-40B4-BE49-F238E27FC236}">
-                    <a16:creationId xmlns:a16="http://schemas.microsoft.com/office/drawing/2014/main" id="{76687DF8-B793-4A0C-9F3A-74BEB13D1E3E}"/>
-                  </a:ext>
-                </a:extLst>
-              </p:cNvPr>
-              <p:cNvCxnSpPr>
-                <a:cxnSpLocks/>
-              </p:cNvCxnSpPr>
-              <p:nvPr/>
-            </p:nvCxnSpPr>
-            <p:spPr>
-              <a:xfrm flipH="1">
-                <a:off x="2669117" y="1774625"/>
-                <a:ext cx="742953" cy="0"/>
-              </a:xfrm>
-              <a:prstGeom prst="line">
-                <a:avLst/>
-              </a:prstGeom>
-              <a:ln w="32385" cap="rnd">
-                <a:solidFill>
-                  <a:schemeClr val="accent6">
-                    <a:lumMod val="50000"/>
-                  </a:schemeClr>
-                </a:solidFill>
-              </a:ln>
-            </p:spPr>
-            <p:style>
-              <a:lnRef idx="1">
-                <a:schemeClr val="accent1"/>
-              </a:lnRef>
-              <a:fillRef idx="0">
-                <a:schemeClr val="accent1"/>
-              </a:fillRef>
-              <a:effectRef idx="0">
-                <a:schemeClr val="accent1"/>
-              </a:effectRef>
-              <a:fontRef idx="minor">
-                <a:schemeClr val="tx1"/>
-              </a:fontRef>
-            </p:style>
-          </p:cxnSp>
-        </p:grpSp>
-        <p:grpSp>
-          <p:nvGrpSpPr>
-            <p:cNvPr id="34" name="Group 33">
-              <a:extLst>
-                <a:ext uri="{FF2B5EF4-FFF2-40B4-BE49-F238E27FC236}">
-                  <a16:creationId xmlns:a16="http://schemas.microsoft.com/office/drawing/2014/main" id="{53AFB80C-5226-4011-841A-975A98948BEE}"/>
-                </a:ext>
-              </a:extLst>
-            </p:cNvPr>
-            <p:cNvGrpSpPr/>
-            <p:nvPr/>
-          </p:nvGrpSpPr>
-          <p:grpSpPr>
-            <a:xfrm>
-              <a:off x="2679702" y="3310225"/>
-              <a:ext cx="798644" cy="525780"/>
-              <a:chOff x="2669117" y="1511735"/>
-              <a:chExt cx="798644" cy="525780"/>
-            </a:xfrm>
-          </p:grpSpPr>
-          <p:pic>
-            <p:nvPicPr>
-              <p:cNvPr id="35" name="Graphic 34" descr="Line arrow Straight">
-                <a:extLst>
-                  <a:ext uri="{FF2B5EF4-FFF2-40B4-BE49-F238E27FC236}">
-                    <a16:creationId xmlns:a16="http://schemas.microsoft.com/office/drawing/2014/main" id="{8E852E41-4E3D-4142-B735-454D115EBACC}"/>
-                  </a:ext>
-                </a:extLst>
-              </p:cNvPr>
-              <p:cNvPicPr>
-                <a:picLocks noChangeAspect="1"/>
-              </p:cNvPicPr>
-              <p:nvPr/>
-            </p:nvPicPr>
-            <p:blipFill>
-              <a:blip r:embed="rId4">
-                <a:extLst>
-                  <a:ext uri="{28A0092B-C50C-407E-A947-70E740481C1C}">
-                    <a14:useLocalDpi xmlns:a14="http://schemas.microsoft.com/office/drawing/2010/main" val="0"/>
-                  </a:ext>
-                  <a:ext uri="{96DAC541-7B7A-43D3-8B79-37D633B846F1}">
-                    <asvg:svgBlip xmlns:asvg="http://schemas.microsoft.com/office/drawing/2016/SVG/main" r:embed="rId5"/>
-                  </a:ext>
-                </a:extLst>
-              </a:blip>
-              <a:stretch>
-                <a:fillRect/>
-              </a:stretch>
-            </p:blipFill>
-            <p:spPr>
-              <a:xfrm rot="10800000">
-                <a:off x="2941981" y="1511735"/>
-                <a:ext cx="525780" cy="525780"/>
-              </a:xfrm>
-              <a:prstGeom prst="rect">
-                <a:avLst/>
-              </a:prstGeom>
-            </p:spPr>
-          </p:pic>
-          <p:cxnSp>
-            <p:nvCxnSpPr>
-              <p:cNvPr id="36" name="Straight Connector 35">
-                <a:extLst>
-                  <a:ext uri="{FF2B5EF4-FFF2-40B4-BE49-F238E27FC236}">
-                    <a16:creationId xmlns:a16="http://schemas.microsoft.com/office/drawing/2014/main" id="{97ED7FCB-F190-4AD0-83AD-EADFC9303DDD}"/>
-                  </a:ext>
-                </a:extLst>
-              </p:cNvPr>
-              <p:cNvCxnSpPr>
-                <a:cxnSpLocks/>
-              </p:cNvCxnSpPr>
-              <p:nvPr/>
-            </p:nvCxnSpPr>
-            <p:spPr>
-              <a:xfrm flipH="1">
-                <a:off x="2669117" y="1774625"/>
-                <a:ext cx="742953" cy="0"/>
-              </a:xfrm>
-              <a:prstGeom prst="line">
-                <a:avLst/>
-              </a:prstGeom>
-              <a:ln w="32385" cap="rnd">
-                <a:solidFill>
-                  <a:schemeClr val="accent6">
-                    <a:lumMod val="50000"/>
-                  </a:schemeClr>
-                </a:solidFill>
-              </a:ln>
-            </p:spPr>
-            <p:style>
-              <a:lnRef idx="1">
-                <a:schemeClr val="accent1"/>
-              </a:lnRef>
-              <a:fillRef idx="0">
-                <a:schemeClr val="accent1"/>
-              </a:fillRef>
-              <a:effectRef idx="0">
-                <a:schemeClr val="accent1"/>
-              </a:effectRef>
-              <a:fontRef idx="minor">
-                <a:schemeClr val="tx1"/>
-              </a:fontRef>
-            </p:style>
-          </p:cxnSp>
-        </p:grpSp>
-        <p:grpSp>
-          <p:nvGrpSpPr>
-            <p:cNvPr id="10" name="Group 9">
-              <a:extLst>
-                <a:ext uri="{FF2B5EF4-FFF2-40B4-BE49-F238E27FC236}">
-                  <a16:creationId xmlns:a16="http://schemas.microsoft.com/office/drawing/2014/main" id="{A1606F1D-C847-4DA1-9FCE-90F763F4731C}"/>
-                </a:ext>
-              </a:extLst>
-            </p:cNvPr>
-            <p:cNvGrpSpPr/>
-            <p:nvPr/>
-          </p:nvGrpSpPr>
-          <p:grpSpPr>
-            <a:xfrm>
-              <a:off x="1706548" y="1494843"/>
-              <a:ext cx="999877" cy="2361540"/>
-              <a:chOff x="1721457" y="1709528"/>
-              <a:chExt cx="999877" cy="2361540"/>
-            </a:xfrm>
-          </p:grpSpPr>
-          <p:sp>
-            <p:nvSpPr>
-              <p:cNvPr id="8" name="Rectangle: Rounded Corners 7">
-                <a:extLst>
-                  <a:ext uri="{FF2B5EF4-FFF2-40B4-BE49-F238E27FC236}">
-                    <a16:creationId xmlns:a16="http://schemas.microsoft.com/office/drawing/2014/main" id="{C72EAF8E-B859-4CE8-954A-85AC08B90EFF}"/>
-                  </a:ext>
-                </a:extLst>
-              </p:cNvPr>
-              <p:cNvSpPr/>
-              <p:nvPr/>
-            </p:nvSpPr>
-            <p:spPr>
-              <a:xfrm rot="16200000">
-                <a:off x="737483" y="2693504"/>
-                <a:ext cx="2361538" cy="393589"/>
-              </a:xfrm>
-              <a:prstGeom prst="roundRect">
-                <a:avLst/>
-              </a:prstGeom>
-              <a:solidFill>
-                <a:schemeClr val="bg1"/>
-              </a:solidFill>
-              <a:ln>
-                <a:noFill/>
-              </a:ln>
-            </p:spPr>
-            <p:style>
-              <a:lnRef idx="2">
-                <a:schemeClr val="accent1">
-                  <a:shade val="50000"/>
-                </a:schemeClr>
-              </a:lnRef>
-              <a:fillRef idx="1">
-                <a:schemeClr val="accent1"/>
-              </a:fillRef>
-              <a:effectRef idx="0">
-                <a:schemeClr val="accent1"/>
-              </a:effectRef>
-              <a:fontRef idx="minor">
-                <a:schemeClr val="lt1"/>
-              </a:fontRef>
-            </p:style>
-            <p:txBody>
-              <a:bodyPr rtlCol="0" anchor="ctr"/>
-              <a:lstStyle/>
-              <a:p>
-                <a:pPr algn="ctr"/>
-                <a:r>
-                  <a:rPr lang="en-GB" sz="1600" dirty="0">
-                    <a:solidFill>
-                      <a:schemeClr val="accent1">
-                        <a:lumMod val="75000"/>
-                      </a:schemeClr>
-                    </a:solidFill>
-                    <a:latin typeface="Segoe UI Light" panose="020B0502040204020203" pitchFamily="34" charset="0"/>
-                    <a:cs typeface="Segoe UI Light" panose="020B0502040204020203" pitchFamily="34" charset="0"/>
-                  </a:rPr>
-                  <a:t>Azure Storage Account</a:t>
-                </a:r>
-              </a:p>
-            </p:txBody>
-          </p:sp>
-          <p:sp>
-            <p:nvSpPr>
-              <p:cNvPr id="9" name="Rectangle: Rounded Corners 8">
-                <a:extLst>
-                  <a:ext uri="{FF2B5EF4-FFF2-40B4-BE49-F238E27FC236}">
-                    <a16:creationId xmlns:a16="http://schemas.microsoft.com/office/drawing/2014/main" id="{8418BDC7-DD24-40A9-9A77-51926E728CAB}"/>
-                  </a:ext>
-                </a:extLst>
-              </p:cNvPr>
-              <p:cNvSpPr/>
-              <p:nvPr/>
-            </p:nvSpPr>
-            <p:spPr>
-              <a:xfrm rot="16200000">
-                <a:off x="1343770" y="2693503"/>
-                <a:ext cx="2361540" cy="393589"/>
-              </a:xfrm>
-              <a:prstGeom prst="roundRect">
-                <a:avLst/>
-              </a:prstGeom>
-              <a:solidFill>
-                <a:schemeClr val="bg1"/>
-              </a:solidFill>
-              <a:ln>
-                <a:noFill/>
-              </a:ln>
-            </p:spPr>
-            <p:style>
-              <a:lnRef idx="2">
-                <a:schemeClr val="accent1">
-                  <a:shade val="50000"/>
-                </a:schemeClr>
-              </a:lnRef>
-              <a:fillRef idx="1">
-                <a:schemeClr val="accent1"/>
-              </a:fillRef>
-              <a:effectRef idx="0">
-                <a:schemeClr val="accent1"/>
-              </a:effectRef>
-              <a:fontRef idx="minor">
-                <a:schemeClr val="lt1"/>
-              </a:fontRef>
-            </p:style>
-            <p:txBody>
-              <a:bodyPr rtlCol="0" anchor="ctr"/>
-              <a:lstStyle/>
-              <a:p>
-                <a:pPr algn="ctr"/>
-                <a:r>
-                  <a:rPr lang="en-GB" sz="1600" dirty="0">
-                    <a:solidFill>
-                      <a:schemeClr val="accent1">
-                        <a:lumMod val="75000"/>
-                      </a:schemeClr>
-                    </a:solidFill>
-                    <a:latin typeface="Segoe UI Light" panose="020B0502040204020203" pitchFamily="34" charset="0"/>
-                    <a:cs typeface="Segoe UI Light" panose="020B0502040204020203" pitchFamily="34" charset="0"/>
-                  </a:rPr>
-                  <a:t>Azure File Shares</a:t>
-                </a:r>
-              </a:p>
-            </p:txBody>
-          </p:sp>
-        </p:grpSp>
-        <p:sp>
-          <p:nvSpPr>
-            <p:cNvPr id="37" name="Rectangle: Rounded Corners 36">
-              <a:extLst>
-                <a:ext uri="{FF2B5EF4-FFF2-40B4-BE49-F238E27FC236}">
-                  <a16:creationId xmlns:a16="http://schemas.microsoft.com/office/drawing/2014/main" id="{2642C3A0-57A1-4570-9CDB-6E8B46D2CE7A}"/>
-                </a:ext>
-              </a:extLst>
-            </p:cNvPr>
-            <p:cNvSpPr/>
-            <p:nvPr/>
-          </p:nvSpPr>
-          <p:spPr>
-            <a:xfrm>
-              <a:off x="5043111" y="1003852"/>
-              <a:ext cx="1534601" cy="3106972"/>
-            </a:xfrm>
-            <a:prstGeom prst="roundRect">
-              <a:avLst>
-                <a:gd name="adj" fmla="val 3114"/>
-              </a:avLst>
-            </a:prstGeom>
-            <a:solidFill>
-              <a:schemeClr val="accent4">
-                <a:lumMod val="75000"/>
-              </a:schemeClr>
-            </a:solidFill>
-            <a:ln>
-              <a:noFill/>
-            </a:ln>
-          </p:spPr>
-          <p:style>
-            <a:lnRef idx="2">
-              <a:schemeClr val="accent1">
-                <a:shade val="50000"/>
-              </a:schemeClr>
-            </a:lnRef>
-            <a:fillRef idx="1">
-              <a:schemeClr val="accent1"/>
-            </a:fillRef>
-            <a:effectRef idx="0">
-              <a:schemeClr val="accent1"/>
-            </a:effectRef>
-            <a:fontRef idx="minor">
-              <a:schemeClr val="lt1"/>
-            </a:fontRef>
-          </p:style>
-          <p:txBody>
-            <a:bodyPr rtlCol="0" anchor="t"/>
-            <a:lstStyle/>
-            <a:p>
-              <a:pPr algn="ctr"/>
-              <a:r>
-                <a:rPr lang="en-GB" dirty="0">
-                  <a:solidFill>
-                    <a:schemeClr val="bg1"/>
-                  </a:solidFill>
-                  <a:latin typeface="Segoe UI Semibold" panose="020B0702040204020203" pitchFamily="34" charset="0"/>
-                  <a:cs typeface="Segoe UI Semibold" panose="020B0702040204020203" pitchFamily="34" charset="0"/>
-                </a:rPr>
-                <a:t>Directories</a:t>
-              </a:r>
-            </a:p>
-          </p:txBody>
-        </p:sp>
-        <p:grpSp>
-          <p:nvGrpSpPr>
-            <p:cNvPr id="43" name="Group 42">
-              <a:extLst>
-                <a:ext uri="{FF2B5EF4-FFF2-40B4-BE49-F238E27FC236}">
-                  <a16:creationId xmlns:a16="http://schemas.microsoft.com/office/drawing/2014/main" id="{B4D9E1CA-DB52-428A-9647-B6493FBC23B2}"/>
-                </a:ext>
-              </a:extLst>
-            </p:cNvPr>
-            <p:cNvGrpSpPr/>
-            <p:nvPr/>
-          </p:nvGrpSpPr>
-          <p:grpSpPr>
-            <a:xfrm>
-              <a:off x="4483771" y="1511735"/>
-              <a:ext cx="798644" cy="525780"/>
-              <a:chOff x="2669117" y="1511735"/>
-              <a:chExt cx="798644" cy="525780"/>
-            </a:xfrm>
-            <a:solidFill>
-              <a:schemeClr val="accent4">
-                <a:lumMod val="50000"/>
-              </a:schemeClr>
-            </a:solidFill>
-          </p:grpSpPr>
-          <p:pic>
-            <p:nvPicPr>
-              <p:cNvPr id="44" name="Graphic 43" descr="Line arrow Straight">
-                <a:extLst>
-                  <a:ext uri="{FF2B5EF4-FFF2-40B4-BE49-F238E27FC236}">
-                    <a16:creationId xmlns:a16="http://schemas.microsoft.com/office/drawing/2014/main" id="{7EC1AF9B-F10D-4C1F-94B9-BD0D505F2945}"/>
-                  </a:ext>
-                </a:extLst>
-              </p:cNvPr>
-              <p:cNvPicPr>
-                <a:picLocks noChangeAspect="1"/>
-              </p:cNvPicPr>
-              <p:nvPr/>
-            </p:nvPicPr>
-            <p:blipFill>
-              <a:blip r:embed="rId6">
-                <a:extLst>
-                  <a:ext uri="{28A0092B-C50C-407E-A947-70E740481C1C}">
-                    <a14:useLocalDpi xmlns:a14="http://schemas.microsoft.com/office/drawing/2010/main" val="0"/>
-                  </a:ext>
-                  <a:ext uri="{96DAC541-7B7A-43D3-8B79-37D633B846F1}">
-                    <asvg:svgBlip xmlns:asvg="http://schemas.microsoft.com/office/drawing/2016/SVG/main" r:embed="rId7"/>
-                  </a:ext>
-                </a:extLst>
-              </a:blip>
-              <a:stretch>
-                <a:fillRect/>
-              </a:stretch>
-            </p:blipFill>
-            <p:spPr>
-              <a:xfrm rot="10800000">
-                <a:off x="2941981" y="1511735"/>
-                <a:ext cx="525780" cy="525780"/>
-              </a:xfrm>
-              <a:prstGeom prst="rect">
-                <a:avLst/>
-              </a:prstGeom>
-            </p:spPr>
-          </p:pic>
-          <p:cxnSp>
-            <p:nvCxnSpPr>
-              <p:cNvPr id="45" name="Straight Connector 44">
-                <a:extLst>
-                  <a:ext uri="{FF2B5EF4-FFF2-40B4-BE49-F238E27FC236}">
-                    <a16:creationId xmlns:a16="http://schemas.microsoft.com/office/drawing/2014/main" id="{319BBDB5-560E-4C48-A3FB-2ADAC68E78D0}"/>
-                  </a:ext>
-                </a:extLst>
-              </p:cNvPr>
-              <p:cNvCxnSpPr>
-                <a:cxnSpLocks/>
-              </p:cNvCxnSpPr>
-              <p:nvPr/>
-            </p:nvCxnSpPr>
-            <p:spPr>
-              <a:xfrm flipH="1">
-                <a:off x="2669117" y="1774625"/>
-                <a:ext cx="742953" cy="0"/>
-              </a:xfrm>
-              <a:prstGeom prst="line">
-                <a:avLst/>
-              </a:prstGeom>
-              <a:grpFill/>
-              <a:ln w="32385" cap="rnd">
-                <a:solidFill>
-                  <a:schemeClr val="accent4">
-                    <a:lumMod val="50000"/>
-                  </a:schemeClr>
-                </a:solidFill>
-              </a:ln>
-            </p:spPr>
-            <p:style>
-              <a:lnRef idx="1">
-                <a:schemeClr val="accent1"/>
-              </a:lnRef>
-              <a:fillRef idx="0">
-                <a:schemeClr val="accent1"/>
-              </a:fillRef>
-              <a:effectRef idx="0">
-                <a:schemeClr val="accent1"/>
-              </a:effectRef>
-              <a:fontRef idx="minor">
-                <a:schemeClr val="tx1"/>
-              </a:fontRef>
-            </p:style>
-          </p:cxnSp>
-        </p:grpSp>
-        <p:pic>
-          <p:nvPicPr>
-            <p:cNvPr id="47" name="Graphic 46" descr="Line arrow Straight">
-              <a:extLst>
-                <a:ext uri="{FF2B5EF4-FFF2-40B4-BE49-F238E27FC236}">
-                  <a16:creationId xmlns:a16="http://schemas.microsoft.com/office/drawing/2014/main" id="{E35EE250-5714-43E9-AAA9-FCA0545FC65A}"/>
+                  <a16:creationId xmlns:a16="http://schemas.microsoft.com/office/drawing/2014/main" id="{7EC1AF9B-F10D-4C1F-94B9-BD0D505F2945}"/>
                 </a:ext>
               </a:extLst>
             </p:cNvPr>
@@ -4218,8 +4112,8 @@
             </a:stretch>
           </p:blipFill>
           <p:spPr>
-            <a:xfrm rot="12859942">
-              <a:off x="4811564" y="1993706"/>
+            <a:xfrm rot="10800000">
+              <a:off x="2941981" y="1511735"/>
               <a:ext cx="525780" cy="525780"/>
             </a:xfrm>
             <a:prstGeom prst="rect">
@@ -4229,10 +4123,10 @@
         </p:pic>
         <p:cxnSp>
           <p:nvCxnSpPr>
-            <p:cNvPr id="48" name="Straight Connector 47">
+            <p:cNvPr id="45" name="Straight Connector 44">
               <a:extLst>
                 <a:ext uri="{FF2B5EF4-FFF2-40B4-BE49-F238E27FC236}">
-                  <a16:creationId xmlns:a16="http://schemas.microsoft.com/office/drawing/2014/main" id="{11F715A5-FC72-464A-A705-FF95F9A2C182}"/>
+                  <a16:creationId xmlns:a16="http://schemas.microsoft.com/office/drawing/2014/main" id="{319BBDB5-560E-4C48-A3FB-2ADAC68E78D0}"/>
                 </a:ext>
               </a:extLst>
             </p:cNvPr>
@@ -4242,18 +4136,14 @@
             <p:nvPr/>
           </p:nvCxnSpPr>
           <p:spPr>
-            <a:xfrm flipH="1" flipV="1">
-              <a:off x="4501500" y="1865279"/>
-              <a:ext cx="744055" cy="508175"/>
+            <a:xfrm flipH="1">
+              <a:off x="2669117" y="1774625"/>
+              <a:ext cx="742953" cy="0"/>
             </a:xfrm>
             <a:prstGeom prst="line">
               <a:avLst/>
             </a:prstGeom>
-            <a:solidFill>
-              <a:schemeClr val="accent4">
-                <a:lumMod val="50000"/>
-              </a:schemeClr>
-            </a:solidFill>
+            <a:grpFill/>
             <a:ln w="32385" cap="rnd">
               <a:solidFill>
                 <a:schemeClr val="accent4">
@@ -4277,444 +4167,344 @@
             </a:fontRef>
           </p:style>
         </p:cxnSp>
-        <p:grpSp>
-          <p:nvGrpSpPr>
-            <p:cNvPr id="50" name="Group 49">
-              <a:extLst>
-                <a:ext uri="{FF2B5EF4-FFF2-40B4-BE49-F238E27FC236}">
-                  <a16:creationId xmlns:a16="http://schemas.microsoft.com/office/drawing/2014/main" id="{010062A4-A86F-42C9-ADE9-3DA2351AE264}"/>
-                </a:ext>
-              </a:extLst>
-            </p:cNvPr>
-            <p:cNvGrpSpPr/>
-            <p:nvPr/>
-          </p:nvGrpSpPr>
-          <p:grpSpPr>
-            <a:xfrm>
-              <a:off x="4483771" y="2708229"/>
-              <a:ext cx="798644" cy="525780"/>
-              <a:chOff x="2669117" y="1511735"/>
-              <a:chExt cx="798644" cy="525780"/>
-            </a:xfrm>
+      </p:grpSp>
+      <p:pic>
+        <p:nvPicPr>
+          <p:cNvPr id="47" name="Graphic 46" descr="Line arrow Straight">
+            <a:extLst>
+              <a:ext uri="{FF2B5EF4-FFF2-40B4-BE49-F238E27FC236}">
+                <a16:creationId xmlns:a16="http://schemas.microsoft.com/office/drawing/2014/main" id="{E35EE250-5714-43E9-AAA9-FCA0545FC65A}"/>
+              </a:ext>
+            </a:extLst>
+          </p:cNvPr>
+          <p:cNvPicPr>
+            <a:picLocks noChangeAspect="1"/>
+          </p:cNvPicPr>
+          <p:nvPr/>
+        </p:nvPicPr>
+        <p:blipFill>
+          <a:blip r:embed="rId6">
+            <a:extLst>
+              <a:ext uri="{28A0092B-C50C-407E-A947-70E740481C1C}">
+                <a14:useLocalDpi xmlns:a14="http://schemas.microsoft.com/office/drawing/2010/main" val="0"/>
+              </a:ext>
+              <a:ext uri="{96DAC541-7B7A-43D3-8B79-37D633B846F1}">
+                <asvg:svgBlip xmlns:asvg="http://schemas.microsoft.com/office/drawing/2016/SVG/main" r:embed="rId7"/>
+              </a:ext>
+            </a:extLst>
+          </a:blip>
+          <a:stretch>
+            <a:fillRect/>
+          </a:stretch>
+        </p:blipFill>
+        <p:spPr>
+          <a:xfrm rot="12859942">
+            <a:off x="4811564" y="1993706"/>
+            <a:ext cx="525780" cy="525780"/>
+          </a:xfrm>
+          <a:prstGeom prst="rect">
+            <a:avLst/>
+          </a:prstGeom>
+        </p:spPr>
+      </p:pic>
+      <p:cxnSp>
+        <p:nvCxnSpPr>
+          <p:cNvPr id="48" name="Straight Connector 47">
+            <a:extLst>
+              <a:ext uri="{FF2B5EF4-FFF2-40B4-BE49-F238E27FC236}">
+                <a16:creationId xmlns:a16="http://schemas.microsoft.com/office/drawing/2014/main" id="{11F715A5-FC72-464A-A705-FF95F9A2C182}"/>
+              </a:ext>
+            </a:extLst>
+          </p:cNvPr>
+          <p:cNvCxnSpPr>
+            <a:cxnSpLocks/>
+          </p:cNvCxnSpPr>
+          <p:nvPr/>
+        </p:nvCxnSpPr>
+        <p:spPr>
+          <a:xfrm flipH="1" flipV="1">
+            <a:off x="4501500" y="1865279"/>
+            <a:ext cx="744055" cy="508175"/>
+          </a:xfrm>
+          <a:prstGeom prst="line">
+            <a:avLst/>
+          </a:prstGeom>
+          <a:solidFill>
+            <a:schemeClr val="accent4">
+              <a:lumMod val="50000"/>
+            </a:schemeClr>
+          </a:solidFill>
+          <a:ln w="32385" cap="rnd">
             <a:solidFill>
               <a:schemeClr val="accent4">
                 <a:lumMod val="50000"/>
               </a:schemeClr>
             </a:solidFill>
-          </p:grpSpPr>
-          <p:pic>
-            <p:nvPicPr>
-              <p:cNvPr id="51" name="Graphic 50" descr="Line arrow Straight">
-                <a:extLst>
-                  <a:ext uri="{FF2B5EF4-FFF2-40B4-BE49-F238E27FC236}">
-                    <a16:creationId xmlns:a16="http://schemas.microsoft.com/office/drawing/2014/main" id="{C4F4802F-45F5-48DF-8D09-AD04FC792A3A}"/>
-                  </a:ext>
-                </a:extLst>
-              </p:cNvPr>
-              <p:cNvPicPr>
-                <a:picLocks noChangeAspect="1"/>
-              </p:cNvPicPr>
-              <p:nvPr/>
-            </p:nvPicPr>
-            <p:blipFill>
-              <a:blip r:embed="rId6">
-                <a:extLst>
-                  <a:ext uri="{28A0092B-C50C-407E-A947-70E740481C1C}">
-                    <a14:useLocalDpi xmlns:a14="http://schemas.microsoft.com/office/drawing/2010/main" val="0"/>
-                  </a:ext>
-                  <a:ext uri="{96DAC541-7B7A-43D3-8B79-37D633B846F1}">
-                    <asvg:svgBlip xmlns:asvg="http://schemas.microsoft.com/office/drawing/2016/SVG/main" r:embed="rId7"/>
-                  </a:ext>
-                </a:extLst>
-              </a:blip>
-              <a:stretch>
-                <a:fillRect/>
-              </a:stretch>
-            </p:blipFill>
-            <p:spPr>
-              <a:xfrm rot="10800000">
-                <a:off x="2941981" y="1511735"/>
-                <a:ext cx="525780" cy="525780"/>
-              </a:xfrm>
-              <a:prstGeom prst="rect">
-                <a:avLst/>
-              </a:prstGeom>
-            </p:spPr>
-          </p:pic>
-          <p:cxnSp>
-            <p:nvCxnSpPr>
-              <p:cNvPr id="52" name="Straight Connector 51">
-                <a:extLst>
-                  <a:ext uri="{FF2B5EF4-FFF2-40B4-BE49-F238E27FC236}">
-                    <a16:creationId xmlns:a16="http://schemas.microsoft.com/office/drawing/2014/main" id="{98078810-3F09-4103-B45E-0F226B7AB8AB}"/>
-                  </a:ext>
-                </a:extLst>
-              </p:cNvPr>
-              <p:cNvCxnSpPr>
-                <a:cxnSpLocks/>
-              </p:cNvCxnSpPr>
-              <p:nvPr/>
-            </p:nvCxnSpPr>
-            <p:spPr>
-              <a:xfrm flipH="1">
-                <a:off x="2669117" y="1774625"/>
-                <a:ext cx="742953" cy="0"/>
-              </a:xfrm>
-              <a:prstGeom prst="line">
-                <a:avLst/>
-              </a:prstGeom>
-              <a:grpFill/>
-              <a:ln w="32385" cap="rnd">
-                <a:solidFill>
-                  <a:schemeClr val="accent4">
-                    <a:lumMod val="50000"/>
-                  </a:schemeClr>
-                </a:solidFill>
-              </a:ln>
-            </p:spPr>
-            <p:style>
-              <a:lnRef idx="1">
-                <a:schemeClr val="accent1"/>
-              </a:lnRef>
-              <a:fillRef idx="0">
-                <a:schemeClr val="accent1"/>
-              </a:fillRef>
-              <a:effectRef idx="0">
-                <a:schemeClr val="accent1"/>
-              </a:effectRef>
-              <a:fontRef idx="minor">
-                <a:schemeClr val="tx1"/>
-              </a:fontRef>
-            </p:style>
-          </p:cxnSp>
-        </p:grpSp>
-        <p:grpSp>
-          <p:nvGrpSpPr>
-            <p:cNvPr id="53" name="Group 52">
+          </a:ln>
+        </p:spPr>
+        <p:style>
+          <a:lnRef idx="1">
+            <a:schemeClr val="accent1"/>
+          </a:lnRef>
+          <a:fillRef idx="0">
+            <a:schemeClr val="accent1"/>
+          </a:fillRef>
+          <a:effectRef idx="0">
+            <a:schemeClr val="accent1"/>
+          </a:effectRef>
+          <a:fontRef idx="minor">
+            <a:schemeClr val="tx1"/>
+          </a:fontRef>
+        </p:style>
+      </p:cxnSp>
+      <p:grpSp>
+        <p:nvGrpSpPr>
+          <p:cNvPr id="50" name="Group 49">
+            <a:extLst>
+              <a:ext uri="{FF2B5EF4-FFF2-40B4-BE49-F238E27FC236}">
+                <a16:creationId xmlns:a16="http://schemas.microsoft.com/office/drawing/2014/main" id="{010062A4-A86F-42C9-ADE9-3DA2351AE264}"/>
+              </a:ext>
+            </a:extLst>
+          </p:cNvPr>
+          <p:cNvGrpSpPr/>
+          <p:nvPr/>
+        </p:nvGrpSpPr>
+        <p:grpSpPr>
+          <a:xfrm>
+            <a:off x="4483771" y="2708229"/>
+            <a:ext cx="798644" cy="525780"/>
+            <a:chOff x="2669117" y="1511735"/>
+            <a:chExt cx="798644" cy="525780"/>
+          </a:xfrm>
+          <a:solidFill>
+            <a:schemeClr val="accent4">
+              <a:lumMod val="50000"/>
+            </a:schemeClr>
+          </a:solidFill>
+        </p:grpSpPr>
+        <p:pic>
+          <p:nvPicPr>
+            <p:cNvPr id="51" name="Graphic 50" descr="Line arrow Straight">
               <a:extLst>
                 <a:ext uri="{FF2B5EF4-FFF2-40B4-BE49-F238E27FC236}">
-                  <a16:creationId xmlns:a16="http://schemas.microsoft.com/office/drawing/2014/main" id="{9B83B377-69B8-4665-84C6-FECE66F15DEA}"/>
+                  <a16:creationId xmlns:a16="http://schemas.microsoft.com/office/drawing/2014/main" id="{C4F4802F-45F5-48DF-8D09-AD04FC792A3A}"/>
                 </a:ext>
               </a:extLst>
             </p:cNvPr>
-            <p:cNvGrpSpPr/>
+            <p:cNvPicPr>
+              <a:picLocks noChangeAspect="1"/>
+            </p:cNvPicPr>
             <p:nvPr/>
-          </p:nvGrpSpPr>
-          <p:grpSpPr>
-            <a:xfrm>
-              <a:off x="4483771" y="3315753"/>
-              <a:ext cx="798644" cy="525780"/>
-              <a:chOff x="2669117" y="1511735"/>
-              <a:chExt cx="798644" cy="525780"/>
+          </p:nvPicPr>
+          <p:blipFill>
+            <a:blip r:embed="rId6">
+              <a:extLst>
+                <a:ext uri="{28A0092B-C50C-407E-A947-70E740481C1C}">
+                  <a14:useLocalDpi xmlns:a14="http://schemas.microsoft.com/office/drawing/2010/main" val="0"/>
+                </a:ext>
+                <a:ext uri="{96DAC541-7B7A-43D3-8B79-37D633B846F1}">
+                  <asvg:svgBlip xmlns:asvg="http://schemas.microsoft.com/office/drawing/2016/SVG/main" r:embed="rId7"/>
+                </a:ext>
+              </a:extLst>
+            </a:blip>
+            <a:stretch>
+              <a:fillRect/>
+            </a:stretch>
+          </p:blipFill>
+          <p:spPr>
+            <a:xfrm rot="10800000">
+              <a:off x="2941981" y="1511735"/>
+              <a:ext cx="525780" cy="525780"/>
             </a:xfrm>
-            <a:solidFill>
-              <a:schemeClr val="accent4">
-                <a:lumMod val="50000"/>
-              </a:schemeClr>
-            </a:solidFill>
-          </p:grpSpPr>
-          <p:pic>
-            <p:nvPicPr>
-              <p:cNvPr id="54" name="Graphic 53" descr="Line arrow Straight">
-                <a:extLst>
-                  <a:ext uri="{FF2B5EF4-FFF2-40B4-BE49-F238E27FC236}">
-                    <a16:creationId xmlns:a16="http://schemas.microsoft.com/office/drawing/2014/main" id="{E9A1F82E-1523-4E86-AA63-8FC954A603B9}"/>
-                  </a:ext>
-                </a:extLst>
-              </p:cNvPr>
-              <p:cNvPicPr>
-                <a:picLocks noChangeAspect="1"/>
-              </p:cNvPicPr>
-              <p:nvPr/>
-            </p:nvPicPr>
-            <p:blipFill>
-              <a:blip r:embed="rId6">
-                <a:extLst>
-                  <a:ext uri="{28A0092B-C50C-407E-A947-70E740481C1C}">
-                    <a14:useLocalDpi xmlns:a14="http://schemas.microsoft.com/office/drawing/2010/main" val="0"/>
-                  </a:ext>
-                  <a:ext uri="{96DAC541-7B7A-43D3-8B79-37D633B846F1}">
-                    <asvg:svgBlip xmlns:asvg="http://schemas.microsoft.com/office/drawing/2016/SVG/main" r:embed="rId7"/>
-                  </a:ext>
-                </a:extLst>
-              </a:blip>
-              <a:stretch>
-                <a:fillRect/>
-              </a:stretch>
-            </p:blipFill>
-            <p:spPr>
-              <a:xfrm rot="10800000">
-                <a:off x="2941981" y="1511735"/>
-                <a:ext cx="525780" cy="525780"/>
-              </a:xfrm>
-              <a:prstGeom prst="rect">
-                <a:avLst/>
-              </a:prstGeom>
-            </p:spPr>
-          </p:pic>
-          <p:cxnSp>
-            <p:nvCxnSpPr>
-              <p:cNvPr id="55" name="Straight Connector 54">
-                <a:extLst>
-                  <a:ext uri="{FF2B5EF4-FFF2-40B4-BE49-F238E27FC236}">
-                    <a16:creationId xmlns:a16="http://schemas.microsoft.com/office/drawing/2014/main" id="{5C76BF72-BEA1-43A9-A3D5-947F77BBEA33}"/>
-                  </a:ext>
-                </a:extLst>
-              </p:cNvPr>
-              <p:cNvCxnSpPr>
-                <a:cxnSpLocks/>
-              </p:cNvCxnSpPr>
-              <p:nvPr/>
-            </p:nvCxnSpPr>
-            <p:spPr>
-              <a:xfrm flipH="1">
-                <a:off x="2669117" y="1774625"/>
-                <a:ext cx="742953" cy="0"/>
-              </a:xfrm>
-              <a:prstGeom prst="line">
-                <a:avLst/>
-              </a:prstGeom>
-              <a:grpFill/>
-              <a:ln w="32385" cap="rnd">
-                <a:solidFill>
-                  <a:schemeClr val="accent4">
-                    <a:lumMod val="50000"/>
-                  </a:schemeClr>
-                </a:solidFill>
-              </a:ln>
-            </p:spPr>
-            <p:style>
-              <a:lnRef idx="1">
-                <a:schemeClr val="accent1"/>
-              </a:lnRef>
-              <a:fillRef idx="0">
-                <a:schemeClr val="accent1"/>
-              </a:fillRef>
-              <a:effectRef idx="0">
-                <a:schemeClr val="accent1"/>
-              </a:effectRef>
-              <a:fontRef idx="minor">
-                <a:schemeClr val="tx1"/>
-              </a:fontRef>
-            </p:style>
-          </p:cxnSp>
-        </p:grpSp>
-        <p:grpSp>
-          <p:nvGrpSpPr>
-            <p:cNvPr id="18" name="Group 17">
+            <a:prstGeom prst="rect">
+              <a:avLst/>
+            </a:prstGeom>
+          </p:spPr>
+        </p:pic>
+        <p:cxnSp>
+          <p:nvCxnSpPr>
+            <p:cNvPr id="52" name="Straight Connector 51">
               <a:extLst>
                 <a:ext uri="{FF2B5EF4-FFF2-40B4-BE49-F238E27FC236}">
-                  <a16:creationId xmlns:a16="http://schemas.microsoft.com/office/drawing/2014/main" id="{1689137F-75B2-4578-AD61-F2C4FA919BD5}"/>
+                  <a16:creationId xmlns:a16="http://schemas.microsoft.com/office/drawing/2014/main" id="{98078810-3F09-4103-B45E-0F226B7AB8AB}"/>
                 </a:ext>
               </a:extLst>
             </p:cNvPr>
-            <p:cNvGrpSpPr/>
+            <p:cNvCxnSpPr>
+              <a:cxnSpLocks/>
+            </p:cNvCxnSpPr>
             <p:nvPr/>
-          </p:nvGrpSpPr>
-          <p:grpSpPr>
-            <a:xfrm>
-              <a:off x="3455833" y="1581313"/>
-              <a:ext cx="1105232" cy="2188598"/>
-              <a:chOff x="3455833" y="1579332"/>
-              <a:chExt cx="1105232" cy="2188598"/>
+          </p:nvCxnSpPr>
+          <p:spPr>
+            <a:xfrm flipH="1">
+              <a:off x="2669117" y="1774625"/>
+              <a:ext cx="742953" cy="0"/>
             </a:xfrm>
-          </p:grpSpPr>
-          <p:sp>
-            <p:nvSpPr>
-              <p:cNvPr id="13" name="Rectangle: Rounded Corners 12">
-                <a:extLst>
-                  <a:ext uri="{FF2B5EF4-FFF2-40B4-BE49-F238E27FC236}">
-                    <a16:creationId xmlns:a16="http://schemas.microsoft.com/office/drawing/2014/main" id="{A2C1DED7-98CB-4A36-9F1F-339B73C4A17E}"/>
-                  </a:ext>
-                </a:extLst>
-              </p:cNvPr>
-              <p:cNvSpPr/>
-              <p:nvPr/>
-            </p:nvSpPr>
-            <p:spPr>
-              <a:xfrm>
-                <a:off x="3455833" y="1579332"/>
-                <a:ext cx="1105231" cy="393589"/>
-              </a:xfrm>
-              <a:prstGeom prst="roundRect">
-                <a:avLst/>
-              </a:prstGeom>
+            <a:prstGeom prst="line">
+              <a:avLst/>
+            </a:prstGeom>
+            <a:grpFill/>
+            <a:ln w="32385" cap="rnd">
               <a:solidFill>
-                <a:schemeClr val="bg1"/>
+                <a:schemeClr val="accent4">
+                  <a:lumMod val="50000"/>
+                </a:schemeClr>
               </a:solidFill>
-              <a:ln>
-                <a:noFill/>
-              </a:ln>
-            </p:spPr>
-            <p:style>
-              <a:lnRef idx="2">
-                <a:schemeClr val="accent1">
-                  <a:shade val="50000"/>
+            </a:ln>
+          </p:spPr>
+          <p:style>
+            <a:lnRef idx="1">
+              <a:schemeClr val="accent1"/>
+            </a:lnRef>
+            <a:fillRef idx="0">
+              <a:schemeClr val="accent1"/>
+            </a:fillRef>
+            <a:effectRef idx="0">
+              <a:schemeClr val="accent1"/>
+            </a:effectRef>
+            <a:fontRef idx="minor">
+              <a:schemeClr val="tx1"/>
+            </a:fontRef>
+          </p:style>
+        </p:cxnSp>
+      </p:grpSp>
+      <p:grpSp>
+        <p:nvGrpSpPr>
+          <p:cNvPr id="53" name="Group 52">
+            <a:extLst>
+              <a:ext uri="{FF2B5EF4-FFF2-40B4-BE49-F238E27FC236}">
+                <a16:creationId xmlns:a16="http://schemas.microsoft.com/office/drawing/2014/main" id="{9B83B377-69B8-4665-84C6-FECE66F15DEA}"/>
+              </a:ext>
+            </a:extLst>
+          </p:cNvPr>
+          <p:cNvGrpSpPr/>
+          <p:nvPr/>
+        </p:nvGrpSpPr>
+        <p:grpSpPr>
+          <a:xfrm>
+            <a:off x="4483771" y="3315753"/>
+            <a:ext cx="798644" cy="525780"/>
+            <a:chOff x="2669117" y="1511735"/>
+            <a:chExt cx="798644" cy="525780"/>
+          </a:xfrm>
+          <a:solidFill>
+            <a:schemeClr val="accent4">
+              <a:lumMod val="50000"/>
+            </a:schemeClr>
+          </a:solidFill>
+        </p:grpSpPr>
+        <p:pic>
+          <p:nvPicPr>
+            <p:cNvPr id="54" name="Graphic 53" descr="Line arrow Straight">
+              <a:extLst>
+                <a:ext uri="{FF2B5EF4-FFF2-40B4-BE49-F238E27FC236}">
+                  <a16:creationId xmlns:a16="http://schemas.microsoft.com/office/drawing/2014/main" id="{E9A1F82E-1523-4E86-AA63-8FC954A603B9}"/>
+                </a:ext>
+              </a:extLst>
+            </p:cNvPr>
+            <p:cNvPicPr>
+              <a:picLocks noChangeAspect="1"/>
+            </p:cNvPicPr>
+            <p:nvPr/>
+          </p:nvPicPr>
+          <p:blipFill>
+            <a:blip r:embed="rId6">
+              <a:extLst>
+                <a:ext uri="{28A0092B-C50C-407E-A947-70E740481C1C}">
+                  <a14:useLocalDpi xmlns:a14="http://schemas.microsoft.com/office/drawing/2010/main" val="0"/>
+                </a:ext>
+                <a:ext uri="{96DAC541-7B7A-43D3-8B79-37D633B846F1}">
+                  <asvg:svgBlip xmlns:asvg="http://schemas.microsoft.com/office/drawing/2016/SVG/main" r:embed="rId7"/>
+                </a:ext>
+              </a:extLst>
+            </a:blip>
+            <a:stretch>
+              <a:fillRect/>
+            </a:stretch>
+          </p:blipFill>
+          <p:spPr>
+            <a:xfrm rot="10800000">
+              <a:off x="2941981" y="1511735"/>
+              <a:ext cx="525780" cy="525780"/>
+            </a:xfrm>
+            <a:prstGeom prst="rect">
+              <a:avLst/>
+            </a:prstGeom>
+          </p:spPr>
+        </p:pic>
+        <p:cxnSp>
+          <p:nvCxnSpPr>
+            <p:cNvPr id="55" name="Straight Connector 54">
+              <a:extLst>
+                <a:ext uri="{FF2B5EF4-FFF2-40B4-BE49-F238E27FC236}">
+                  <a16:creationId xmlns:a16="http://schemas.microsoft.com/office/drawing/2014/main" id="{5C76BF72-BEA1-43A9-A3D5-947F77BBEA33}"/>
+                </a:ext>
+              </a:extLst>
+            </p:cNvPr>
+            <p:cNvCxnSpPr>
+              <a:cxnSpLocks/>
+            </p:cNvCxnSpPr>
+            <p:nvPr/>
+          </p:nvCxnSpPr>
+          <p:spPr>
+            <a:xfrm flipH="1">
+              <a:off x="2669117" y="1774625"/>
+              <a:ext cx="742953" cy="0"/>
+            </a:xfrm>
+            <a:prstGeom prst="line">
+              <a:avLst/>
+            </a:prstGeom>
+            <a:grpFill/>
+            <a:ln w="32385" cap="rnd">
+              <a:solidFill>
+                <a:schemeClr val="accent4">
+                  <a:lumMod val="50000"/>
                 </a:schemeClr>
-              </a:lnRef>
-              <a:fillRef idx="1">
-                <a:schemeClr val="accent1"/>
-              </a:fillRef>
-              <a:effectRef idx="0">
-                <a:schemeClr val="accent1"/>
-              </a:effectRef>
-              <a:fontRef idx="minor">
-                <a:schemeClr val="lt1"/>
-              </a:fontRef>
-            </p:style>
-            <p:txBody>
-              <a:bodyPr rtlCol="0" anchor="ctr"/>
-              <a:lstStyle/>
-              <a:p>
-                <a:pPr algn="ctr"/>
-                <a:r>
-                  <a:rPr lang="en-GB" sz="1600" dirty="0">
-                    <a:solidFill>
-                      <a:schemeClr val="accent6">
-                        <a:lumMod val="75000"/>
-                      </a:schemeClr>
-                    </a:solidFill>
-                    <a:latin typeface="Segoe UI Light" panose="020B0502040204020203" pitchFamily="34" charset="0"/>
-                    <a:cs typeface="Segoe UI Light" panose="020B0502040204020203" pitchFamily="34" charset="0"/>
-                  </a:rPr>
-                  <a:t>File Share</a:t>
-                </a:r>
-              </a:p>
-            </p:txBody>
-          </p:sp>
-          <p:sp>
-            <p:nvSpPr>
-              <p:cNvPr id="16" name="Rectangle: Rounded Corners 15">
-                <a:extLst>
-                  <a:ext uri="{FF2B5EF4-FFF2-40B4-BE49-F238E27FC236}">
-                    <a16:creationId xmlns:a16="http://schemas.microsoft.com/office/drawing/2014/main" id="{86764187-2F94-4F0E-8842-684E7B928A27}"/>
-                  </a:ext>
-                </a:extLst>
-              </p:cNvPr>
-              <p:cNvSpPr/>
-              <p:nvPr/>
-            </p:nvSpPr>
-            <p:spPr>
-              <a:xfrm>
-                <a:off x="3455833" y="2776004"/>
-                <a:ext cx="1105231" cy="393589"/>
-              </a:xfrm>
-              <a:prstGeom prst="roundRect">
-                <a:avLst/>
-              </a:prstGeom>
-              <a:solidFill>
-                <a:schemeClr val="bg1"/>
               </a:solidFill>
-              <a:ln>
-                <a:noFill/>
-              </a:ln>
-            </p:spPr>
-            <p:style>
-              <a:lnRef idx="2">
-                <a:schemeClr val="accent1">
-                  <a:shade val="50000"/>
-                </a:schemeClr>
-              </a:lnRef>
-              <a:fillRef idx="1">
-                <a:schemeClr val="accent1"/>
-              </a:fillRef>
-              <a:effectRef idx="0">
-                <a:schemeClr val="accent1"/>
-              </a:effectRef>
-              <a:fontRef idx="minor">
-                <a:schemeClr val="lt1"/>
-              </a:fontRef>
-            </p:style>
-            <p:txBody>
-              <a:bodyPr rtlCol="0" anchor="ctr"/>
-              <a:lstStyle/>
-              <a:p>
-                <a:pPr algn="ctr"/>
-                <a:r>
-                  <a:rPr lang="en-GB" sz="1600" dirty="0">
-                    <a:solidFill>
-                      <a:schemeClr val="accent6">
-                        <a:lumMod val="75000"/>
-                      </a:schemeClr>
-                    </a:solidFill>
-                    <a:latin typeface="Segoe UI Light" panose="020B0502040204020203" pitchFamily="34" charset="0"/>
-                    <a:cs typeface="Segoe UI Light" panose="020B0502040204020203" pitchFamily="34" charset="0"/>
-                  </a:rPr>
-                  <a:t>File Share</a:t>
-                </a:r>
-              </a:p>
-            </p:txBody>
-          </p:sp>
-          <p:sp>
-            <p:nvSpPr>
-              <p:cNvPr id="17" name="Rectangle: Rounded Corners 16">
-                <a:extLst>
-                  <a:ext uri="{FF2B5EF4-FFF2-40B4-BE49-F238E27FC236}">
-                    <a16:creationId xmlns:a16="http://schemas.microsoft.com/office/drawing/2014/main" id="{833B6B02-4E82-46EB-9630-77AF78E9DAC5}"/>
-                  </a:ext>
-                </a:extLst>
-              </p:cNvPr>
-              <p:cNvSpPr/>
-              <p:nvPr/>
-            </p:nvSpPr>
-            <p:spPr>
-              <a:xfrm>
-                <a:off x="3455833" y="3374341"/>
-                <a:ext cx="1105232" cy="393589"/>
-              </a:xfrm>
-              <a:prstGeom prst="roundRect">
-                <a:avLst/>
-              </a:prstGeom>
-              <a:solidFill>
-                <a:schemeClr val="bg1"/>
-              </a:solidFill>
-              <a:ln>
-                <a:noFill/>
-              </a:ln>
-            </p:spPr>
-            <p:style>
-              <a:lnRef idx="2">
-                <a:schemeClr val="accent1">
-                  <a:shade val="50000"/>
-                </a:schemeClr>
-              </a:lnRef>
-              <a:fillRef idx="1">
-                <a:schemeClr val="accent1"/>
-              </a:fillRef>
-              <a:effectRef idx="0">
-                <a:schemeClr val="accent1"/>
-              </a:effectRef>
-              <a:fontRef idx="minor">
-                <a:schemeClr val="lt1"/>
-              </a:fontRef>
-            </p:style>
-            <p:txBody>
-              <a:bodyPr rtlCol="0" anchor="ctr"/>
-              <a:lstStyle/>
-              <a:p>
-                <a:pPr algn="ctr"/>
-                <a:r>
-                  <a:rPr lang="en-GB" sz="1600" dirty="0">
-                    <a:solidFill>
-                      <a:schemeClr val="accent6">
-                        <a:lumMod val="75000"/>
-                      </a:schemeClr>
-                    </a:solidFill>
-                    <a:latin typeface="Segoe UI Light" panose="020B0502040204020203" pitchFamily="34" charset="0"/>
-                    <a:cs typeface="Segoe UI Light" panose="020B0502040204020203" pitchFamily="34" charset="0"/>
-                  </a:rPr>
-                  <a:t>File Share</a:t>
-                </a:r>
-              </a:p>
-            </p:txBody>
-          </p:sp>
-        </p:grpSp>
+            </a:ln>
+          </p:spPr>
+          <p:style>
+            <a:lnRef idx="1">
+              <a:schemeClr val="accent1"/>
+            </a:lnRef>
+            <a:fillRef idx="0">
+              <a:schemeClr val="accent1"/>
+            </a:fillRef>
+            <a:effectRef idx="0">
+              <a:schemeClr val="accent1"/>
+            </a:effectRef>
+            <a:fontRef idx="minor">
+              <a:schemeClr val="tx1"/>
+            </a:fontRef>
+          </p:style>
+        </p:cxnSp>
+      </p:grpSp>
+      <p:grpSp>
+        <p:nvGrpSpPr>
+          <p:cNvPr id="18" name="Group 17">
+            <a:extLst>
+              <a:ext uri="{FF2B5EF4-FFF2-40B4-BE49-F238E27FC236}">
+                <a16:creationId xmlns:a16="http://schemas.microsoft.com/office/drawing/2014/main" id="{1689137F-75B2-4578-AD61-F2C4FA919BD5}"/>
+              </a:ext>
+            </a:extLst>
+          </p:cNvPr>
+          <p:cNvGrpSpPr/>
+          <p:nvPr/>
+        </p:nvGrpSpPr>
+        <p:grpSpPr>
+          <a:xfrm>
+            <a:off x="3455833" y="1581313"/>
+            <a:ext cx="1105232" cy="2188598"/>
+            <a:chOff x="3455833" y="1579332"/>
+            <a:chExt cx="1105232" cy="2188598"/>
+          </a:xfrm>
+        </p:grpSpPr>
         <p:sp>
           <p:nvSpPr>
-            <p:cNvPr id="56" name="Rectangle: Rounded Corners 55">
+            <p:cNvPr id="13" name="Rectangle: Rounded Corners 12">
               <a:extLst>
                 <a:ext uri="{FF2B5EF4-FFF2-40B4-BE49-F238E27FC236}">
-                  <a16:creationId xmlns:a16="http://schemas.microsoft.com/office/drawing/2014/main" id="{8F890937-7576-4E64-AB06-148769FB9870}"/>
+                  <a16:creationId xmlns:a16="http://schemas.microsoft.com/office/drawing/2014/main" id="{A2C1DED7-98CB-4A36-9F1F-339B73C4A17E}"/>
                 </a:ext>
               </a:extLst>
             </p:cNvPr>
@@ -4723,18 +4513,14 @@
           </p:nvSpPr>
           <p:spPr>
             <a:xfrm>
-              <a:off x="6845073" y="1003852"/>
-              <a:ext cx="1534601" cy="3106972"/>
+              <a:off x="3455833" y="1579332"/>
+              <a:ext cx="1105231" cy="393589"/>
             </a:xfrm>
             <a:prstGeom prst="roundRect">
-              <a:avLst>
-                <a:gd name="adj" fmla="val 3114"/>
-              </a:avLst>
+              <a:avLst/>
             </a:prstGeom>
             <a:solidFill>
-              <a:schemeClr val="accent3">
-                <a:lumMod val="75000"/>
-              </a:schemeClr>
+              <a:schemeClr val="bg1"/>
             </a:solidFill>
             <a:ln>
               <a:noFill/>
@@ -4757,1295 +4543,1488 @@
             </a:fontRef>
           </p:style>
           <p:txBody>
-            <a:bodyPr rtlCol="0" anchor="t"/>
+            <a:bodyPr rtlCol="0" anchor="ctr"/>
             <a:lstStyle/>
             <a:p>
               <a:pPr algn="ctr"/>
               <a:r>
-                <a:rPr lang="en-GB" dirty="0">
+                <a:rPr lang="en-GB" sz="1600" dirty="0">
                   <a:solidFill>
-                    <a:schemeClr val="bg1"/>
+                    <a:schemeClr val="accent6">
+                      <a:lumMod val="75000"/>
+                    </a:schemeClr>
                   </a:solidFill>
-                  <a:latin typeface="Segoe UI Semibold" panose="020B0702040204020203" pitchFamily="34" charset="0"/>
-                  <a:cs typeface="Segoe UI Semibold" panose="020B0702040204020203" pitchFamily="34" charset="0"/>
+                  <a:latin typeface="Segoe UI Light" panose="020B0502040204020203" pitchFamily="34" charset="0"/>
+                  <a:cs typeface="Segoe UI Light" panose="020B0502040204020203" pitchFamily="34" charset="0"/>
                 </a:rPr>
-                <a:t>Files</a:t>
+                <a:t>File Share</a:t>
               </a:r>
             </a:p>
           </p:txBody>
         </p:sp>
-        <p:grpSp>
-          <p:nvGrpSpPr>
-            <p:cNvPr id="64" name="Group 63">
+        <p:sp>
+          <p:nvSpPr>
+            <p:cNvPr id="16" name="Rectangle: Rounded Corners 15">
               <a:extLst>
                 <a:ext uri="{FF2B5EF4-FFF2-40B4-BE49-F238E27FC236}">
-                  <a16:creationId xmlns:a16="http://schemas.microsoft.com/office/drawing/2014/main" id="{1E163E08-D702-4B53-AD27-B327A23AEEA9}"/>
+                  <a16:creationId xmlns:a16="http://schemas.microsoft.com/office/drawing/2014/main" id="{86764187-2F94-4F0E-8842-684E7B928A27}"/>
                 </a:ext>
               </a:extLst>
             </p:cNvPr>
-            <p:cNvGrpSpPr/>
+            <p:cNvSpPr/>
             <p:nvPr/>
-          </p:nvGrpSpPr>
-          <p:grpSpPr>
+          </p:nvSpPr>
+          <p:spPr>
             <a:xfrm>
-              <a:off x="7024832" y="2179649"/>
-              <a:ext cx="1206832" cy="491021"/>
-              <a:chOff x="6958157" y="2179649"/>
-              <a:chExt cx="1206832" cy="491021"/>
+              <a:off x="3455833" y="2776004"/>
+              <a:ext cx="1105231" cy="393589"/>
             </a:xfrm>
-          </p:grpSpPr>
-          <p:sp>
-            <p:nvSpPr>
-              <p:cNvPr id="59" name="Rectangle: Rounded Corners 58">
-                <a:extLst>
-                  <a:ext uri="{FF2B5EF4-FFF2-40B4-BE49-F238E27FC236}">
-                    <a16:creationId xmlns:a16="http://schemas.microsoft.com/office/drawing/2014/main" id="{8A65BD6E-2F70-4D71-A7C2-DDAE28DFC146}"/>
-                  </a:ext>
-                </a:extLst>
-              </p:cNvPr>
-              <p:cNvSpPr/>
-              <p:nvPr/>
-            </p:nvSpPr>
-            <p:spPr>
-              <a:xfrm>
-                <a:off x="7059757" y="2179649"/>
-                <a:ext cx="1105232" cy="393589"/>
-              </a:xfrm>
-              <a:prstGeom prst="roundRect">
-                <a:avLst/>
-              </a:prstGeom>
-              <a:solidFill>
-                <a:schemeClr val="bg1"/>
-              </a:solidFill>
-              <a:ln>
-                <a:solidFill>
-                  <a:schemeClr val="accent3">
-                    <a:lumMod val="50000"/>
-                  </a:schemeClr>
-                </a:solidFill>
-              </a:ln>
-            </p:spPr>
-            <p:style>
-              <a:lnRef idx="2">
-                <a:schemeClr val="accent1">
-                  <a:shade val="50000"/>
-                </a:schemeClr>
-              </a:lnRef>
-              <a:fillRef idx="1">
-                <a:schemeClr val="accent1"/>
-              </a:fillRef>
-              <a:effectRef idx="0">
-                <a:schemeClr val="accent1"/>
-              </a:effectRef>
-              <a:fontRef idx="minor">
-                <a:schemeClr val="lt1"/>
-              </a:fontRef>
-            </p:style>
-            <p:txBody>
-              <a:bodyPr rtlCol="0" anchor="ctr"/>
-              <a:lstStyle/>
-              <a:p>
-                <a:pPr algn="ctr"/>
-                <a:r>
-                  <a:rPr lang="en-GB" sz="1600" dirty="0">
-                    <a:solidFill>
-                      <a:schemeClr val="accent3">
-                        <a:lumMod val="75000"/>
-                      </a:schemeClr>
-                    </a:solidFill>
-                    <a:latin typeface="Segoe UI Light" panose="020B0502040204020203" pitchFamily="34" charset="0"/>
-                    <a:cs typeface="Segoe UI Light" panose="020B0502040204020203" pitchFamily="34" charset="0"/>
-                  </a:rPr>
-                  <a:t>Logs</a:t>
-                </a:r>
-              </a:p>
-            </p:txBody>
-          </p:sp>
-          <p:sp>
-            <p:nvSpPr>
-              <p:cNvPr id="62" name="Rectangle: Rounded Corners 61">
-                <a:extLst>
-                  <a:ext uri="{FF2B5EF4-FFF2-40B4-BE49-F238E27FC236}">
-                    <a16:creationId xmlns:a16="http://schemas.microsoft.com/office/drawing/2014/main" id="{AE6B0AF6-0CBE-4B1E-AA97-FD3FEED5B761}"/>
-                  </a:ext>
-                </a:extLst>
-              </p:cNvPr>
-              <p:cNvSpPr/>
-              <p:nvPr/>
-            </p:nvSpPr>
-            <p:spPr>
-              <a:xfrm>
-                <a:off x="7008957" y="2228365"/>
-                <a:ext cx="1105232" cy="393589"/>
-              </a:xfrm>
-              <a:prstGeom prst="roundRect">
-                <a:avLst/>
-              </a:prstGeom>
-              <a:solidFill>
-                <a:schemeClr val="bg1"/>
-              </a:solidFill>
-              <a:ln>
-                <a:solidFill>
-                  <a:schemeClr val="accent3">
-                    <a:lumMod val="50000"/>
-                  </a:schemeClr>
-                </a:solidFill>
-              </a:ln>
-            </p:spPr>
-            <p:style>
-              <a:lnRef idx="2">
-                <a:schemeClr val="accent1">
-                  <a:shade val="50000"/>
-                </a:schemeClr>
-              </a:lnRef>
-              <a:fillRef idx="1">
-                <a:schemeClr val="accent1"/>
-              </a:fillRef>
-              <a:effectRef idx="0">
-                <a:schemeClr val="accent1"/>
-              </a:effectRef>
-              <a:fontRef idx="minor">
-                <a:schemeClr val="lt1"/>
-              </a:fontRef>
-            </p:style>
-            <p:txBody>
-              <a:bodyPr rtlCol="0" anchor="ctr"/>
-              <a:lstStyle/>
-              <a:p>
-                <a:pPr algn="ctr"/>
-                <a:r>
-                  <a:rPr lang="en-GB" sz="1600" dirty="0">
-                    <a:solidFill>
-                      <a:schemeClr val="accent3">
-                        <a:lumMod val="75000"/>
-                      </a:schemeClr>
-                    </a:solidFill>
-                    <a:latin typeface="Segoe UI Light" panose="020B0502040204020203" pitchFamily="34" charset="0"/>
-                    <a:cs typeface="Segoe UI Light" panose="020B0502040204020203" pitchFamily="34" charset="0"/>
-                  </a:rPr>
-                  <a:t>Logs</a:t>
-                </a:r>
-              </a:p>
-            </p:txBody>
-          </p:sp>
-          <p:sp>
-            <p:nvSpPr>
-              <p:cNvPr id="63" name="Rectangle: Rounded Corners 62">
-                <a:extLst>
-                  <a:ext uri="{FF2B5EF4-FFF2-40B4-BE49-F238E27FC236}">
-                    <a16:creationId xmlns:a16="http://schemas.microsoft.com/office/drawing/2014/main" id="{005B884A-7FF5-440A-80CC-4CCC38C65A5A}"/>
-                  </a:ext>
-                </a:extLst>
-              </p:cNvPr>
-              <p:cNvSpPr/>
-              <p:nvPr/>
-            </p:nvSpPr>
-            <p:spPr>
-              <a:xfrm>
-                <a:off x="6958157" y="2277081"/>
-                <a:ext cx="1105232" cy="393589"/>
-              </a:xfrm>
-              <a:prstGeom prst="roundRect">
-                <a:avLst/>
-              </a:prstGeom>
-              <a:solidFill>
-                <a:schemeClr val="bg1"/>
-              </a:solidFill>
-              <a:ln>
-                <a:solidFill>
-                  <a:schemeClr val="accent3">
-                    <a:lumMod val="50000"/>
-                  </a:schemeClr>
-                </a:solidFill>
-              </a:ln>
-            </p:spPr>
-            <p:style>
-              <a:lnRef idx="2">
-                <a:schemeClr val="accent1">
-                  <a:shade val="50000"/>
-                </a:schemeClr>
-              </a:lnRef>
-              <a:fillRef idx="1">
-                <a:schemeClr val="accent1"/>
-              </a:fillRef>
-              <a:effectRef idx="0">
-                <a:schemeClr val="accent1"/>
-              </a:effectRef>
-              <a:fontRef idx="minor">
-                <a:schemeClr val="lt1"/>
-              </a:fontRef>
-            </p:style>
-            <p:txBody>
-              <a:bodyPr rtlCol="0" anchor="ctr"/>
-              <a:lstStyle/>
-              <a:p>
-                <a:pPr algn="ctr"/>
-                <a:r>
-                  <a:rPr lang="en-GB" sz="1600" dirty="0">
-                    <a:solidFill>
-                      <a:schemeClr val="accent3">
-                        <a:lumMod val="75000"/>
-                      </a:schemeClr>
-                    </a:solidFill>
-                    <a:latin typeface="Segoe UI Light" panose="020B0502040204020203" pitchFamily="34" charset="0"/>
-                    <a:cs typeface="Segoe UI Light" panose="020B0502040204020203" pitchFamily="34" charset="0"/>
-                  </a:rPr>
-                  <a:t>log.txt</a:t>
-                </a:r>
-              </a:p>
-            </p:txBody>
-          </p:sp>
-        </p:grpSp>
-        <p:grpSp>
-          <p:nvGrpSpPr>
-            <p:cNvPr id="65" name="Group 64">
+            <a:prstGeom prst="roundRect">
+              <a:avLst/>
+            </a:prstGeom>
+            <a:solidFill>
+              <a:schemeClr val="bg1"/>
+            </a:solidFill>
+            <a:ln>
+              <a:noFill/>
+            </a:ln>
+          </p:spPr>
+          <p:style>
+            <a:lnRef idx="2">
+              <a:schemeClr val="accent1">
+                <a:shade val="50000"/>
+              </a:schemeClr>
+            </a:lnRef>
+            <a:fillRef idx="1">
+              <a:schemeClr val="accent1"/>
+            </a:fillRef>
+            <a:effectRef idx="0">
+              <a:schemeClr val="accent1"/>
+            </a:effectRef>
+            <a:fontRef idx="minor">
+              <a:schemeClr val="lt1"/>
+            </a:fontRef>
+          </p:style>
+          <p:txBody>
+            <a:bodyPr rtlCol="0" anchor="ctr"/>
+            <a:lstStyle/>
+            <a:p>
+              <a:pPr algn="ctr"/>
+              <a:r>
+                <a:rPr lang="en-GB" sz="1600" dirty="0">
+                  <a:solidFill>
+                    <a:schemeClr val="accent6">
+                      <a:lumMod val="75000"/>
+                    </a:schemeClr>
+                  </a:solidFill>
+                  <a:latin typeface="Segoe UI Light" panose="020B0502040204020203" pitchFamily="34" charset="0"/>
+                  <a:cs typeface="Segoe UI Light" panose="020B0502040204020203" pitchFamily="34" charset="0"/>
+                </a:rPr>
+                <a:t>File Share</a:t>
+              </a:r>
+            </a:p>
+          </p:txBody>
+        </p:sp>
+        <p:sp>
+          <p:nvSpPr>
+            <p:cNvPr id="17" name="Rectangle: Rounded Corners 16">
               <a:extLst>
                 <a:ext uri="{FF2B5EF4-FFF2-40B4-BE49-F238E27FC236}">
-                  <a16:creationId xmlns:a16="http://schemas.microsoft.com/office/drawing/2014/main" id="{AA6E4F44-C702-4E5F-A816-6A694789EEFD}"/>
+                  <a16:creationId xmlns:a16="http://schemas.microsoft.com/office/drawing/2014/main" id="{833B6B02-4E82-46EB-9630-77AF78E9DAC5}"/>
                 </a:ext>
               </a:extLst>
             </p:cNvPr>
-            <p:cNvGrpSpPr/>
+            <p:cNvSpPr/>
             <p:nvPr/>
-          </p:nvGrpSpPr>
-          <p:grpSpPr>
+          </p:nvSpPr>
+          <p:spPr>
             <a:xfrm>
-              <a:off x="7024832" y="1495263"/>
-              <a:ext cx="1206832" cy="491021"/>
-              <a:chOff x="6958157" y="2179649"/>
-              <a:chExt cx="1206832" cy="491021"/>
+              <a:off x="3455833" y="3374341"/>
+              <a:ext cx="1105232" cy="393589"/>
             </a:xfrm>
-          </p:grpSpPr>
-          <p:sp>
-            <p:nvSpPr>
-              <p:cNvPr id="66" name="Rectangle: Rounded Corners 65">
-                <a:extLst>
-                  <a:ext uri="{FF2B5EF4-FFF2-40B4-BE49-F238E27FC236}">
-                    <a16:creationId xmlns:a16="http://schemas.microsoft.com/office/drawing/2014/main" id="{2C7B11D7-6CC3-4CA8-A869-9FF6362CEDA7}"/>
-                  </a:ext>
-                </a:extLst>
-              </p:cNvPr>
-              <p:cNvSpPr/>
-              <p:nvPr/>
-            </p:nvSpPr>
-            <p:spPr>
-              <a:xfrm>
-                <a:off x="7059757" y="2179649"/>
-                <a:ext cx="1105232" cy="393589"/>
-              </a:xfrm>
-              <a:prstGeom prst="roundRect">
-                <a:avLst/>
-              </a:prstGeom>
-              <a:solidFill>
-                <a:schemeClr val="bg1"/>
-              </a:solidFill>
-              <a:ln>
+            <a:prstGeom prst="roundRect">
+              <a:avLst/>
+            </a:prstGeom>
+            <a:solidFill>
+              <a:schemeClr val="bg1"/>
+            </a:solidFill>
+            <a:ln>
+              <a:noFill/>
+            </a:ln>
+          </p:spPr>
+          <p:style>
+            <a:lnRef idx="2">
+              <a:schemeClr val="accent1">
+                <a:shade val="50000"/>
+              </a:schemeClr>
+            </a:lnRef>
+            <a:fillRef idx="1">
+              <a:schemeClr val="accent1"/>
+            </a:fillRef>
+            <a:effectRef idx="0">
+              <a:schemeClr val="accent1"/>
+            </a:effectRef>
+            <a:fontRef idx="minor">
+              <a:schemeClr val="lt1"/>
+            </a:fontRef>
+          </p:style>
+          <p:txBody>
+            <a:bodyPr rtlCol="0" anchor="ctr"/>
+            <a:lstStyle/>
+            <a:p>
+              <a:pPr algn="ctr"/>
+              <a:r>
+                <a:rPr lang="en-GB" sz="1600" dirty="0">
+                  <a:solidFill>
+                    <a:schemeClr val="accent6">
+                      <a:lumMod val="75000"/>
+                    </a:schemeClr>
+                  </a:solidFill>
+                  <a:latin typeface="Segoe UI Light" panose="020B0502040204020203" pitchFamily="34" charset="0"/>
+                  <a:cs typeface="Segoe UI Light" panose="020B0502040204020203" pitchFamily="34" charset="0"/>
+                </a:rPr>
+                <a:t>File Share</a:t>
+              </a:r>
+            </a:p>
+          </p:txBody>
+        </p:sp>
+      </p:grpSp>
+      <p:sp>
+        <p:nvSpPr>
+          <p:cNvPr id="56" name="Rectangle: Rounded Corners 55">
+            <a:extLst>
+              <a:ext uri="{FF2B5EF4-FFF2-40B4-BE49-F238E27FC236}">
+                <a16:creationId xmlns:a16="http://schemas.microsoft.com/office/drawing/2014/main" id="{8F890937-7576-4E64-AB06-148769FB9870}"/>
+              </a:ext>
+            </a:extLst>
+          </p:cNvPr>
+          <p:cNvSpPr/>
+          <p:nvPr/>
+        </p:nvSpPr>
+        <p:spPr>
+          <a:xfrm>
+            <a:off x="6845073" y="1003852"/>
+            <a:ext cx="1534601" cy="3106972"/>
+          </a:xfrm>
+          <a:prstGeom prst="roundRect">
+            <a:avLst>
+              <a:gd name="adj" fmla="val 3114"/>
+            </a:avLst>
+          </a:prstGeom>
+          <a:solidFill>
+            <a:schemeClr val="accent3">
+              <a:lumMod val="75000"/>
+            </a:schemeClr>
+          </a:solidFill>
+          <a:ln>
+            <a:noFill/>
+          </a:ln>
+        </p:spPr>
+        <p:style>
+          <a:lnRef idx="2">
+            <a:schemeClr val="accent1">
+              <a:shade val="50000"/>
+            </a:schemeClr>
+          </a:lnRef>
+          <a:fillRef idx="1">
+            <a:schemeClr val="accent1"/>
+          </a:fillRef>
+          <a:effectRef idx="0">
+            <a:schemeClr val="accent1"/>
+          </a:effectRef>
+          <a:fontRef idx="minor">
+            <a:schemeClr val="lt1"/>
+          </a:fontRef>
+        </p:style>
+        <p:txBody>
+          <a:bodyPr rtlCol="0" anchor="t"/>
+          <a:lstStyle/>
+          <a:p>
+            <a:pPr algn="ctr"/>
+            <a:r>
+              <a:rPr lang="en-GB" dirty="0">
                 <a:solidFill>
-                  <a:schemeClr val="accent3">
-                    <a:lumMod val="50000"/>
-                  </a:schemeClr>
+                  <a:schemeClr val="bg1"/>
                 </a:solidFill>
-              </a:ln>
-            </p:spPr>
-            <p:style>
-              <a:lnRef idx="2">
-                <a:schemeClr val="accent1">
-                  <a:shade val="50000"/>
-                </a:schemeClr>
-              </a:lnRef>
-              <a:fillRef idx="1">
-                <a:schemeClr val="accent1"/>
-              </a:fillRef>
-              <a:effectRef idx="0">
-                <a:schemeClr val="accent1"/>
-              </a:effectRef>
-              <a:fontRef idx="minor">
-                <a:schemeClr val="lt1"/>
-              </a:fontRef>
-            </p:style>
-            <p:txBody>
-              <a:bodyPr rtlCol="0" anchor="ctr"/>
-              <a:lstStyle/>
-              <a:p>
-                <a:pPr algn="ctr"/>
-                <a:r>
-                  <a:rPr lang="en-GB" sz="1600" dirty="0">
-                    <a:solidFill>
-                      <a:schemeClr val="accent3">
-                        <a:lumMod val="75000"/>
-                      </a:schemeClr>
-                    </a:solidFill>
-                    <a:latin typeface="Segoe UI Light" panose="020B0502040204020203" pitchFamily="34" charset="0"/>
-                    <a:cs typeface="Segoe UI Light" panose="020B0502040204020203" pitchFamily="34" charset="0"/>
-                  </a:rPr>
-                  <a:t>Logs</a:t>
-                </a:r>
-              </a:p>
-            </p:txBody>
-          </p:sp>
-          <p:sp>
-            <p:nvSpPr>
-              <p:cNvPr id="67" name="Rectangle: Rounded Corners 66">
-                <a:extLst>
-                  <a:ext uri="{FF2B5EF4-FFF2-40B4-BE49-F238E27FC236}">
-                    <a16:creationId xmlns:a16="http://schemas.microsoft.com/office/drawing/2014/main" id="{51C61809-1BE9-4698-999A-3A1A2DF9B4E3}"/>
-                  </a:ext>
-                </a:extLst>
-              </p:cNvPr>
-              <p:cNvSpPr/>
-              <p:nvPr/>
-            </p:nvSpPr>
-            <p:spPr>
-              <a:xfrm>
-                <a:off x="7008957" y="2228365"/>
-                <a:ext cx="1105232" cy="393589"/>
-              </a:xfrm>
-              <a:prstGeom prst="roundRect">
-                <a:avLst/>
-              </a:prstGeom>
-              <a:solidFill>
-                <a:schemeClr val="bg1"/>
-              </a:solidFill>
-              <a:ln>
-                <a:solidFill>
-                  <a:schemeClr val="accent3">
-                    <a:lumMod val="50000"/>
-                  </a:schemeClr>
-                </a:solidFill>
-              </a:ln>
-            </p:spPr>
-            <p:style>
-              <a:lnRef idx="2">
-                <a:schemeClr val="accent1">
-                  <a:shade val="50000"/>
-                </a:schemeClr>
-              </a:lnRef>
-              <a:fillRef idx="1">
-                <a:schemeClr val="accent1"/>
-              </a:fillRef>
-              <a:effectRef idx="0">
-                <a:schemeClr val="accent1"/>
-              </a:effectRef>
-              <a:fontRef idx="minor">
-                <a:schemeClr val="lt1"/>
-              </a:fontRef>
-            </p:style>
-            <p:txBody>
-              <a:bodyPr rtlCol="0" anchor="ctr"/>
-              <a:lstStyle/>
-              <a:p>
-                <a:pPr algn="ctr"/>
-                <a:r>
-                  <a:rPr lang="en-GB" sz="1600" dirty="0">
-                    <a:solidFill>
-                      <a:schemeClr val="accent3">
-                        <a:lumMod val="75000"/>
-                      </a:schemeClr>
-                    </a:solidFill>
-                    <a:latin typeface="Segoe UI Light" panose="020B0502040204020203" pitchFamily="34" charset="0"/>
-                    <a:cs typeface="Segoe UI Light" panose="020B0502040204020203" pitchFamily="34" charset="0"/>
-                  </a:rPr>
-                  <a:t>Logs</a:t>
-                </a:r>
-              </a:p>
-            </p:txBody>
-          </p:sp>
-          <p:sp>
-            <p:nvSpPr>
-              <p:cNvPr id="68" name="Rectangle: Rounded Corners 67">
-                <a:extLst>
-                  <a:ext uri="{FF2B5EF4-FFF2-40B4-BE49-F238E27FC236}">
-                    <a16:creationId xmlns:a16="http://schemas.microsoft.com/office/drawing/2014/main" id="{DDA6A959-C7D8-486A-AD12-9C68D1B2899D}"/>
-                  </a:ext>
-                </a:extLst>
-              </p:cNvPr>
-              <p:cNvSpPr/>
-              <p:nvPr/>
-            </p:nvSpPr>
-            <p:spPr>
-              <a:xfrm>
-                <a:off x="6958157" y="2277081"/>
-                <a:ext cx="1105232" cy="393589"/>
-              </a:xfrm>
-              <a:prstGeom prst="roundRect">
-                <a:avLst/>
-              </a:prstGeom>
-              <a:solidFill>
-                <a:schemeClr val="bg1"/>
-              </a:solidFill>
-              <a:ln>
-                <a:solidFill>
-                  <a:schemeClr val="accent3">
-                    <a:lumMod val="50000"/>
-                  </a:schemeClr>
-                </a:solidFill>
-              </a:ln>
-            </p:spPr>
-            <p:style>
-              <a:lnRef idx="2">
-                <a:schemeClr val="accent1">
-                  <a:shade val="50000"/>
-                </a:schemeClr>
-              </a:lnRef>
-              <a:fillRef idx="1">
-                <a:schemeClr val="accent1"/>
-              </a:fillRef>
-              <a:effectRef idx="0">
-                <a:schemeClr val="accent1"/>
-              </a:effectRef>
-              <a:fontRef idx="minor">
-                <a:schemeClr val="lt1"/>
-              </a:fontRef>
-            </p:style>
-            <p:txBody>
-              <a:bodyPr rtlCol="0" anchor="ctr"/>
-              <a:lstStyle/>
-              <a:p>
-                <a:pPr algn="ctr"/>
-                <a:r>
-                  <a:rPr lang="en-GB" sz="1600" dirty="0">
-                    <a:solidFill>
-                      <a:schemeClr val="accent3">
-                        <a:lumMod val="75000"/>
-                      </a:schemeClr>
-                    </a:solidFill>
-                    <a:latin typeface="Segoe UI Light" panose="020B0502040204020203" pitchFamily="34" charset="0"/>
-                    <a:cs typeface="Segoe UI Light" panose="020B0502040204020203" pitchFamily="34" charset="0"/>
-                  </a:rPr>
-                  <a:t>app.exe</a:t>
-                </a:r>
-              </a:p>
-            </p:txBody>
-          </p:sp>
-        </p:grpSp>
-        <p:grpSp>
-          <p:nvGrpSpPr>
-            <p:cNvPr id="69" name="Group 68">
+                <a:latin typeface="Segoe UI Semibold" panose="020B0702040204020203" pitchFamily="34" charset="0"/>
+                <a:cs typeface="Segoe UI Semibold" panose="020B0702040204020203" pitchFamily="34" charset="0"/>
+              </a:rPr>
+              <a:t>Files</a:t>
+            </a:r>
+          </a:p>
+        </p:txBody>
+      </p:sp>
+      <p:grpSp>
+        <p:nvGrpSpPr>
+          <p:cNvPr id="64" name="Group 63">
+            <a:extLst>
+              <a:ext uri="{FF2B5EF4-FFF2-40B4-BE49-F238E27FC236}">
+                <a16:creationId xmlns:a16="http://schemas.microsoft.com/office/drawing/2014/main" id="{1E163E08-D702-4B53-AD27-B327A23AEEA9}"/>
+              </a:ext>
+            </a:extLst>
+          </p:cNvPr>
+          <p:cNvGrpSpPr/>
+          <p:nvPr/>
+        </p:nvGrpSpPr>
+        <p:grpSpPr>
+          <a:xfrm>
+            <a:off x="7024832" y="2179649"/>
+            <a:ext cx="1206832" cy="491021"/>
+            <a:chOff x="6958157" y="2179649"/>
+            <a:chExt cx="1206832" cy="491021"/>
+          </a:xfrm>
+        </p:grpSpPr>
+        <p:sp>
+          <p:nvSpPr>
+            <p:cNvPr id="59" name="Rectangle: Rounded Corners 58">
               <a:extLst>
                 <a:ext uri="{FF2B5EF4-FFF2-40B4-BE49-F238E27FC236}">
-                  <a16:creationId xmlns:a16="http://schemas.microsoft.com/office/drawing/2014/main" id="{22A621B4-EE49-4680-A080-12B1B896656E}"/>
+                  <a16:creationId xmlns:a16="http://schemas.microsoft.com/office/drawing/2014/main" id="{8A65BD6E-2F70-4D71-A7C2-DDAE28DFC146}"/>
                 </a:ext>
               </a:extLst>
             </p:cNvPr>
-            <p:cNvGrpSpPr/>
+            <p:cNvSpPr/>
             <p:nvPr/>
-          </p:nvGrpSpPr>
-          <p:grpSpPr>
+          </p:nvSpPr>
+          <p:spPr>
             <a:xfrm>
-              <a:off x="7024832" y="2885301"/>
-              <a:ext cx="1206832" cy="491021"/>
-              <a:chOff x="6958157" y="2179649"/>
-              <a:chExt cx="1206832" cy="491021"/>
+              <a:off x="7059757" y="2179649"/>
+              <a:ext cx="1105232" cy="393589"/>
             </a:xfrm>
-          </p:grpSpPr>
-          <p:sp>
-            <p:nvSpPr>
-              <p:cNvPr id="70" name="Rectangle: Rounded Corners 69">
-                <a:extLst>
-                  <a:ext uri="{FF2B5EF4-FFF2-40B4-BE49-F238E27FC236}">
-                    <a16:creationId xmlns:a16="http://schemas.microsoft.com/office/drawing/2014/main" id="{F2ADDA56-88FA-4600-8DD6-1891BD2A2E7E}"/>
-                  </a:ext>
-                </a:extLst>
-              </p:cNvPr>
-              <p:cNvSpPr/>
-              <p:nvPr/>
-            </p:nvSpPr>
-            <p:spPr>
-              <a:xfrm>
-                <a:off x="7059757" y="2179649"/>
-                <a:ext cx="1105232" cy="393589"/>
-              </a:xfrm>
-              <a:prstGeom prst="roundRect">
-                <a:avLst/>
-              </a:prstGeom>
+            <a:prstGeom prst="roundRect">
+              <a:avLst/>
+            </a:prstGeom>
+            <a:solidFill>
+              <a:schemeClr val="bg1"/>
+            </a:solidFill>
+            <a:ln>
               <a:solidFill>
-                <a:schemeClr val="bg1"/>
+                <a:schemeClr val="accent3">
+                  <a:lumMod val="50000"/>
+                </a:schemeClr>
               </a:solidFill>
-              <a:ln>
-                <a:solidFill>
-                  <a:schemeClr val="accent3">
-                    <a:lumMod val="50000"/>
-                  </a:schemeClr>
-                </a:solidFill>
-              </a:ln>
-            </p:spPr>
-            <p:style>
-              <a:lnRef idx="2">
-                <a:schemeClr val="accent1">
-                  <a:shade val="50000"/>
-                </a:schemeClr>
-              </a:lnRef>
-              <a:fillRef idx="1">
-                <a:schemeClr val="accent1"/>
-              </a:fillRef>
-              <a:effectRef idx="0">
-                <a:schemeClr val="accent1"/>
-              </a:effectRef>
-              <a:fontRef idx="minor">
-                <a:schemeClr val="lt1"/>
-              </a:fontRef>
-            </p:style>
-            <p:txBody>
-              <a:bodyPr rtlCol="0" anchor="ctr"/>
-              <a:lstStyle/>
-              <a:p>
-                <a:pPr algn="ctr"/>
-                <a:r>
-                  <a:rPr lang="en-GB" sz="1600" dirty="0">
-                    <a:solidFill>
-                      <a:schemeClr val="accent3">
-                        <a:lumMod val="75000"/>
-                      </a:schemeClr>
-                    </a:solidFill>
-                    <a:latin typeface="Segoe UI Light" panose="020B0502040204020203" pitchFamily="34" charset="0"/>
-                    <a:cs typeface="Segoe UI Light" panose="020B0502040204020203" pitchFamily="34" charset="0"/>
-                  </a:rPr>
-                  <a:t>Logs</a:t>
-                </a:r>
-              </a:p>
-            </p:txBody>
-          </p:sp>
-          <p:sp>
-            <p:nvSpPr>
-              <p:cNvPr id="71" name="Rectangle: Rounded Corners 70">
-                <a:extLst>
-                  <a:ext uri="{FF2B5EF4-FFF2-40B4-BE49-F238E27FC236}">
-                    <a16:creationId xmlns:a16="http://schemas.microsoft.com/office/drawing/2014/main" id="{D493BD95-93D8-42A2-92B8-DB78D1D521DF}"/>
-                  </a:ext>
-                </a:extLst>
-              </p:cNvPr>
-              <p:cNvSpPr/>
-              <p:nvPr/>
-            </p:nvSpPr>
-            <p:spPr>
-              <a:xfrm>
-                <a:off x="7008957" y="2228365"/>
-                <a:ext cx="1105232" cy="393589"/>
-              </a:xfrm>
-              <a:prstGeom prst="roundRect">
-                <a:avLst/>
-              </a:prstGeom>
-              <a:solidFill>
-                <a:schemeClr val="bg1"/>
-              </a:solidFill>
-              <a:ln>
-                <a:solidFill>
-                  <a:schemeClr val="accent3">
-                    <a:lumMod val="50000"/>
-                  </a:schemeClr>
-                </a:solidFill>
-              </a:ln>
-            </p:spPr>
-            <p:style>
-              <a:lnRef idx="2">
-                <a:schemeClr val="accent1">
-                  <a:shade val="50000"/>
-                </a:schemeClr>
-              </a:lnRef>
-              <a:fillRef idx="1">
-                <a:schemeClr val="accent1"/>
-              </a:fillRef>
-              <a:effectRef idx="0">
-                <a:schemeClr val="accent1"/>
-              </a:effectRef>
-              <a:fontRef idx="minor">
-                <a:schemeClr val="lt1"/>
-              </a:fontRef>
-            </p:style>
-            <p:txBody>
-              <a:bodyPr rtlCol="0" anchor="ctr"/>
-              <a:lstStyle/>
-              <a:p>
-                <a:pPr algn="ctr"/>
-                <a:r>
-                  <a:rPr lang="en-GB" sz="1600" dirty="0">
-                    <a:solidFill>
-                      <a:schemeClr val="accent3">
-                        <a:lumMod val="75000"/>
-                      </a:schemeClr>
-                    </a:solidFill>
-                    <a:latin typeface="Segoe UI Light" panose="020B0502040204020203" pitchFamily="34" charset="0"/>
-                    <a:cs typeface="Segoe UI Light" panose="020B0502040204020203" pitchFamily="34" charset="0"/>
-                  </a:rPr>
-                  <a:t>Logs</a:t>
-                </a:r>
-              </a:p>
-            </p:txBody>
-          </p:sp>
-          <p:sp>
-            <p:nvSpPr>
-              <p:cNvPr id="72" name="Rectangle: Rounded Corners 71">
-                <a:extLst>
-                  <a:ext uri="{FF2B5EF4-FFF2-40B4-BE49-F238E27FC236}">
-                    <a16:creationId xmlns:a16="http://schemas.microsoft.com/office/drawing/2014/main" id="{A3DF1638-5AE1-4EDD-B65A-195BB58EA10A}"/>
-                  </a:ext>
-                </a:extLst>
-              </p:cNvPr>
-              <p:cNvSpPr/>
-              <p:nvPr/>
-            </p:nvSpPr>
-            <p:spPr>
-              <a:xfrm>
-                <a:off x="6958157" y="2277081"/>
-                <a:ext cx="1105232" cy="393589"/>
-              </a:xfrm>
-              <a:prstGeom prst="roundRect">
-                <a:avLst/>
-              </a:prstGeom>
-              <a:solidFill>
-                <a:schemeClr val="bg1"/>
-              </a:solidFill>
-              <a:ln>
-                <a:solidFill>
-                  <a:schemeClr val="accent3">
-                    <a:lumMod val="50000"/>
-                  </a:schemeClr>
-                </a:solidFill>
-              </a:ln>
-            </p:spPr>
-            <p:style>
-              <a:lnRef idx="2">
-                <a:schemeClr val="accent1">
-                  <a:shade val="50000"/>
-                </a:schemeClr>
-              </a:lnRef>
-              <a:fillRef idx="1">
-                <a:schemeClr val="accent1"/>
-              </a:fillRef>
-              <a:effectRef idx="0">
-                <a:schemeClr val="accent1"/>
-              </a:effectRef>
-              <a:fontRef idx="minor">
-                <a:schemeClr val="lt1"/>
-              </a:fontRef>
-            </p:style>
-            <p:txBody>
-              <a:bodyPr rtlCol="0" anchor="ctr"/>
-              <a:lstStyle/>
-              <a:p>
-                <a:pPr algn="ctr"/>
-                <a:r>
-                  <a:rPr lang="en-GB" sz="1600" dirty="0">
-                    <a:solidFill>
-                      <a:schemeClr val="accent3">
-                        <a:lumMod val="75000"/>
-                      </a:schemeClr>
-                    </a:solidFill>
-                    <a:latin typeface="Segoe UI Light" panose="020B0502040204020203" pitchFamily="34" charset="0"/>
-                    <a:cs typeface="Segoe UI Light" panose="020B0502040204020203" pitchFamily="34" charset="0"/>
-                  </a:rPr>
-                  <a:t>image.jpg</a:t>
-                </a:r>
-              </a:p>
-            </p:txBody>
-          </p:sp>
-        </p:grpSp>
-        <p:grpSp>
-          <p:nvGrpSpPr>
-            <p:cNvPr id="73" name="Group 72">
+            </a:ln>
+          </p:spPr>
+          <p:style>
+            <a:lnRef idx="2">
+              <a:schemeClr val="accent1">
+                <a:shade val="50000"/>
+              </a:schemeClr>
+            </a:lnRef>
+            <a:fillRef idx="1">
+              <a:schemeClr val="accent1"/>
+            </a:fillRef>
+            <a:effectRef idx="0">
+              <a:schemeClr val="accent1"/>
+            </a:effectRef>
+            <a:fontRef idx="minor">
+              <a:schemeClr val="lt1"/>
+            </a:fontRef>
+          </p:style>
+          <p:txBody>
+            <a:bodyPr rtlCol="0" anchor="ctr"/>
+            <a:lstStyle/>
+            <a:p>
+              <a:pPr algn="ctr"/>
+              <a:r>
+                <a:rPr lang="en-GB" sz="1600" dirty="0">
+                  <a:solidFill>
+                    <a:schemeClr val="accent3">
+                      <a:lumMod val="75000"/>
+                    </a:schemeClr>
+                  </a:solidFill>
+                  <a:latin typeface="Segoe UI Light" panose="020B0502040204020203" pitchFamily="34" charset="0"/>
+                  <a:cs typeface="Segoe UI Light" panose="020B0502040204020203" pitchFamily="34" charset="0"/>
+                </a:rPr>
+                <a:t>Logs</a:t>
+              </a:r>
+            </a:p>
+          </p:txBody>
+        </p:sp>
+        <p:sp>
+          <p:nvSpPr>
+            <p:cNvPr id="62" name="Rectangle: Rounded Corners 61">
               <a:extLst>
                 <a:ext uri="{FF2B5EF4-FFF2-40B4-BE49-F238E27FC236}">
-                  <a16:creationId xmlns:a16="http://schemas.microsoft.com/office/drawing/2014/main" id="{6F9EC1F0-2978-46DA-A7CD-505DEEA2ADFE}"/>
+                  <a16:creationId xmlns:a16="http://schemas.microsoft.com/office/drawing/2014/main" id="{AE6B0AF6-0CBE-4B1E-AA97-FD3FEED5B761}"/>
                 </a:ext>
               </a:extLst>
             </p:cNvPr>
-            <p:cNvGrpSpPr/>
+            <p:cNvSpPr/>
             <p:nvPr/>
-          </p:nvGrpSpPr>
-          <p:grpSpPr>
+          </p:nvSpPr>
+          <p:spPr>
             <a:xfrm>
-              <a:off x="6237909" y="1511735"/>
-              <a:ext cx="798644" cy="525780"/>
-              <a:chOff x="2669117" y="1511735"/>
-              <a:chExt cx="798644" cy="525780"/>
+              <a:off x="7008957" y="2228365"/>
+              <a:ext cx="1105232" cy="393589"/>
             </a:xfrm>
+            <a:prstGeom prst="roundRect">
+              <a:avLst/>
+            </a:prstGeom>
             <a:solidFill>
-              <a:schemeClr val="accent3">
-                <a:lumMod val="50000"/>
+              <a:schemeClr val="bg1"/>
+            </a:solidFill>
+            <a:ln>
+              <a:solidFill>
+                <a:schemeClr val="accent3">
+                  <a:lumMod val="50000"/>
+                </a:schemeClr>
+              </a:solidFill>
+            </a:ln>
+          </p:spPr>
+          <p:style>
+            <a:lnRef idx="2">
+              <a:schemeClr val="accent1">
+                <a:shade val="50000"/>
               </a:schemeClr>
-            </a:solidFill>
-          </p:grpSpPr>
-          <p:pic>
-            <p:nvPicPr>
-              <p:cNvPr id="74" name="Graphic 73" descr="Line arrow Straight">
-                <a:extLst>
-                  <a:ext uri="{FF2B5EF4-FFF2-40B4-BE49-F238E27FC236}">
-                    <a16:creationId xmlns:a16="http://schemas.microsoft.com/office/drawing/2014/main" id="{C1D42C88-5460-4587-B8AD-E501B6659048}"/>
-                  </a:ext>
-                </a:extLst>
-              </p:cNvPr>
-              <p:cNvPicPr>
-                <a:picLocks noChangeAspect="1"/>
-              </p:cNvPicPr>
-              <p:nvPr/>
-            </p:nvPicPr>
-            <p:blipFill>
-              <a:blip r:embed="rId8">
-                <a:extLst>
-                  <a:ext uri="{28A0092B-C50C-407E-A947-70E740481C1C}">
-                    <a14:useLocalDpi xmlns:a14="http://schemas.microsoft.com/office/drawing/2010/main" val="0"/>
-                  </a:ext>
-                  <a:ext uri="{96DAC541-7B7A-43D3-8B79-37D633B846F1}">
-                    <asvg:svgBlip xmlns:asvg="http://schemas.microsoft.com/office/drawing/2016/SVG/main" r:embed="rId9"/>
-                  </a:ext>
-                </a:extLst>
-              </a:blip>
-              <a:stretch>
-                <a:fillRect/>
-              </a:stretch>
-            </p:blipFill>
-            <p:spPr>
-              <a:xfrm rot="10800000">
-                <a:off x="2941981" y="1511735"/>
-                <a:ext cx="525780" cy="525780"/>
-              </a:xfrm>
-              <a:prstGeom prst="rect">
-                <a:avLst/>
-              </a:prstGeom>
-            </p:spPr>
-          </p:pic>
-          <p:cxnSp>
-            <p:nvCxnSpPr>
-              <p:cNvPr id="75" name="Straight Connector 74">
-                <a:extLst>
-                  <a:ext uri="{FF2B5EF4-FFF2-40B4-BE49-F238E27FC236}">
-                    <a16:creationId xmlns:a16="http://schemas.microsoft.com/office/drawing/2014/main" id="{E6831B05-B0EC-429E-B533-99F24AA85D12}"/>
-                  </a:ext>
-                </a:extLst>
-              </p:cNvPr>
-              <p:cNvCxnSpPr>
-                <a:cxnSpLocks/>
-              </p:cNvCxnSpPr>
-              <p:nvPr/>
-            </p:nvCxnSpPr>
-            <p:spPr>
-              <a:xfrm flipH="1">
-                <a:off x="2669117" y="1774625"/>
-                <a:ext cx="742953" cy="0"/>
-              </a:xfrm>
-              <a:prstGeom prst="line">
-                <a:avLst/>
-              </a:prstGeom>
-              <a:grpFill/>
-              <a:ln w="32385" cap="rnd">
-                <a:solidFill>
-                  <a:schemeClr val="accent3">
-                    <a:lumMod val="50000"/>
-                  </a:schemeClr>
-                </a:solidFill>
-              </a:ln>
-            </p:spPr>
-            <p:style>
-              <a:lnRef idx="1">
-                <a:schemeClr val="accent1"/>
-              </a:lnRef>
-              <a:fillRef idx="0">
-                <a:schemeClr val="accent1"/>
-              </a:fillRef>
-              <a:effectRef idx="0">
-                <a:schemeClr val="accent1"/>
-              </a:effectRef>
-              <a:fontRef idx="minor">
-                <a:schemeClr val="tx1"/>
-              </a:fontRef>
-            </p:style>
-          </p:cxnSp>
-        </p:grpSp>
-        <p:grpSp>
-          <p:nvGrpSpPr>
-            <p:cNvPr id="76" name="Group 75">
+            </a:lnRef>
+            <a:fillRef idx="1">
+              <a:schemeClr val="accent1"/>
+            </a:fillRef>
+            <a:effectRef idx="0">
+              <a:schemeClr val="accent1"/>
+            </a:effectRef>
+            <a:fontRef idx="minor">
+              <a:schemeClr val="lt1"/>
+            </a:fontRef>
+          </p:style>
+          <p:txBody>
+            <a:bodyPr rtlCol="0" anchor="ctr"/>
+            <a:lstStyle/>
+            <a:p>
+              <a:pPr algn="ctr"/>
+              <a:r>
+                <a:rPr lang="en-GB" sz="1600" dirty="0">
+                  <a:solidFill>
+                    <a:schemeClr val="accent3">
+                      <a:lumMod val="75000"/>
+                    </a:schemeClr>
+                  </a:solidFill>
+                  <a:latin typeface="Segoe UI Light" panose="020B0502040204020203" pitchFamily="34" charset="0"/>
+                  <a:cs typeface="Segoe UI Light" panose="020B0502040204020203" pitchFamily="34" charset="0"/>
+                </a:rPr>
+                <a:t>Logs</a:t>
+              </a:r>
+            </a:p>
+          </p:txBody>
+        </p:sp>
+        <p:sp>
+          <p:nvSpPr>
+            <p:cNvPr id="63" name="Rectangle: Rounded Corners 62">
               <a:extLst>
                 <a:ext uri="{FF2B5EF4-FFF2-40B4-BE49-F238E27FC236}">
-                  <a16:creationId xmlns:a16="http://schemas.microsoft.com/office/drawing/2014/main" id="{AC68E43C-1352-48F0-9862-BA254CD10E71}"/>
+                  <a16:creationId xmlns:a16="http://schemas.microsoft.com/office/drawing/2014/main" id="{005B884A-7FF5-440A-80CC-4CCC38C65A5A}"/>
                 </a:ext>
               </a:extLst>
             </p:cNvPr>
-            <p:cNvGrpSpPr/>
+            <p:cNvSpPr/>
             <p:nvPr/>
-          </p:nvGrpSpPr>
-          <p:grpSpPr>
+          </p:nvSpPr>
+          <p:spPr>
             <a:xfrm>
-              <a:off x="6237909" y="2128046"/>
-              <a:ext cx="798644" cy="525780"/>
-              <a:chOff x="2669117" y="1511735"/>
-              <a:chExt cx="798644" cy="525780"/>
+              <a:off x="6958157" y="2277081"/>
+              <a:ext cx="1105232" cy="393589"/>
             </a:xfrm>
+            <a:prstGeom prst="roundRect">
+              <a:avLst/>
+            </a:prstGeom>
             <a:solidFill>
-              <a:schemeClr val="accent3">
-                <a:lumMod val="50000"/>
+              <a:schemeClr val="bg1"/>
+            </a:solidFill>
+            <a:ln>
+              <a:solidFill>
+                <a:schemeClr val="accent3">
+                  <a:lumMod val="50000"/>
+                </a:schemeClr>
+              </a:solidFill>
+            </a:ln>
+          </p:spPr>
+          <p:style>
+            <a:lnRef idx="2">
+              <a:schemeClr val="accent1">
+                <a:shade val="50000"/>
               </a:schemeClr>
-            </a:solidFill>
-          </p:grpSpPr>
-          <p:pic>
-            <p:nvPicPr>
-              <p:cNvPr id="77" name="Graphic 76" descr="Line arrow Straight">
-                <a:extLst>
-                  <a:ext uri="{FF2B5EF4-FFF2-40B4-BE49-F238E27FC236}">
-                    <a16:creationId xmlns:a16="http://schemas.microsoft.com/office/drawing/2014/main" id="{AA52B007-49A9-4A53-A2BA-9B088B9072F5}"/>
-                  </a:ext>
-                </a:extLst>
-              </p:cNvPr>
-              <p:cNvPicPr>
-                <a:picLocks noChangeAspect="1"/>
-              </p:cNvPicPr>
-              <p:nvPr/>
-            </p:nvPicPr>
-            <p:blipFill>
-              <a:blip r:embed="rId8">
-                <a:extLst>
-                  <a:ext uri="{28A0092B-C50C-407E-A947-70E740481C1C}">
-                    <a14:useLocalDpi xmlns:a14="http://schemas.microsoft.com/office/drawing/2010/main" val="0"/>
-                  </a:ext>
-                  <a:ext uri="{96DAC541-7B7A-43D3-8B79-37D633B846F1}">
-                    <asvg:svgBlip xmlns:asvg="http://schemas.microsoft.com/office/drawing/2016/SVG/main" r:embed="rId9"/>
-                  </a:ext>
-                </a:extLst>
-              </a:blip>
-              <a:stretch>
-                <a:fillRect/>
-              </a:stretch>
-            </p:blipFill>
-            <p:spPr>
-              <a:xfrm rot="10800000">
-                <a:off x="2941981" y="1511735"/>
-                <a:ext cx="525780" cy="525780"/>
-              </a:xfrm>
-              <a:prstGeom prst="rect">
-                <a:avLst/>
-              </a:prstGeom>
-            </p:spPr>
-          </p:pic>
-          <p:cxnSp>
-            <p:nvCxnSpPr>
-              <p:cNvPr id="78" name="Straight Connector 77">
-                <a:extLst>
-                  <a:ext uri="{FF2B5EF4-FFF2-40B4-BE49-F238E27FC236}">
-                    <a16:creationId xmlns:a16="http://schemas.microsoft.com/office/drawing/2014/main" id="{6D799EAF-BBD9-44FD-AC54-401F969891D7}"/>
-                  </a:ext>
-                </a:extLst>
-              </p:cNvPr>
-              <p:cNvCxnSpPr>
-                <a:cxnSpLocks/>
-              </p:cNvCxnSpPr>
-              <p:nvPr/>
-            </p:nvCxnSpPr>
-            <p:spPr>
-              <a:xfrm flipH="1">
-                <a:off x="2669117" y="1774625"/>
-                <a:ext cx="742953" cy="0"/>
-              </a:xfrm>
-              <a:prstGeom prst="line">
-                <a:avLst/>
-              </a:prstGeom>
-              <a:grpFill/>
-              <a:ln w="32385" cap="rnd">
-                <a:solidFill>
-                  <a:schemeClr val="accent3">
-                    <a:lumMod val="50000"/>
-                  </a:schemeClr>
-                </a:solidFill>
-              </a:ln>
-            </p:spPr>
-            <p:style>
-              <a:lnRef idx="1">
-                <a:schemeClr val="accent1"/>
-              </a:lnRef>
-              <a:fillRef idx="0">
-                <a:schemeClr val="accent1"/>
-              </a:fillRef>
-              <a:effectRef idx="0">
-                <a:schemeClr val="accent1"/>
-              </a:effectRef>
-              <a:fontRef idx="minor">
-                <a:schemeClr val="tx1"/>
-              </a:fontRef>
-            </p:style>
-          </p:cxnSp>
-        </p:grpSp>
-        <p:grpSp>
-          <p:nvGrpSpPr>
-            <p:cNvPr id="79" name="Group 78">
+            </a:lnRef>
+            <a:fillRef idx="1">
+              <a:schemeClr val="accent1"/>
+            </a:fillRef>
+            <a:effectRef idx="0">
+              <a:schemeClr val="accent1"/>
+            </a:effectRef>
+            <a:fontRef idx="minor">
+              <a:schemeClr val="lt1"/>
+            </a:fontRef>
+          </p:style>
+          <p:txBody>
+            <a:bodyPr rtlCol="0" anchor="ctr"/>
+            <a:lstStyle/>
+            <a:p>
+              <a:pPr algn="ctr"/>
+              <a:r>
+                <a:rPr lang="en-GB" sz="1600" dirty="0">
+                  <a:solidFill>
+                    <a:schemeClr val="accent3">
+                      <a:lumMod val="75000"/>
+                    </a:schemeClr>
+                  </a:solidFill>
+                  <a:latin typeface="Segoe UI Light" panose="020B0502040204020203" pitchFamily="34" charset="0"/>
+                  <a:cs typeface="Segoe UI Light" panose="020B0502040204020203" pitchFamily="34" charset="0"/>
+                </a:rPr>
+                <a:t>log.txt</a:t>
+              </a:r>
+            </a:p>
+          </p:txBody>
+        </p:sp>
+      </p:grpSp>
+      <p:grpSp>
+        <p:nvGrpSpPr>
+          <p:cNvPr id="65" name="Group 64">
+            <a:extLst>
+              <a:ext uri="{FF2B5EF4-FFF2-40B4-BE49-F238E27FC236}">
+                <a16:creationId xmlns:a16="http://schemas.microsoft.com/office/drawing/2014/main" id="{AA6E4F44-C702-4E5F-A816-6A694789EEFD}"/>
+              </a:ext>
+            </a:extLst>
+          </p:cNvPr>
+          <p:cNvGrpSpPr/>
+          <p:nvPr/>
+        </p:nvGrpSpPr>
+        <p:grpSpPr>
+          <a:xfrm>
+            <a:off x="7024832" y="1495263"/>
+            <a:ext cx="1206832" cy="491021"/>
+            <a:chOff x="6958157" y="2179649"/>
+            <a:chExt cx="1206832" cy="491021"/>
+          </a:xfrm>
+        </p:grpSpPr>
+        <p:sp>
+          <p:nvSpPr>
+            <p:cNvPr id="66" name="Rectangle: Rounded Corners 65">
               <a:extLst>
                 <a:ext uri="{FF2B5EF4-FFF2-40B4-BE49-F238E27FC236}">
-                  <a16:creationId xmlns:a16="http://schemas.microsoft.com/office/drawing/2014/main" id="{18794D9E-BB0F-4881-AB78-F059D4FBB792}"/>
+                  <a16:creationId xmlns:a16="http://schemas.microsoft.com/office/drawing/2014/main" id="{2C7B11D7-6CC3-4CA8-A869-9FF6362CEDA7}"/>
                 </a:ext>
               </a:extLst>
             </p:cNvPr>
-            <p:cNvGrpSpPr/>
+            <p:cNvSpPr/>
             <p:nvPr/>
-          </p:nvGrpSpPr>
-          <p:grpSpPr>
+          </p:nvSpPr>
+          <p:spPr>
             <a:xfrm>
-              <a:off x="6237909" y="2808288"/>
-              <a:ext cx="798644" cy="525780"/>
-              <a:chOff x="2669117" y="1511735"/>
-              <a:chExt cx="798644" cy="525780"/>
+              <a:off x="7059757" y="2179649"/>
+              <a:ext cx="1105232" cy="393589"/>
             </a:xfrm>
+            <a:prstGeom prst="roundRect">
+              <a:avLst/>
+            </a:prstGeom>
             <a:solidFill>
-              <a:schemeClr val="accent3">
-                <a:lumMod val="50000"/>
+              <a:schemeClr val="bg1"/>
+            </a:solidFill>
+            <a:ln>
+              <a:solidFill>
+                <a:schemeClr val="accent3">
+                  <a:lumMod val="50000"/>
+                </a:schemeClr>
+              </a:solidFill>
+            </a:ln>
+          </p:spPr>
+          <p:style>
+            <a:lnRef idx="2">
+              <a:schemeClr val="accent1">
+                <a:shade val="50000"/>
               </a:schemeClr>
-            </a:solidFill>
-          </p:grpSpPr>
-          <p:pic>
-            <p:nvPicPr>
-              <p:cNvPr id="80" name="Graphic 79" descr="Line arrow Straight">
-                <a:extLst>
-                  <a:ext uri="{FF2B5EF4-FFF2-40B4-BE49-F238E27FC236}">
-                    <a16:creationId xmlns:a16="http://schemas.microsoft.com/office/drawing/2014/main" id="{AEDDB21F-3125-43B8-B763-E4ABA8972381}"/>
-                  </a:ext>
-                </a:extLst>
-              </p:cNvPr>
-              <p:cNvPicPr>
-                <a:picLocks noChangeAspect="1"/>
-              </p:cNvPicPr>
-              <p:nvPr/>
-            </p:nvPicPr>
-            <p:blipFill>
-              <a:blip r:embed="rId8">
-                <a:extLst>
-                  <a:ext uri="{28A0092B-C50C-407E-A947-70E740481C1C}">
-                    <a14:useLocalDpi xmlns:a14="http://schemas.microsoft.com/office/drawing/2010/main" val="0"/>
-                  </a:ext>
-                  <a:ext uri="{96DAC541-7B7A-43D3-8B79-37D633B846F1}">
-                    <asvg:svgBlip xmlns:asvg="http://schemas.microsoft.com/office/drawing/2016/SVG/main" r:embed="rId9"/>
-                  </a:ext>
-                </a:extLst>
-              </a:blip>
-              <a:stretch>
-                <a:fillRect/>
-              </a:stretch>
-            </p:blipFill>
-            <p:spPr>
-              <a:xfrm rot="10800000">
-                <a:off x="2941981" y="1511735"/>
-                <a:ext cx="525780" cy="525780"/>
-              </a:xfrm>
-              <a:prstGeom prst="rect">
-                <a:avLst/>
-              </a:prstGeom>
-            </p:spPr>
-          </p:pic>
-          <p:cxnSp>
-            <p:nvCxnSpPr>
-              <p:cNvPr id="81" name="Straight Connector 80">
-                <a:extLst>
-                  <a:ext uri="{FF2B5EF4-FFF2-40B4-BE49-F238E27FC236}">
-                    <a16:creationId xmlns:a16="http://schemas.microsoft.com/office/drawing/2014/main" id="{686A2D26-5C5E-480D-90A8-B9901FFC7CB9}"/>
-                  </a:ext>
-                </a:extLst>
-              </p:cNvPr>
-              <p:cNvCxnSpPr>
-                <a:cxnSpLocks/>
-              </p:cNvCxnSpPr>
-              <p:nvPr/>
-            </p:nvCxnSpPr>
-            <p:spPr>
-              <a:xfrm flipH="1">
-                <a:off x="2669117" y="1774625"/>
-                <a:ext cx="742953" cy="0"/>
-              </a:xfrm>
-              <a:prstGeom prst="line">
-                <a:avLst/>
-              </a:prstGeom>
-              <a:grpFill/>
-              <a:ln w="32385" cap="rnd">
-                <a:solidFill>
-                  <a:schemeClr val="accent3">
-                    <a:lumMod val="50000"/>
-                  </a:schemeClr>
-                </a:solidFill>
-              </a:ln>
-            </p:spPr>
-            <p:style>
-              <a:lnRef idx="1">
-                <a:schemeClr val="accent1"/>
-              </a:lnRef>
-              <a:fillRef idx="0">
-                <a:schemeClr val="accent1"/>
-              </a:fillRef>
-              <a:effectRef idx="0">
-                <a:schemeClr val="accent1"/>
-              </a:effectRef>
-              <a:fontRef idx="minor">
-                <a:schemeClr val="tx1"/>
-              </a:fontRef>
-            </p:style>
-          </p:cxnSp>
-        </p:grpSp>
-        <p:grpSp>
-          <p:nvGrpSpPr>
-            <p:cNvPr id="38" name="Group 37">
+            </a:lnRef>
+            <a:fillRef idx="1">
+              <a:schemeClr val="accent1"/>
+            </a:fillRef>
+            <a:effectRef idx="0">
+              <a:schemeClr val="accent1"/>
+            </a:effectRef>
+            <a:fontRef idx="minor">
+              <a:schemeClr val="lt1"/>
+            </a:fontRef>
+          </p:style>
+          <p:txBody>
+            <a:bodyPr rtlCol="0" anchor="ctr"/>
+            <a:lstStyle/>
+            <a:p>
+              <a:pPr algn="ctr"/>
+              <a:r>
+                <a:rPr lang="en-GB" sz="1600" dirty="0">
+                  <a:solidFill>
+                    <a:schemeClr val="accent3">
+                      <a:lumMod val="75000"/>
+                    </a:schemeClr>
+                  </a:solidFill>
+                  <a:latin typeface="Segoe UI Light" panose="020B0502040204020203" pitchFamily="34" charset="0"/>
+                  <a:cs typeface="Segoe UI Light" panose="020B0502040204020203" pitchFamily="34" charset="0"/>
+                </a:rPr>
+                <a:t>Logs</a:t>
+              </a:r>
+            </a:p>
+          </p:txBody>
+        </p:sp>
+        <p:sp>
+          <p:nvSpPr>
+            <p:cNvPr id="67" name="Rectangle: Rounded Corners 66">
               <a:extLst>
                 <a:ext uri="{FF2B5EF4-FFF2-40B4-BE49-F238E27FC236}">
-                  <a16:creationId xmlns:a16="http://schemas.microsoft.com/office/drawing/2014/main" id="{ABEE91F8-4C91-4B4D-B45D-E7C113927271}"/>
+                  <a16:creationId xmlns:a16="http://schemas.microsoft.com/office/drawing/2014/main" id="{51C61809-1BE9-4698-999A-3A1A2DF9B4E3}"/>
                 </a:ext>
               </a:extLst>
             </p:cNvPr>
-            <p:cNvGrpSpPr/>
+            <p:cNvSpPr/>
             <p:nvPr/>
-          </p:nvGrpSpPr>
-          <p:grpSpPr>
+          </p:nvSpPr>
+          <p:spPr>
             <a:xfrm>
-              <a:off x="5257795" y="1581313"/>
-              <a:ext cx="1105232" cy="2188598"/>
-              <a:chOff x="3455833" y="1579332"/>
-              <a:chExt cx="1105232" cy="2188598"/>
+              <a:off x="7008957" y="2228365"/>
+              <a:ext cx="1105232" cy="393589"/>
             </a:xfrm>
-          </p:grpSpPr>
-          <p:sp>
-            <p:nvSpPr>
-              <p:cNvPr id="39" name="Rectangle: Rounded Corners 38">
-                <a:extLst>
-                  <a:ext uri="{FF2B5EF4-FFF2-40B4-BE49-F238E27FC236}">
-                    <a16:creationId xmlns:a16="http://schemas.microsoft.com/office/drawing/2014/main" id="{A034416B-5BA8-4B14-8ED3-CA7EE1CCAD22}"/>
-                  </a:ext>
-                </a:extLst>
-              </p:cNvPr>
-              <p:cNvSpPr/>
-              <p:nvPr/>
-            </p:nvSpPr>
-            <p:spPr>
-              <a:xfrm>
-                <a:off x="3455833" y="1579332"/>
-                <a:ext cx="1105231" cy="393589"/>
-              </a:xfrm>
-              <a:prstGeom prst="roundRect">
-                <a:avLst/>
-              </a:prstGeom>
+            <a:prstGeom prst="roundRect">
+              <a:avLst/>
+            </a:prstGeom>
+            <a:solidFill>
+              <a:schemeClr val="bg1"/>
+            </a:solidFill>
+            <a:ln>
               <a:solidFill>
-                <a:schemeClr val="bg1"/>
+                <a:schemeClr val="accent3">
+                  <a:lumMod val="50000"/>
+                </a:schemeClr>
               </a:solidFill>
-              <a:ln>
-                <a:noFill/>
-              </a:ln>
-            </p:spPr>
-            <p:style>
-              <a:lnRef idx="2">
-                <a:schemeClr val="accent1">
-                  <a:shade val="50000"/>
+            </a:ln>
+          </p:spPr>
+          <p:style>
+            <a:lnRef idx="2">
+              <a:schemeClr val="accent1">
+                <a:shade val="50000"/>
+              </a:schemeClr>
+            </a:lnRef>
+            <a:fillRef idx="1">
+              <a:schemeClr val="accent1"/>
+            </a:fillRef>
+            <a:effectRef idx="0">
+              <a:schemeClr val="accent1"/>
+            </a:effectRef>
+            <a:fontRef idx="minor">
+              <a:schemeClr val="lt1"/>
+            </a:fontRef>
+          </p:style>
+          <p:txBody>
+            <a:bodyPr rtlCol="0" anchor="ctr"/>
+            <a:lstStyle/>
+            <a:p>
+              <a:pPr algn="ctr"/>
+              <a:r>
+                <a:rPr lang="en-GB" sz="1600" dirty="0">
+                  <a:solidFill>
+                    <a:schemeClr val="accent3">
+                      <a:lumMod val="75000"/>
+                    </a:schemeClr>
+                  </a:solidFill>
+                  <a:latin typeface="Segoe UI Light" panose="020B0502040204020203" pitchFamily="34" charset="0"/>
+                  <a:cs typeface="Segoe UI Light" panose="020B0502040204020203" pitchFamily="34" charset="0"/>
+                </a:rPr>
+                <a:t>Logs</a:t>
+              </a:r>
+            </a:p>
+          </p:txBody>
+        </p:sp>
+        <p:sp>
+          <p:nvSpPr>
+            <p:cNvPr id="68" name="Rectangle: Rounded Corners 67">
+              <a:extLst>
+                <a:ext uri="{FF2B5EF4-FFF2-40B4-BE49-F238E27FC236}">
+                  <a16:creationId xmlns:a16="http://schemas.microsoft.com/office/drawing/2014/main" id="{DDA6A959-C7D8-486A-AD12-9C68D1B2899D}"/>
+                </a:ext>
+              </a:extLst>
+            </p:cNvPr>
+            <p:cNvSpPr/>
+            <p:nvPr/>
+          </p:nvSpPr>
+          <p:spPr>
+            <a:xfrm>
+              <a:off x="6958157" y="2277081"/>
+              <a:ext cx="1105232" cy="393589"/>
+            </a:xfrm>
+            <a:prstGeom prst="roundRect">
+              <a:avLst/>
+            </a:prstGeom>
+            <a:solidFill>
+              <a:schemeClr val="bg1"/>
+            </a:solidFill>
+            <a:ln>
+              <a:solidFill>
+                <a:schemeClr val="accent3">
+                  <a:lumMod val="50000"/>
                 </a:schemeClr>
-              </a:lnRef>
-              <a:fillRef idx="1">
-                <a:schemeClr val="accent1"/>
-              </a:fillRef>
-              <a:effectRef idx="0">
-                <a:schemeClr val="accent1"/>
-              </a:effectRef>
-              <a:fontRef idx="minor">
-                <a:schemeClr val="lt1"/>
-              </a:fontRef>
-            </p:style>
-            <p:txBody>
-              <a:bodyPr rtlCol="0" anchor="ctr"/>
-              <a:lstStyle/>
-              <a:p>
-                <a:pPr algn="ctr"/>
-                <a:r>
-                  <a:rPr lang="en-GB" sz="1600" dirty="0">
-                    <a:solidFill>
-                      <a:schemeClr val="accent4">
-                        <a:lumMod val="75000"/>
-                      </a:schemeClr>
-                    </a:solidFill>
-                    <a:latin typeface="Segoe UI Light" panose="020B0502040204020203" pitchFamily="34" charset="0"/>
-                    <a:cs typeface="Segoe UI Light" panose="020B0502040204020203" pitchFamily="34" charset="0"/>
-                  </a:rPr>
-                  <a:t>Tools</a:t>
-                </a:r>
-              </a:p>
-            </p:txBody>
-          </p:sp>
-          <p:sp>
-            <p:nvSpPr>
-              <p:cNvPr id="40" name="Rectangle: Rounded Corners 39">
-                <a:extLst>
-                  <a:ext uri="{FF2B5EF4-FFF2-40B4-BE49-F238E27FC236}">
-                    <a16:creationId xmlns:a16="http://schemas.microsoft.com/office/drawing/2014/main" id="{58A55F29-A947-472C-83F1-61C498C5B26B}"/>
-                  </a:ext>
-                </a:extLst>
-              </p:cNvPr>
-              <p:cNvSpPr/>
-              <p:nvPr/>
-            </p:nvSpPr>
-            <p:spPr>
-              <a:xfrm>
-                <a:off x="3455833" y="2177668"/>
-                <a:ext cx="1105232" cy="393589"/>
-              </a:xfrm>
-              <a:prstGeom prst="roundRect">
-                <a:avLst/>
-              </a:prstGeom>
+              </a:solidFill>
+            </a:ln>
+          </p:spPr>
+          <p:style>
+            <a:lnRef idx="2">
+              <a:schemeClr val="accent1">
+                <a:shade val="50000"/>
+              </a:schemeClr>
+            </a:lnRef>
+            <a:fillRef idx="1">
+              <a:schemeClr val="accent1"/>
+            </a:fillRef>
+            <a:effectRef idx="0">
+              <a:schemeClr val="accent1"/>
+            </a:effectRef>
+            <a:fontRef idx="minor">
+              <a:schemeClr val="lt1"/>
+            </a:fontRef>
+          </p:style>
+          <p:txBody>
+            <a:bodyPr rtlCol="0" anchor="ctr"/>
+            <a:lstStyle/>
+            <a:p>
+              <a:pPr algn="ctr"/>
+              <a:r>
+                <a:rPr lang="en-GB" sz="1600" dirty="0">
+                  <a:solidFill>
+                    <a:schemeClr val="accent3">
+                      <a:lumMod val="75000"/>
+                    </a:schemeClr>
+                  </a:solidFill>
+                  <a:latin typeface="Segoe UI Light" panose="020B0502040204020203" pitchFamily="34" charset="0"/>
+                  <a:cs typeface="Segoe UI Light" panose="020B0502040204020203" pitchFamily="34" charset="0"/>
+                </a:rPr>
+                <a:t>app.exe</a:t>
+              </a:r>
+            </a:p>
+          </p:txBody>
+        </p:sp>
+      </p:grpSp>
+      <p:grpSp>
+        <p:nvGrpSpPr>
+          <p:cNvPr id="69" name="Group 68">
+            <a:extLst>
+              <a:ext uri="{FF2B5EF4-FFF2-40B4-BE49-F238E27FC236}">
+                <a16:creationId xmlns:a16="http://schemas.microsoft.com/office/drawing/2014/main" id="{22A621B4-EE49-4680-A080-12B1B896656E}"/>
+              </a:ext>
+            </a:extLst>
+          </p:cNvPr>
+          <p:cNvGrpSpPr/>
+          <p:nvPr/>
+        </p:nvGrpSpPr>
+        <p:grpSpPr>
+          <a:xfrm>
+            <a:off x="7024832" y="2885301"/>
+            <a:ext cx="1206832" cy="491021"/>
+            <a:chOff x="6958157" y="2179649"/>
+            <a:chExt cx="1206832" cy="491021"/>
+          </a:xfrm>
+        </p:grpSpPr>
+        <p:sp>
+          <p:nvSpPr>
+            <p:cNvPr id="70" name="Rectangle: Rounded Corners 69">
+              <a:extLst>
+                <a:ext uri="{FF2B5EF4-FFF2-40B4-BE49-F238E27FC236}">
+                  <a16:creationId xmlns:a16="http://schemas.microsoft.com/office/drawing/2014/main" id="{F2ADDA56-88FA-4600-8DD6-1891BD2A2E7E}"/>
+                </a:ext>
+              </a:extLst>
+            </p:cNvPr>
+            <p:cNvSpPr/>
+            <p:nvPr/>
+          </p:nvSpPr>
+          <p:spPr>
+            <a:xfrm>
+              <a:off x="7059757" y="2179649"/>
+              <a:ext cx="1105232" cy="393589"/>
+            </a:xfrm>
+            <a:prstGeom prst="roundRect">
+              <a:avLst/>
+            </a:prstGeom>
+            <a:solidFill>
+              <a:schemeClr val="bg1"/>
+            </a:solidFill>
+            <a:ln>
               <a:solidFill>
-                <a:schemeClr val="bg1"/>
+                <a:schemeClr val="accent3">
+                  <a:lumMod val="50000"/>
+                </a:schemeClr>
               </a:solidFill>
-              <a:ln>
-                <a:noFill/>
-              </a:ln>
-            </p:spPr>
-            <p:style>
-              <a:lnRef idx="2">
-                <a:schemeClr val="accent1">
-                  <a:shade val="50000"/>
+            </a:ln>
+          </p:spPr>
+          <p:style>
+            <a:lnRef idx="2">
+              <a:schemeClr val="accent1">
+                <a:shade val="50000"/>
+              </a:schemeClr>
+            </a:lnRef>
+            <a:fillRef idx="1">
+              <a:schemeClr val="accent1"/>
+            </a:fillRef>
+            <a:effectRef idx="0">
+              <a:schemeClr val="accent1"/>
+            </a:effectRef>
+            <a:fontRef idx="minor">
+              <a:schemeClr val="lt1"/>
+            </a:fontRef>
+          </p:style>
+          <p:txBody>
+            <a:bodyPr rtlCol="0" anchor="ctr"/>
+            <a:lstStyle/>
+            <a:p>
+              <a:pPr algn="ctr"/>
+              <a:r>
+                <a:rPr lang="en-GB" sz="1600" dirty="0">
+                  <a:solidFill>
+                    <a:schemeClr val="accent3">
+                      <a:lumMod val="75000"/>
+                    </a:schemeClr>
+                  </a:solidFill>
+                  <a:latin typeface="Segoe UI Light" panose="020B0502040204020203" pitchFamily="34" charset="0"/>
+                  <a:cs typeface="Segoe UI Light" panose="020B0502040204020203" pitchFamily="34" charset="0"/>
+                </a:rPr>
+                <a:t>Logs</a:t>
+              </a:r>
+            </a:p>
+          </p:txBody>
+        </p:sp>
+        <p:sp>
+          <p:nvSpPr>
+            <p:cNvPr id="71" name="Rectangle: Rounded Corners 70">
+              <a:extLst>
+                <a:ext uri="{FF2B5EF4-FFF2-40B4-BE49-F238E27FC236}">
+                  <a16:creationId xmlns:a16="http://schemas.microsoft.com/office/drawing/2014/main" id="{D493BD95-93D8-42A2-92B8-DB78D1D521DF}"/>
+                </a:ext>
+              </a:extLst>
+            </p:cNvPr>
+            <p:cNvSpPr/>
+            <p:nvPr/>
+          </p:nvSpPr>
+          <p:spPr>
+            <a:xfrm>
+              <a:off x="7008957" y="2228365"/>
+              <a:ext cx="1105232" cy="393589"/>
+            </a:xfrm>
+            <a:prstGeom prst="roundRect">
+              <a:avLst/>
+            </a:prstGeom>
+            <a:solidFill>
+              <a:schemeClr val="bg1"/>
+            </a:solidFill>
+            <a:ln>
+              <a:solidFill>
+                <a:schemeClr val="accent3">
+                  <a:lumMod val="50000"/>
                 </a:schemeClr>
-              </a:lnRef>
-              <a:fillRef idx="1">
-                <a:schemeClr val="accent1"/>
-              </a:fillRef>
-              <a:effectRef idx="0">
-                <a:schemeClr val="accent1"/>
-              </a:effectRef>
-              <a:fontRef idx="minor">
-                <a:schemeClr val="lt1"/>
-              </a:fontRef>
-            </p:style>
-            <p:txBody>
-              <a:bodyPr rtlCol="0" anchor="ctr"/>
-              <a:lstStyle/>
-              <a:p>
-                <a:pPr algn="ctr"/>
-                <a:r>
-                  <a:rPr lang="en-GB" sz="1600" dirty="0">
-                    <a:solidFill>
-                      <a:schemeClr val="accent4">
-                        <a:lumMod val="75000"/>
-                      </a:schemeClr>
-                    </a:solidFill>
-                    <a:latin typeface="Segoe UI Light" panose="020B0502040204020203" pitchFamily="34" charset="0"/>
-                    <a:cs typeface="Segoe UI Light" panose="020B0502040204020203" pitchFamily="34" charset="0"/>
-                  </a:rPr>
-                  <a:t>Logs</a:t>
-                </a:r>
-              </a:p>
-            </p:txBody>
-          </p:sp>
-          <p:sp>
-            <p:nvSpPr>
-              <p:cNvPr id="41" name="Rectangle: Rounded Corners 40">
-                <a:extLst>
-                  <a:ext uri="{FF2B5EF4-FFF2-40B4-BE49-F238E27FC236}">
-                    <a16:creationId xmlns:a16="http://schemas.microsoft.com/office/drawing/2014/main" id="{43E27D55-9C22-48D9-87DF-3176AF55278A}"/>
-                  </a:ext>
-                </a:extLst>
-              </p:cNvPr>
-              <p:cNvSpPr/>
-              <p:nvPr/>
-            </p:nvSpPr>
-            <p:spPr>
-              <a:xfrm>
-                <a:off x="3455833" y="2776004"/>
-                <a:ext cx="1105231" cy="393589"/>
-              </a:xfrm>
-              <a:prstGeom prst="roundRect">
-                <a:avLst/>
-              </a:prstGeom>
+              </a:solidFill>
+            </a:ln>
+          </p:spPr>
+          <p:style>
+            <a:lnRef idx="2">
+              <a:schemeClr val="accent1">
+                <a:shade val="50000"/>
+              </a:schemeClr>
+            </a:lnRef>
+            <a:fillRef idx="1">
+              <a:schemeClr val="accent1"/>
+            </a:fillRef>
+            <a:effectRef idx="0">
+              <a:schemeClr val="accent1"/>
+            </a:effectRef>
+            <a:fontRef idx="minor">
+              <a:schemeClr val="lt1"/>
+            </a:fontRef>
+          </p:style>
+          <p:txBody>
+            <a:bodyPr rtlCol="0" anchor="ctr"/>
+            <a:lstStyle/>
+            <a:p>
+              <a:pPr algn="ctr"/>
+              <a:r>
+                <a:rPr lang="en-GB" sz="1600" dirty="0">
+                  <a:solidFill>
+                    <a:schemeClr val="accent3">
+                      <a:lumMod val="75000"/>
+                    </a:schemeClr>
+                  </a:solidFill>
+                  <a:latin typeface="Segoe UI Light" panose="020B0502040204020203" pitchFamily="34" charset="0"/>
+                  <a:cs typeface="Segoe UI Light" panose="020B0502040204020203" pitchFamily="34" charset="0"/>
+                </a:rPr>
+                <a:t>Logs</a:t>
+              </a:r>
+            </a:p>
+          </p:txBody>
+        </p:sp>
+        <p:sp>
+          <p:nvSpPr>
+            <p:cNvPr id="72" name="Rectangle: Rounded Corners 71">
+              <a:extLst>
+                <a:ext uri="{FF2B5EF4-FFF2-40B4-BE49-F238E27FC236}">
+                  <a16:creationId xmlns:a16="http://schemas.microsoft.com/office/drawing/2014/main" id="{A3DF1638-5AE1-4EDD-B65A-195BB58EA10A}"/>
+                </a:ext>
+              </a:extLst>
+            </p:cNvPr>
+            <p:cNvSpPr/>
+            <p:nvPr/>
+          </p:nvSpPr>
+          <p:spPr>
+            <a:xfrm>
+              <a:off x="6958157" y="2277081"/>
+              <a:ext cx="1105232" cy="393589"/>
+            </a:xfrm>
+            <a:prstGeom prst="roundRect">
+              <a:avLst/>
+            </a:prstGeom>
+            <a:solidFill>
+              <a:schemeClr val="bg1"/>
+            </a:solidFill>
+            <a:ln>
               <a:solidFill>
-                <a:schemeClr val="bg1"/>
+                <a:schemeClr val="accent3">
+                  <a:lumMod val="50000"/>
+                </a:schemeClr>
               </a:solidFill>
-              <a:ln>
-                <a:noFill/>
-              </a:ln>
-            </p:spPr>
-            <p:style>
-              <a:lnRef idx="2">
-                <a:schemeClr val="accent1">
-                  <a:shade val="50000"/>
+            </a:ln>
+          </p:spPr>
+          <p:style>
+            <a:lnRef idx="2">
+              <a:schemeClr val="accent1">
+                <a:shade val="50000"/>
+              </a:schemeClr>
+            </a:lnRef>
+            <a:fillRef idx="1">
+              <a:schemeClr val="accent1"/>
+            </a:fillRef>
+            <a:effectRef idx="0">
+              <a:schemeClr val="accent1"/>
+            </a:effectRef>
+            <a:fontRef idx="minor">
+              <a:schemeClr val="lt1"/>
+            </a:fontRef>
+          </p:style>
+          <p:txBody>
+            <a:bodyPr rtlCol="0" anchor="ctr"/>
+            <a:lstStyle/>
+            <a:p>
+              <a:pPr algn="ctr"/>
+              <a:r>
+                <a:rPr lang="en-GB" sz="1600" dirty="0">
+                  <a:solidFill>
+                    <a:schemeClr val="accent3">
+                      <a:lumMod val="75000"/>
+                    </a:schemeClr>
+                  </a:solidFill>
+                  <a:latin typeface="Segoe UI Light" panose="020B0502040204020203" pitchFamily="34" charset="0"/>
+                  <a:cs typeface="Segoe UI Light" panose="020B0502040204020203" pitchFamily="34" charset="0"/>
+                </a:rPr>
+                <a:t>image.jpg</a:t>
+              </a:r>
+            </a:p>
+          </p:txBody>
+        </p:sp>
+      </p:grpSp>
+      <p:grpSp>
+        <p:nvGrpSpPr>
+          <p:cNvPr id="73" name="Group 72">
+            <a:extLst>
+              <a:ext uri="{FF2B5EF4-FFF2-40B4-BE49-F238E27FC236}">
+                <a16:creationId xmlns:a16="http://schemas.microsoft.com/office/drawing/2014/main" id="{6F9EC1F0-2978-46DA-A7CD-505DEEA2ADFE}"/>
+              </a:ext>
+            </a:extLst>
+          </p:cNvPr>
+          <p:cNvGrpSpPr/>
+          <p:nvPr/>
+        </p:nvGrpSpPr>
+        <p:grpSpPr>
+          <a:xfrm>
+            <a:off x="6237909" y="1511735"/>
+            <a:ext cx="798644" cy="525780"/>
+            <a:chOff x="2669117" y="1511735"/>
+            <a:chExt cx="798644" cy="525780"/>
+          </a:xfrm>
+          <a:solidFill>
+            <a:schemeClr val="accent3">
+              <a:lumMod val="50000"/>
+            </a:schemeClr>
+          </a:solidFill>
+        </p:grpSpPr>
+        <p:pic>
+          <p:nvPicPr>
+            <p:cNvPr id="74" name="Graphic 73" descr="Line arrow Straight">
+              <a:extLst>
+                <a:ext uri="{FF2B5EF4-FFF2-40B4-BE49-F238E27FC236}">
+                  <a16:creationId xmlns:a16="http://schemas.microsoft.com/office/drawing/2014/main" id="{C1D42C88-5460-4587-B8AD-E501B6659048}"/>
+                </a:ext>
+              </a:extLst>
+            </p:cNvPr>
+            <p:cNvPicPr>
+              <a:picLocks noChangeAspect="1"/>
+            </p:cNvPicPr>
+            <p:nvPr/>
+          </p:nvPicPr>
+          <p:blipFill>
+            <a:blip r:embed="rId8">
+              <a:extLst>
+                <a:ext uri="{28A0092B-C50C-407E-A947-70E740481C1C}">
+                  <a14:useLocalDpi xmlns:a14="http://schemas.microsoft.com/office/drawing/2010/main" val="0"/>
+                </a:ext>
+                <a:ext uri="{96DAC541-7B7A-43D3-8B79-37D633B846F1}">
+                  <asvg:svgBlip xmlns:asvg="http://schemas.microsoft.com/office/drawing/2016/SVG/main" r:embed="rId9"/>
+                </a:ext>
+              </a:extLst>
+            </a:blip>
+            <a:stretch>
+              <a:fillRect/>
+            </a:stretch>
+          </p:blipFill>
+          <p:spPr>
+            <a:xfrm rot="10800000">
+              <a:off x="2941981" y="1511735"/>
+              <a:ext cx="525780" cy="525780"/>
+            </a:xfrm>
+            <a:prstGeom prst="rect">
+              <a:avLst/>
+            </a:prstGeom>
+          </p:spPr>
+        </p:pic>
+        <p:cxnSp>
+          <p:nvCxnSpPr>
+            <p:cNvPr id="75" name="Straight Connector 74">
+              <a:extLst>
+                <a:ext uri="{FF2B5EF4-FFF2-40B4-BE49-F238E27FC236}">
+                  <a16:creationId xmlns:a16="http://schemas.microsoft.com/office/drawing/2014/main" id="{E6831B05-B0EC-429E-B533-99F24AA85D12}"/>
+                </a:ext>
+              </a:extLst>
+            </p:cNvPr>
+            <p:cNvCxnSpPr>
+              <a:cxnSpLocks/>
+            </p:cNvCxnSpPr>
+            <p:nvPr/>
+          </p:nvCxnSpPr>
+          <p:spPr>
+            <a:xfrm flipH="1">
+              <a:off x="2669117" y="1774625"/>
+              <a:ext cx="742953" cy="0"/>
+            </a:xfrm>
+            <a:prstGeom prst="line">
+              <a:avLst/>
+            </a:prstGeom>
+            <a:grpFill/>
+            <a:ln w="32385" cap="rnd">
+              <a:solidFill>
+                <a:schemeClr val="accent3">
+                  <a:lumMod val="50000"/>
                 </a:schemeClr>
-              </a:lnRef>
-              <a:fillRef idx="1">
-                <a:schemeClr val="accent1"/>
-              </a:fillRef>
-              <a:effectRef idx="0">
-                <a:schemeClr val="accent1"/>
-              </a:effectRef>
-              <a:fontRef idx="minor">
-                <a:schemeClr val="lt1"/>
-              </a:fontRef>
-            </p:style>
-            <p:txBody>
-              <a:bodyPr rtlCol="0" anchor="ctr"/>
-              <a:lstStyle/>
-              <a:p>
-                <a:pPr algn="ctr"/>
-                <a:r>
-                  <a:rPr lang="en-GB" sz="1600" dirty="0">
-                    <a:solidFill>
-                      <a:schemeClr val="accent4">
-                        <a:lumMod val="75000"/>
-                      </a:schemeClr>
-                    </a:solidFill>
-                    <a:latin typeface="Segoe UI Light" panose="020B0502040204020203" pitchFamily="34" charset="0"/>
-                    <a:cs typeface="Segoe UI Light" panose="020B0502040204020203" pitchFamily="34" charset="0"/>
-                  </a:rPr>
-                  <a:t>Media</a:t>
-                </a:r>
-              </a:p>
-            </p:txBody>
-          </p:sp>
-          <p:sp>
-            <p:nvSpPr>
-              <p:cNvPr id="42" name="Rectangle: Rounded Corners 41">
-                <a:extLst>
-                  <a:ext uri="{FF2B5EF4-FFF2-40B4-BE49-F238E27FC236}">
-                    <a16:creationId xmlns:a16="http://schemas.microsoft.com/office/drawing/2014/main" id="{3EF02DF9-FEEC-4544-821B-763FFB4510DA}"/>
-                  </a:ext>
-                </a:extLst>
-              </p:cNvPr>
-              <p:cNvSpPr/>
-              <p:nvPr/>
-            </p:nvSpPr>
-            <p:spPr>
-              <a:xfrm>
-                <a:off x="3455833" y="3374341"/>
-                <a:ext cx="1105232" cy="393589"/>
-              </a:xfrm>
-              <a:prstGeom prst="roundRect">
-                <a:avLst/>
-              </a:prstGeom>
+              </a:solidFill>
+            </a:ln>
+          </p:spPr>
+          <p:style>
+            <a:lnRef idx="1">
+              <a:schemeClr val="accent1"/>
+            </a:lnRef>
+            <a:fillRef idx="0">
+              <a:schemeClr val="accent1"/>
+            </a:fillRef>
+            <a:effectRef idx="0">
+              <a:schemeClr val="accent1"/>
+            </a:effectRef>
+            <a:fontRef idx="minor">
+              <a:schemeClr val="tx1"/>
+            </a:fontRef>
+          </p:style>
+        </p:cxnSp>
+      </p:grpSp>
+      <p:grpSp>
+        <p:nvGrpSpPr>
+          <p:cNvPr id="76" name="Group 75">
+            <a:extLst>
+              <a:ext uri="{FF2B5EF4-FFF2-40B4-BE49-F238E27FC236}">
+                <a16:creationId xmlns:a16="http://schemas.microsoft.com/office/drawing/2014/main" id="{AC68E43C-1352-48F0-9862-BA254CD10E71}"/>
+              </a:ext>
+            </a:extLst>
+          </p:cNvPr>
+          <p:cNvGrpSpPr/>
+          <p:nvPr/>
+        </p:nvGrpSpPr>
+        <p:grpSpPr>
+          <a:xfrm>
+            <a:off x="6237909" y="2128046"/>
+            <a:ext cx="798644" cy="525780"/>
+            <a:chOff x="2669117" y="1511735"/>
+            <a:chExt cx="798644" cy="525780"/>
+          </a:xfrm>
+          <a:solidFill>
+            <a:schemeClr val="accent3">
+              <a:lumMod val="50000"/>
+            </a:schemeClr>
+          </a:solidFill>
+        </p:grpSpPr>
+        <p:pic>
+          <p:nvPicPr>
+            <p:cNvPr id="77" name="Graphic 76" descr="Line arrow Straight">
+              <a:extLst>
+                <a:ext uri="{FF2B5EF4-FFF2-40B4-BE49-F238E27FC236}">
+                  <a16:creationId xmlns:a16="http://schemas.microsoft.com/office/drawing/2014/main" id="{AA52B007-49A9-4A53-A2BA-9B088B9072F5}"/>
+                </a:ext>
+              </a:extLst>
+            </p:cNvPr>
+            <p:cNvPicPr>
+              <a:picLocks noChangeAspect="1"/>
+            </p:cNvPicPr>
+            <p:nvPr/>
+          </p:nvPicPr>
+          <p:blipFill>
+            <a:blip r:embed="rId8">
+              <a:extLst>
+                <a:ext uri="{28A0092B-C50C-407E-A947-70E740481C1C}">
+                  <a14:useLocalDpi xmlns:a14="http://schemas.microsoft.com/office/drawing/2010/main" val="0"/>
+                </a:ext>
+                <a:ext uri="{96DAC541-7B7A-43D3-8B79-37D633B846F1}">
+                  <asvg:svgBlip xmlns:asvg="http://schemas.microsoft.com/office/drawing/2016/SVG/main" r:embed="rId9"/>
+                </a:ext>
+              </a:extLst>
+            </a:blip>
+            <a:stretch>
+              <a:fillRect/>
+            </a:stretch>
+          </p:blipFill>
+          <p:spPr>
+            <a:xfrm rot="10800000">
+              <a:off x="2941981" y="1511735"/>
+              <a:ext cx="525780" cy="525780"/>
+            </a:xfrm>
+            <a:prstGeom prst="rect">
+              <a:avLst/>
+            </a:prstGeom>
+          </p:spPr>
+        </p:pic>
+        <p:cxnSp>
+          <p:nvCxnSpPr>
+            <p:cNvPr id="78" name="Straight Connector 77">
+              <a:extLst>
+                <a:ext uri="{FF2B5EF4-FFF2-40B4-BE49-F238E27FC236}">
+                  <a16:creationId xmlns:a16="http://schemas.microsoft.com/office/drawing/2014/main" id="{6D799EAF-BBD9-44FD-AC54-401F969891D7}"/>
+                </a:ext>
+              </a:extLst>
+            </p:cNvPr>
+            <p:cNvCxnSpPr>
+              <a:cxnSpLocks/>
+            </p:cNvCxnSpPr>
+            <p:nvPr/>
+          </p:nvCxnSpPr>
+          <p:spPr>
+            <a:xfrm flipH="1">
+              <a:off x="2669117" y="1774625"/>
+              <a:ext cx="742953" cy="0"/>
+            </a:xfrm>
+            <a:prstGeom prst="line">
+              <a:avLst/>
+            </a:prstGeom>
+            <a:grpFill/>
+            <a:ln w="32385" cap="rnd">
               <a:solidFill>
-                <a:schemeClr val="bg1"/>
+                <a:schemeClr val="accent3">
+                  <a:lumMod val="50000"/>
+                </a:schemeClr>
               </a:solidFill>
-              <a:ln>
-                <a:noFill/>
-              </a:ln>
-            </p:spPr>
-            <p:style>
-              <a:lnRef idx="2">
-                <a:schemeClr val="accent1">
-                  <a:shade val="50000"/>
+            </a:ln>
+          </p:spPr>
+          <p:style>
+            <a:lnRef idx="1">
+              <a:schemeClr val="accent1"/>
+            </a:lnRef>
+            <a:fillRef idx="0">
+              <a:schemeClr val="accent1"/>
+            </a:fillRef>
+            <a:effectRef idx="0">
+              <a:schemeClr val="accent1"/>
+            </a:effectRef>
+            <a:fontRef idx="minor">
+              <a:schemeClr val="tx1"/>
+            </a:fontRef>
+          </p:style>
+        </p:cxnSp>
+      </p:grpSp>
+      <p:grpSp>
+        <p:nvGrpSpPr>
+          <p:cNvPr id="79" name="Group 78">
+            <a:extLst>
+              <a:ext uri="{FF2B5EF4-FFF2-40B4-BE49-F238E27FC236}">
+                <a16:creationId xmlns:a16="http://schemas.microsoft.com/office/drawing/2014/main" id="{18794D9E-BB0F-4881-AB78-F059D4FBB792}"/>
+              </a:ext>
+            </a:extLst>
+          </p:cNvPr>
+          <p:cNvGrpSpPr/>
+          <p:nvPr/>
+        </p:nvGrpSpPr>
+        <p:grpSpPr>
+          <a:xfrm>
+            <a:off x="6237909" y="2808288"/>
+            <a:ext cx="798644" cy="525780"/>
+            <a:chOff x="2669117" y="1511735"/>
+            <a:chExt cx="798644" cy="525780"/>
+          </a:xfrm>
+          <a:solidFill>
+            <a:schemeClr val="accent3">
+              <a:lumMod val="50000"/>
+            </a:schemeClr>
+          </a:solidFill>
+        </p:grpSpPr>
+        <p:pic>
+          <p:nvPicPr>
+            <p:cNvPr id="80" name="Graphic 79" descr="Line arrow Straight">
+              <a:extLst>
+                <a:ext uri="{FF2B5EF4-FFF2-40B4-BE49-F238E27FC236}">
+                  <a16:creationId xmlns:a16="http://schemas.microsoft.com/office/drawing/2014/main" id="{AEDDB21F-3125-43B8-B763-E4ABA8972381}"/>
+                </a:ext>
+              </a:extLst>
+            </p:cNvPr>
+            <p:cNvPicPr>
+              <a:picLocks noChangeAspect="1"/>
+            </p:cNvPicPr>
+            <p:nvPr/>
+          </p:nvPicPr>
+          <p:blipFill>
+            <a:blip r:embed="rId8">
+              <a:extLst>
+                <a:ext uri="{28A0092B-C50C-407E-A947-70E740481C1C}">
+                  <a14:useLocalDpi xmlns:a14="http://schemas.microsoft.com/office/drawing/2010/main" val="0"/>
+                </a:ext>
+                <a:ext uri="{96DAC541-7B7A-43D3-8B79-37D633B846F1}">
+                  <asvg:svgBlip xmlns:asvg="http://schemas.microsoft.com/office/drawing/2016/SVG/main" r:embed="rId9"/>
+                </a:ext>
+              </a:extLst>
+            </a:blip>
+            <a:stretch>
+              <a:fillRect/>
+            </a:stretch>
+          </p:blipFill>
+          <p:spPr>
+            <a:xfrm rot="10800000">
+              <a:off x="2941981" y="1511735"/>
+              <a:ext cx="525780" cy="525780"/>
+            </a:xfrm>
+            <a:prstGeom prst="rect">
+              <a:avLst/>
+            </a:prstGeom>
+          </p:spPr>
+        </p:pic>
+        <p:cxnSp>
+          <p:nvCxnSpPr>
+            <p:cNvPr id="81" name="Straight Connector 80">
+              <a:extLst>
+                <a:ext uri="{FF2B5EF4-FFF2-40B4-BE49-F238E27FC236}">
+                  <a16:creationId xmlns:a16="http://schemas.microsoft.com/office/drawing/2014/main" id="{686A2D26-5C5E-480D-90A8-B9901FFC7CB9}"/>
+                </a:ext>
+              </a:extLst>
+            </p:cNvPr>
+            <p:cNvCxnSpPr>
+              <a:cxnSpLocks/>
+            </p:cNvCxnSpPr>
+            <p:nvPr/>
+          </p:nvCxnSpPr>
+          <p:spPr>
+            <a:xfrm flipH="1">
+              <a:off x="2669117" y="1774625"/>
+              <a:ext cx="742953" cy="0"/>
+            </a:xfrm>
+            <a:prstGeom prst="line">
+              <a:avLst/>
+            </a:prstGeom>
+            <a:grpFill/>
+            <a:ln w="32385" cap="rnd">
+              <a:solidFill>
+                <a:schemeClr val="accent3">
+                  <a:lumMod val="50000"/>
                 </a:schemeClr>
-              </a:lnRef>
-              <a:fillRef idx="1">
-                <a:schemeClr val="accent1"/>
-              </a:fillRef>
-              <a:effectRef idx="0">
-                <a:schemeClr val="accent1"/>
-              </a:effectRef>
-              <a:fontRef idx="minor">
-                <a:schemeClr val="lt1"/>
-              </a:fontRef>
-            </p:style>
-            <p:txBody>
-              <a:bodyPr rtlCol="0" anchor="ctr"/>
-              <a:lstStyle/>
-              <a:p>
-                <a:pPr algn="ctr"/>
-                <a:r>
-                  <a:rPr lang="en-GB" sz="1600" dirty="0">
-                    <a:solidFill>
-                      <a:schemeClr val="accent4">
-                        <a:lumMod val="75000"/>
-                      </a:schemeClr>
-                    </a:solidFill>
-                    <a:latin typeface="Segoe UI Light" panose="020B0502040204020203" pitchFamily="34" charset="0"/>
-                    <a:cs typeface="Segoe UI Light" panose="020B0502040204020203" pitchFamily="34" charset="0"/>
-                  </a:rPr>
-                  <a:t>Data</a:t>
-                </a:r>
-              </a:p>
-            </p:txBody>
-          </p:sp>
-        </p:grpSp>
+              </a:solidFill>
+            </a:ln>
+          </p:spPr>
+          <p:style>
+            <a:lnRef idx="1">
+              <a:schemeClr val="accent1"/>
+            </a:lnRef>
+            <a:fillRef idx="0">
+              <a:schemeClr val="accent1"/>
+            </a:fillRef>
+            <a:effectRef idx="0">
+              <a:schemeClr val="accent1"/>
+            </a:effectRef>
+            <a:fontRef idx="minor">
+              <a:schemeClr val="tx1"/>
+            </a:fontRef>
+          </p:style>
+        </p:cxnSp>
+      </p:grpSp>
+      <p:grpSp>
+        <p:nvGrpSpPr>
+          <p:cNvPr id="38" name="Group 37">
+            <a:extLst>
+              <a:ext uri="{FF2B5EF4-FFF2-40B4-BE49-F238E27FC236}">
+                <a16:creationId xmlns:a16="http://schemas.microsoft.com/office/drawing/2014/main" id="{ABEE91F8-4C91-4B4D-B45D-E7C113927271}"/>
+              </a:ext>
+            </a:extLst>
+          </p:cNvPr>
+          <p:cNvGrpSpPr/>
+          <p:nvPr/>
+        </p:nvGrpSpPr>
+        <p:grpSpPr>
+          <a:xfrm>
+            <a:off x="5257795" y="1581313"/>
+            <a:ext cx="1105232" cy="2188598"/>
+            <a:chOff x="3455833" y="1579332"/>
+            <a:chExt cx="1105232" cy="2188598"/>
+          </a:xfrm>
+        </p:grpSpPr>
+        <p:sp>
+          <p:nvSpPr>
+            <p:cNvPr id="39" name="Rectangle: Rounded Corners 38">
+              <a:extLst>
+                <a:ext uri="{FF2B5EF4-FFF2-40B4-BE49-F238E27FC236}">
+                  <a16:creationId xmlns:a16="http://schemas.microsoft.com/office/drawing/2014/main" id="{A034416B-5BA8-4B14-8ED3-CA7EE1CCAD22}"/>
+                </a:ext>
+              </a:extLst>
+            </p:cNvPr>
+            <p:cNvSpPr/>
+            <p:nvPr/>
+          </p:nvSpPr>
+          <p:spPr>
+            <a:xfrm>
+              <a:off x="3455833" y="1579332"/>
+              <a:ext cx="1105231" cy="393589"/>
+            </a:xfrm>
+            <a:prstGeom prst="roundRect">
+              <a:avLst/>
+            </a:prstGeom>
+            <a:solidFill>
+              <a:schemeClr val="bg1"/>
+            </a:solidFill>
+            <a:ln>
+              <a:noFill/>
+            </a:ln>
+          </p:spPr>
+          <p:style>
+            <a:lnRef idx="2">
+              <a:schemeClr val="accent1">
+                <a:shade val="50000"/>
+              </a:schemeClr>
+            </a:lnRef>
+            <a:fillRef idx="1">
+              <a:schemeClr val="accent1"/>
+            </a:fillRef>
+            <a:effectRef idx="0">
+              <a:schemeClr val="accent1"/>
+            </a:effectRef>
+            <a:fontRef idx="minor">
+              <a:schemeClr val="lt1"/>
+            </a:fontRef>
+          </p:style>
+          <p:txBody>
+            <a:bodyPr rtlCol="0" anchor="ctr"/>
+            <a:lstStyle/>
+            <a:p>
+              <a:pPr algn="ctr"/>
+              <a:r>
+                <a:rPr lang="en-GB" sz="1600" dirty="0">
+                  <a:solidFill>
+                    <a:schemeClr val="accent4">
+                      <a:lumMod val="75000"/>
+                    </a:schemeClr>
+                  </a:solidFill>
+                  <a:latin typeface="Segoe UI Light" panose="020B0502040204020203" pitchFamily="34" charset="0"/>
+                  <a:cs typeface="Segoe UI Light" panose="020B0502040204020203" pitchFamily="34" charset="0"/>
+                </a:rPr>
+                <a:t>Tools</a:t>
+              </a:r>
+            </a:p>
+          </p:txBody>
+        </p:sp>
+        <p:sp>
+          <p:nvSpPr>
+            <p:cNvPr id="40" name="Rectangle: Rounded Corners 39">
+              <a:extLst>
+                <a:ext uri="{FF2B5EF4-FFF2-40B4-BE49-F238E27FC236}">
+                  <a16:creationId xmlns:a16="http://schemas.microsoft.com/office/drawing/2014/main" id="{58A55F29-A947-472C-83F1-61C498C5B26B}"/>
+                </a:ext>
+              </a:extLst>
+            </p:cNvPr>
+            <p:cNvSpPr/>
+            <p:nvPr/>
+          </p:nvSpPr>
+          <p:spPr>
+            <a:xfrm>
+              <a:off x="3455833" y="2177668"/>
+              <a:ext cx="1105232" cy="393589"/>
+            </a:xfrm>
+            <a:prstGeom prst="roundRect">
+              <a:avLst/>
+            </a:prstGeom>
+            <a:solidFill>
+              <a:schemeClr val="bg1"/>
+            </a:solidFill>
+            <a:ln>
+              <a:noFill/>
+            </a:ln>
+          </p:spPr>
+          <p:style>
+            <a:lnRef idx="2">
+              <a:schemeClr val="accent1">
+                <a:shade val="50000"/>
+              </a:schemeClr>
+            </a:lnRef>
+            <a:fillRef idx="1">
+              <a:schemeClr val="accent1"/>
+            </a:fillRef>
+            <a:effectRef idx="0">
+              <a:schemeClr val="accent1"/>
+            </a:effectRef>
+            <a:fontRef idx="minor">
+              <a:schemeClr val="lt1"/>
+            </a:fontRef>
+          </p:style>
+          <p:txBody>
+            <a:bodyPr rtlCol="0" anchor="ctr"/>
+            <a:lstStyle/>
+            <a:p>
+              <a:pPr algn="ctr"/>
+              <a:r>
+                <a:rPr lang="en-GB" sz="1600" dirty="0">
+                  <a:solidFill>
+                    <a:schemeClr val="accent4">
+                      <a:lumMod val="75000"/>
+                    </a:schemeClr>
+                  </a:solidFill>
+                  <a:latin typeface="Segoe UI Light" panose="020B0502040204020203" pitchFamily="34" charset="0"/>
+                  <a:cs typeface="Segoe UI Light" panose="020B0502040204020203" pitchFamily="34" charset="0"/>
+                </a:rPr>
+                <a:t>Logs</a:t>
+              </a:r>
+            </a:p>
+          </p:txBody>
+        </p:sp>
+        <p:sp>
+          <p:nvSpPr>
+            <p:cNvPr id="41" name="Rectangle: Rounded Corners 40">
+              <a:extLst>
+                <a:ext uri="{FF2B5EF4-FFF2-40B4-BE49-F238E27FC236}">
+                  <a16:creationId xmlns:a16="http://schemas.microsoft.com/office/drawing/2014/main" id="{43E27D55-9C22-48D9-87DF-3176AF55278A}"/>
+                </a:ext>
+              </a:extLst>
+            </p:cNvPr>
+            <p:cNvSpPr/>
+            <p:nvPr/>
+          </p:nvSpPr>
+          <p:spPr>
+            <a:xfrm>
+              <a:off x="3455833" y="2776004"/>
+              <a:ext cx="1105231" cy="393589"/>
+            </a:xfrm>
+            <a:prstGeom prst="roundRect">
+              <a:avLst/>
+            </a:prstGeom>
+            <a:solidFill>
+              <a:schemeClr val="bg1"/>
+            </a:solidFill>
+            <a:ln>
+              <a:noFill/>
+            </a:ln>
+          </p:spPr>
+          <p:style>
+            <a:lnRef idx="2">
+              <a:schemeClr val="accent1">
+                <a:shade val="50000"/>
+              </a:schemeClr>
+            </a:lnRef>
+            <a:fillRef idx="1">
+              <a:schemeClr val="accent1"/>
+            </a:fillRef>
+            <a:effectRef idx="0">
+              <a:schemeClr val="accent1"/>
+            </a:effectRef>
+            <a:fontRef idx="minor">
+              <a:schemeClr val="lt1"/>
+            </a:fontRef>
+          </p:style>
+          <p:txBody>
+            <a:bodyPr rtlCol="0" anchor="ctr"/>
+            <a:lstStyle/>
+            <a:p>
+              <a:pPr algn="ctr"/>
+              <a:r>
+                <a:rPr lang="en-GB" sz="1600" dirty="0">
+                  <a:solidFill>
+                    <a:schemeClr val="accent4">
+                      <a:lumMod val="75000"/>
+                    </a:schemeClr>
+                  </a:solidFill>
+                  <a:latin typeface="Segoe UI Light" panose="020B0502040204020203" pitchFamily="34" charset="0"/>
+                  <a:cs typeface="Segoe UI Light" panose="020B0502040204020203" pitchFamily="34" charset="0"/>
+                </a:rPr>
+                <a:t>Media</a:t>
+              </a:r>
+            </a:p>
+          </p:txBody>
+        </p:sp>
+        <p:sp>
+          <p:nvSpPr>
+            <p:cNvPr id="42" name="Rectangle: Rounded Corners 41">
+              <a:extLst>
+                <a:ext uri="{FF2B5EF4-FFF2-40B4-BE49-F238E27FC236}">
+                  <a16:creationId xmlns:a16="http://schemas.microsoft.com/office/drawing/2014/main" id="{3EF02DF9-FEEC-4544-821B-763FFB4510DA}"/>
+                </a:ext>
+              </a:extLst>
+            </p:cNvPr>
+            <p:cNvSpPr/>
+            <p:nvPr/>
+          </p:nvSpPr>
+          <p:spPr>
+            <a:xfrm>
+              <a:off x="3455833" y="3374341"/>
+              <a:ext cx="1105232" cy="393589"/>
+            </a:xfrm>
+            <a:prstGeom prst="roundRect">
+              <a:avLst/>
+            </a:prstGeom>
+            <a:solidFill>
+              <a:schemeClr val="bg1"/>
+            </a:solidFill>
+            <a:ln>
+              <a:noFill/>
+            </a:ln>
+          </p:spPr>
+          <p:style>
+            <a:lnRef idx="2">
+              <a:schemeClr val="accent1">
+                <a:shade val="50000"/>
+              </a:schemeClr>
+            </a:lnRef>
+            <a:fillRef idx="1">
+              <a:schemeClr val="accent1"/>
+            </a:fillRef>
+            <a:effectRef idx="0">
+              <a:schemeClr val="accent1"/>
+            </a:effectRef>
+            <a:fontRef idx="minor">
+              <a:schemeClr val="lt1"/>
+            </a:fontRef>
+          </p:style>
+          <p:txBody>
+            <a:bodyPr rtlCol="0" anchor="ctr"/>
+            <a:lstStyle/>
+            <a:p>
+              <a:pPr algn="ctr"/>
+              <a:r>
+                <a:rPr lang="en-GB" sz="1600" dirty="0">
+                  <a:solidFill>
+                    <a:schemeClr val="accent4">
+                      <a:lumMod val="75000"/>
+                    </a:schemeClr>
+                  </a:solidFill>
+                  <a:latin typeface="Segoe UI Light" panose="020B0502040204020203" pitchFamily="34" charset="0"/>
+                  <a:cs typeface="Segoe UI Light" panose="020B0502040204020203" pitchFamily="34" charset="0"/>
+                </a:rPr>
+                <a:t>Data</a:t>
+              </a:r>
+            </a:p>
+          </p:txBody>
+        </p:sp>
       </p:grpSp>
     </p:spTree>
     <p:extLst>
@@ -8258,56 +8237,574 @@
           <a:chExt cx="0" cy="0"/>
         </a:xfrm>
       </p:grpSpPr>
-      <p:sp>
-        <p:nvSpPr>
-          <p:cNvPr id="2" name="Title 1">
+      <p:grpSp>
+        <p:nvGrpSpPr>
+          <p:cNvPr id="14" name="Group 13">
             <a:extLst>
               <a:ext uri="{FF2B5EF4-FFF2-40B4-BE49-F238E27FC236}">
-                <a16:creationId xmlns:a16="http://schemas.microsoft.com/office/drawing/2014/main" id="{CA08FBA1-8958-42D2-B561-32A277FD2A3E}"/>
+                <a16:creationId xmlns:a16="http://schemas.microsoft.com/office/drawing/2014/main" id="{059E480B-6557-43D5-AFFE-A21D98123F6F}"/>
               </a:ext>
             </a:extLst>
           </p:cNvPr>
-          <p:cNvSpPr>
-            <a:spLocks noGrp="1"/>
-          </p:cNvSpPr>
-          <p:nvPr>
-            <p:ph type="title"/>
-          </p:nvPr>
-        </p:nvSpPr>
-        <p:spPr/>
-        <p:txBody>
-          <a:bodyPr/>
-          <a:lstStyle/>
-          <a:p>
-            <a:endParaRPr lang="en-GB"/>
-          </a:p>
-        </p:txBody>
-      </p:sp>
-      <p:sp>
-        <p:nvSpPr>
-          <p:cNvPr id="3" name="Content Placeholder 2">
+          <p:cNvGrpSpPr/>
+          <p:nvPr/>
+        </p:nvGrpSpPr>
+        <p:grpSpPr>
+          <a:xfrm>
+            <a:off x="1439187" y="1003852"/>
+            <a:ext cx="1534601" cy="3106972"/>
+            <a:chOff x="1439187" y="1003852"/>
+            <a:chExt cx="1534601" cy="3106972"/>
+          </a:xfrm>
+        </p:grpSpPr>
+        <p:sp>
+          <p:nvSpPr>
+            <p:cNvPr id="4" name="Rectangle: Rounded Corners 3">
+              <a:extLst>
+                <a:ext uri="{FF2B5EF4-FFF2-40B4-BE49-F238E27FC236}">
+                  <a16:creationId xmlns:a16="http://schemas.microsoft.com/office/drawing/2014/main" id="{14814948-9A4C-42B7-BA45-1A3DB524C898}"/>
+                </a:ext>
+              </a:extLst>
+            </p:cNvPr>
+            <p:cNvSpPr/>
+            <p:nvPr/>
+          </p:nvSpPr>
+          <p:spPr>
+            <a:xfrm>
+              <a:off x="1439187" y="1003852"/>
+              <a:ext cx="1534601" cy="3106972"/>
+            </a:xfrm>
+            <a:prstGeom prst="roundRect">
+              <a:avLst>
+                <a:gd name="adj" fmla="val 3114"/>
+              </a:avLst>
+            </a:prstGeom>
+            <a:solidFill>
+              <a:schemeClr val="accent1">
+                <a:lumMod val="75000"/>
+              </a:schemeClr>
+            </a:solidFill>
+            <a:ln>
+              <a:noFill/>
+            </a:ln>
+          </p:spPr>
+          <p:style>
+            <a:lnRef idx="2">
+              <a:schemeClr val="accent1">
+                <a:shade val="50000"/>
+              </a:schemeClr>
+            </a:lnRef>
+            <a:fillRef idx="1">
+              <a:schemeClr val="accent1"/>
+            </a:fillRef>
+            <a:effectRef idx="0">
+              <a:schemeClr val="accent1"/>
+            </a:effectRef>
+            <a:fontRef idx="minor">
+              <a:schemeClr val="lt1"/>
+            </a:fontRef>
+          </p:style>
+          <p:txBody>
+            <a:bodyPr rtlCol="0" anchor="t"/>
+            <a:lstStyle/>
+            <a:p>
+              <a:pPr algn="ctr"/>
+              <a:r>
+                <a:rPr lang="en-GB" dirty="0">
+                  <a:solidFill>
+                    <a:schemeClr val="bg1"/>
+                  </a:solidFill>
+                  <a:latin typeface="Segoe UI Semibold" panose="020B0702040204020203" pitchFamily="34" charset="0"/>
+                  <a:cs typeface="Segoe UI Semibold" panose="020B0702040204020203" pitchFamily="34" charset="0"/>
+                </a:rPr>
+                <a:t>Account</a:t>
+              </a:r>
+            </a:p>
+          </p:txBody>
+        </p:sp>
+        <p:pic>
+          <p:nvPicPr>
+            <p:cNvPr id="5" name="Graphic 4" descr="Line arrow Straight">
+              <a:extLst>
+                <a:ext uri="{FF2B5EF4-FFF2-40B4-BE49-F238E27FC236}">
+                  <a16:creationId xmlns:a16="http://schemas.microsoft.com/office/drawing/2014/main" id="{C012CADE-E7FB-417C-B22A-C4D621923BBB}"/>
+                </a:ext>
+              </a:extLst>
+            </p:cNvPr>
+            <p:cNvPicPr>
+              <a:picLocks noChangeAspect="1"/>
+            </p:cNvPicPr>
+            <p:nvPr/>
+          </p:nvPicPr>
+          <p:blipFill>
+            <a:blip r:embed="rId2">
+              <a:extLst>
+                <a:ext uri="{28A0092B-C50C-407E-A947-70E740481C1C}">
+                  <a14:useLocalDpi xmlns:a14="http://schemas.microsoft.com/office/drawing/2010/main" val="0"/>
+                </a:ext>
+                <a:ext uri="{96DAC541-7B7A-43D3-8B79-37D633B846F1}">
+                  <asvg:svgBlip xmlns:asvg="http://schemas.microsoft.com/office/drawing/2016/SVG/main" r:embed="rId3"/>
+                </a:ext>
+              </a:extLst>
+            </a:blip>
+            <a:stretch>
+              <a:fillRect/>
+            </a:stretch>
+          </p:blipFill>
+          <p:spPr>
+            <a:xfrm rot="10800000">
+              <a:off x="1807928" y="2341659"/>
+              <a:ext cx="525780" cy="525780"/>
+            </a:xfrm>
+            <a:prstGeom prst="rect">
+              <a:avLst/>
+            </a:prstGeom>
+          </p:spPr>
+        </p:pic>
+        <p:grpSp>
+          <p:nvGrpSpPr>
+            <p:cNvPr id="6" name="Group 5">
+              <a:extLst>
+                <a:ext uri="{FF2B5EF4-FFF2-40B4-BE49-F238E27FC236}">
+                  <a16:creationId xmlns:a16="http://schemas.microsoft.com/office/drawing/2014/main" id="{20F74BCB-9C54-49E2-A1E6-D3075D316869}"/>
+                </a:ext>
+              </a:extLst>
+            </p:cNvPr>
+            <p:cNvGrpSpPr/>
+            <p:nvPr/>
+          </p:nvGrpSpPr>
+          <p:grpSpPr>
+            <a:xfrm>
+              <a:off x="1706548" y="1494843"/>
+              <a:ext cx="999877" cy="2361540"/>
+              <a:chOff x="1721457" y="1709528"/>
+              <a:chExt cx="999877" cy="2361540"/>
+            </a:xfrm>
+          </p:grpSpPr>
+          <p:sp>
+            <p:nvSpPr>
+              <p:cNvPr id="7" name="Rectangle: Rounded Corners 6">
+                <a:extLst>
+                  <a:ext uri="{FF2B5EF4-FFF2-40B4-BE49-F238E27FC236}">
+                    <a16:creationId xmlns:a16="http://schemas.microsoft.com/office/drawing/2014/main" id="{EEAF488C-9BCC-40EB-9ACF-B9557601EFA7}"/>
+                  </a:ext>
+                </a:extLst>
+              </p:cNvPr>
+              <p:cNvSpPr/>
+              <p:nvPr/>
+            </p:nvSpPr>
+            <p:spPr>
+              <a:xfrm rot="16200000">
+                <a:off x="737483" y="2693504"/>
+                <a:ext cx="2361538" cy="393589"/>
+              </a:xfrm>
+              <a:prstGeom prst="roundRect">
+                <a:avLst/>
+              </a:prstGeom>
+              <a:solidFill>
+                <a:schemeClr val="bg1"/>
+              </a:solidFill>
+              <a:ln>
+                <a:noFill/>
+              </a:ln>
+            </p:spPr>
+            <p:style>
+              <a:lnRef idx="2">
+                <a:schemeClr val="accent1">
+                  <a:shade val="50000"/>
+                </a:schemeClr>
+              </a:lnRef>
+              <a:fillRef idx="1">
+                <a:schemeClr val="accent1"/>
+              </a:fillRef>
+              <a:effectRef idx="0">
+                <a:schemeClr val="accent1"/>
+              </a:effectRef>
+              <a:fontRef idx="minor">
+                <a:schemeClr val="lt1"/>
+              </a:fontRef>
+            </p:style>
+            <p:txBody>
+              <a:bodyPr rtlCol="0" anchor="ctr"/>
+              <a:lstStyle/>
+              <a:p>
+                <a:pPr algn="ctr"/>
+                <a:r>
+                  <a:rPr lang="en-GB" sz="1600" dirty="0">
+                    <a:solidFill>
+                      <a:schemeClr val="accent1">
+                        <a:lumMod val="75000"/>
+                      </a:schemeClr>
+                    </a:solidFill>
+                    <a:latin typeface="Segoe UI Light" panose="020B0502040204020203" pitchFamily="34" charset="0"/>
+                    <a:cs typeface="Segoe UI Light" panose="020B0502040204020203" pitchFamily="34" charset="0"/>
+                  </a:rPr>
+                  <a:t>Azure Storage Account</a:t>
+                </a:r>
+              </a:p>
+            </p:txBody>
+          </p:sp>
+          <p:sp>
+            <p:nvSpPr>
+              <p:cNvPr id="8" name="Rectangle: Rounded Corners 7">
+                <a:extLst>
+                  <a:ext uri="{FF2B5EF4-FFF2-40B4-BE49-F238E27FC236}">
+                    <a16:creationId xmlns:a16="http://schemas.microsoft.com/office/drawing/2014/main" id="{D67C62A1-D1B3-400D-80A9-7E816384DC7E}"/>
+                  </a:ext>
+                </a:extLst>
+              </p:cNvPr>
+              <p:cNvSpPr/>
+              <p:nvPr/>
+            </p:nvSpPr>
+            <p:spPr>
+              <a:xfrm rot="16200000">
+                <a:off x="1343770" y="2693503"/>
+                <a:ext cx="2361540" cy="393589"/>
+              </a:xfrm>
+              <a:prstGeom prst="roundRect">
+                <a:avLst/>
+              </a:prstGeom>
+              <a:solidFill>
+                <a:schemeClr val="bg1"/>
+              </a:solidFill>
+              <a:ln>
+                <a:noFill/>
+              </a:ln>
+            </p:spPr>
+            <p:style>
+              <a:lnRef idx="2">
+                <a:schemeClr val="accent1">
+                  <a:shade val="50000"/>
+                </a:schemeClr>
+              </a:lnRef>
+              <a:fillRef idx="1">
+                <a:schemeClr val="accent1"/>
+              </a:fillRef>
+              <a:effectRef idx="0">
+                <a:schemeClr val="accent1"/>
+              </a:effectRef>
+              <a:fontRef idx="minor">
+                <a:schemeClr val="lt1"/>
+              </a:fontRef>
+            </p:style>
+            <p:txBody>
+              <a:bodyPr rtlCol="0" anchor="ctr"/>
+              <a:lstStyle/>
+              <a:p>
+                <a:pPr algn="ctr"/>
+                <a:r>
+                  <a:rPr lang="en-GB" sz="1600" dirty="0">
+                    <a:solidFill>
+                      <a:schemeClr val="accent1">
+                        <a:lumMod val="75000"/>
+                      </a:schemeClr>
+                    </a:solidFill>
+                    <a:latin typeface="Segoe UI Light" panose="020B0502040204020203" pitchFamily="34" charset="0"/>
+                    <a:cs typeface="Segoe UI Light" panose="020B0502040204020203" pitchFamily="34" charset="0"/>
+                  </a:rPr>
+                  <a:t>Azure File Shares</a:t>
+                </a:r>
+              </a:p>
+            </p:txBody>
+          </p:sp>
+        </p:grpSp>
+      </p:grpSp>
+      <p:grpSp>
+        <p:nvGrpSpPr>
+          <p:cNvPr id="15" name="Group 14">
             <a:extLst>
               <a:ext uri="{FF2B5EF4-FFF2-40B4-BE49-F238E27FC236}">
-                <a16:creationId xmlns:a16="http://schemas.microsoft.com/office/drawing/2014/main" id="{81EE80ED-6FF3-4BAE-AE33-01106AF0D49C}"/>
+                <a16:creationId xmlns:a16="http://schemas.microsoft.com/office/drawing/2014/main" id="{831DDE6E-3920-4B59-A0AC-BD2028CFE005}"/>
               </a:ext>
             </a:extLst>
           </p:cNvPr>
-          <p:cNvSpPr>
-            <a:spLocks noGrp="1"/>
-          </p:cNvSpPr>
-          <p:nvPr>
-            <p:ph idx="1"/>
-          </p:nvPr>
-        </p:nvSpPr>
-        <p:spPr/>
-        <p:txBody>
-          <a:bodyPr/>
-          <a:lstStyle/>
-          <a:p>
-            <a:endParaRPr lang="en-GB"/>
-          </a:p>
-        </p:txBody>
-      </p:sp>
+          <p:cNvGrpSpPr/>
+          <p:nvPr/>
+        </p:nvGrpSpPr>
+        <p:grpSpPr>
+          <a:xfrm>
+            <a:off x="3241149" y="1003852"/>
+            <a:ext cx="1534601" cy="3106972"/>
+            <a:chOff x="3241149" y="1003852"/>
+            <a:chExt cx="1534601" cy="3106972"/>
+          </a:xfrm>
+        </p:grpSpPr>
+        <p:sp>
+          <p:nvSpPr>
+            <p:cNvPr id="9" name="Rectangle: Rounded Corners 8">
+              <a:extLst>
+                <a:ext uri="{FF2B5EF4-FFF2-40B4-BE49-F238E27FC236}">
+                  <a16:creationId xmlns:a16="http://schemas.microsoft.com/office/drawing/2014/main" id="{5B54BC76-1365-44BE-B25B-7DD2632E80D4}"/>
+                </a:ext>
+              </a:extLst>
+            </p:cNvPr>
+            <p:cNvSpPr/>
+            <p:nvPr/>
+          </p:nvSpPr>
+          <p:spPr>
+            <a:xfrm>
+              <a:off x="3241149" y="1003852"/>
+              <a:ext cx="1534601" cy="3106972"/>
+            </a:xfrm>
+            <a:prstGeom prst="roundRect">
+              <a:avLst>
+                <a:gd name="adj" fmla="val 3114"/>
+              </a:avLst>
+            </a:prstGeom>
+            <a:solidFill>
+              <a:schemeClr val="accent6">
+                <a:lumMod val="75000"/>
+              </a:schemeClr>
+            </a:solidFill>
+            <a:ln>
+              <a:noFill/>
+            </a:ln>
+          </p:spPr>
+          <p:style>
+            <a:lnRef idx="2">
+              <a:schemeClr val="accent1">
+                <a:shade val="50000"/>
+              </a:schemeClr>
+            </a:lnRef>
+            <a:fillRef idx="1">
+              <a:schemeClr val="accent1"/>
+            </a:fillRef>
+            <a:effectRef idx="0">
+              <a:schemeClr val="accent1"/>
+            </a:effectRef>
+            <a:fontRef idx="minor">
+              <a:schemeClr val="lt1"/>
+            </a:fontRef>
+          </p:style>
+          <p:txBody>
+            <a:bodyPr rtlCol="0" anchor="t"/>
+            <a:lstStyle/>
+            <a:p>
+              <a:pPr algn="ctr"/>
+              <a:r>
+                <a:rPr lang="en-GB" dirty="0">
+                  <a:solidFill>
+                    <a:schemeClr val="bg1"/>
+                  </a:solidFill>
+                  <a:latin typeface="Segoe UI Semibold" panose="020B0702040204020203" pitchFamily="34" charset="0"/>
+                  <a:cs typeface="Segoe UI Semibold" panose="020B0702040204020203" pitchFamily="34" charset="0"/>
+                </a:rPr>
+                <a:t>Share</a:t>
+              </a:r>
+            </a:p>
+          </p:txBody>
+        </p:sp>
+        <p:grpSp>
+          <p:nvGrpSpPr>
+            <p:cNvPr id="10" name="Group 9">
+              <a:extLst>
+                <a:ext uri="{FF2B5EF4-FFF2-40B4-BE49-F238E27FC236}">
+                  <a16:creationId xmlns:a16="http://schemas.microsoft.com/office/drawing/2014/main" id="{66B8F262-2EE4-4233-AF64-0DA892852BA1}"/>
+                </a:ext>
+              </a:extLst>
+            </p:cNvPr>
+            <p:cNvGrpSpPr/>
+            <p:nvPr/>
+          </p:nvGrpSpPr>
+          <p:grpSpPr>
+            <a:xfrm>
+              <a:off x="3455833" y="1581313"/>
+              <a:ext cx="1105232" cy="2188598"/>
+              <a:chOff x="3455833" y="1579332"/>
+              <a:chExt cx="1105232" cy="2188598"/>
+            </a:xfrm>
+          </p:grpSpPr>
+          <p:sp>
+            <p:nvSpPr>
+              <p:cNvPr id="11" name="Rectangle: Rounded Corners 10">
+                <a:extLst>
+                  <a:ext uri="{FF2B5EF4-FFF2-40B4-BE49-F238E27FC236}">
+                    <a16:creationId xmlns:a16="http://schemas.microsoft.com/office/drawing/2014/main" id="{BEB4F89B-96FC-4C6D-8760-473BA913B1AA}"/>
+                  </a:ext>
+                </a:extLst>
+              </p:cNvPr>
+              <p:cNvSpPr/>
+              <p:nvPr/>
+            </p:nvSpPr>
+            <p:spPr>
+              <a:xfrm>
+                <a:off x="3455833" y="1579332"/>
+                <a:ext cx="1105231" cy="393589"/>
+              </a:xfrm>
+              <a:prstGeom prst="roundRect">
+                <a:avLst/>
+              </a:prstGeom>
+              <a:solidFill>
+                <a:schemeClr val="bg1"/>
+              </a:solidFill>
+              <a:ln>
+                <a:noFill/>
+              </a:ln>
+            </p:spPr>
+            <p:style>
+              <a:lnRef idx="2">
+                <a:schemeClr val="accent1">
+                  <a:shade val="50000"/>
+                </a:schemeClr>
+              </a:lnRef>
+              <a:fillRef idx="1">
+                <a:schemeClr val="accent1"/>
+              </a:fillRef>
+              <a:effectRef idx="0">
+                <a:schemeClr val="accent1"/>
+              </a:effectRef>
+              <a:fontRef idx="minor">
+                <a:schemeClr val="lt1"/>
+              </a:fontRef>
+            </p:style>
+            <p:txBody>
+              <a:bodyPr rtlCol="0" anchor="ctr"/>
+              <a:lstStyle/>
+              <a:p>
+                <a:pPr algn="ctr"/>
+                <a:r>
+                  <a:rPr lang="en-GB" sz="1600" dirty="0">
+                    <a:solidFill>
+                      <a:schemeClr val="accent6">
+                        <a:lumMod val="75000"/>
+                      </a:schemeClr>
+                    </a:solidFill>
+                    <a:latin typeface="Segoe UI Light" panose="020B0502040204020203" pitchFamily="34" charset="0"/>
+                    <a:cs typeface="Segoe UI Light" panose="020B0502040204020203" pitchFamily="34" charset="0"/>
+                  </a:rPr>
+                  <a:t>File Share</a:t>
+                </a:r>
+              </a:p>
+            </p:txBody>
+          </p:sp>
+          <p:sp>
+            <p:nvSpPr>
+              <p:cNvPr id="12" name="Rectangle: Rounded Corners 11">
+                <a:extLst>
+                  <a:ext uri="{FF2B5EF4-FFF2-40B4-BE49-F238E27FC236}">
+                    <a16:creationId xmlns:a16="http://schemas.microsoft.com/office/drawing/2014/main" id="{BED70A96-1961-4881-9029-F3D50F7A4989}"/>
+                  </a:ext>
+                </a:extLst>
+              </p:cNvPr>
+              <p:cNvSpPr/>
+              <p:nvPr/>
+            </p:nvSpPr>
+            <p:spPr>
+              <a:xfrm>
+                <a:off x="3455833" y="2776004"/>
+                <a:ext cx="1105231" cy="393589"/>
+              </a:xfrm>
+              <a:prstGeom prst="roundRect">
+                <a:avLst/>
+              </a:prstGeom>
+              <a:solidFill>
+                <a:schemeClr val="bg1"/>
+              </a:solidFill>
+              <a:ln>
+                <a:noFill/>
+              </a:ln>
+            </p:spPr>
+            <p:style>
+              <a:lnRef idx="2">
+                <a:schemeClr val="accent1">
+                  <a:shade val="50000"/>
+                </a:schemeClr>
+              </a:lnRef>
+              <a:fillRef idx="1">
+                <a:schemeClr val="accent1"/>
+              </a:fillRef>
+              <a:effectRef idx="0">
+                <a:schemeClr val="accent1"/>
+              </a:effectRef>
+              <a:fontRef idx="minor">
+                <a:schemeClr val="lt1"/>
+              </a:fontRef>
+            </p:style>
+            <p:txBody>
+              <a:bodyPr rtlCol="0" anchor="ctr"/>
+              <a:lstStyle/>
+              <a:p>
+                <a:pPr algn="ctr"/>
+                <a:r>
+                  <a:rPr lang="en-GB" sz="1600" dirty="0">
+                    <a:solidFill>
+                      <a:schemeClr val="accent6">
+                        <a:lumMod val="75000"/>
+                      </a:schemeClr>
+                    </a:solidFill>
+                    <a:latin typeface="Segoe UI Light" panose="020B0502040204020203" pitchFamily="34" charset="0"/>
+                    <a:cs typeface="Segoe UI Light" panose="020B0502040204020203" pitchFamily="34" charset="0"/>
+                  </a:rPr>
+                  <a:t>File Share</a:t>
+                </a:r>
+              </a:p>
+            </p:txBody>
+          </p:sp>
+          <p:sp>
+            <p:nvSpPr>
+              <p:cNvPr id="13" name="Rectangle: Rounded Corners 12">
+                <a:extLst>
+                  <a:ext uri="{FF2B5EF4-FFF2-40B4-BE49-F238E27FC236}">
+                    <a16:creationId xmlns:a16="http://schemas.microsoft.com/office/drawing/2014/main" id="{21EB0275-B42C-4A34-BF10-B0CA68251193}"/>
+                  </a:ext>
+                </a:extLst>
+              </p:cNvPr>
+              <p:cNvSpPr/>
+              <p:nvPr/>
+            </p:nvSpPr>
+            <p:spPr>
+              <a:xfrm>
+                <a:off x="3455833" y="3374341"/>
+                <a:ext cx="1105232" cy="393589"/>
+              </a:xfrm>
+              <a:prstGeom prst="roundRect">
+                <a:avLst/>
+              </a:prstGeom>
+              <a:solidFill>
+                <a:schemeClr val="bg1"/>
+              </a:solidFill>
+              <a:ln>
+                <a:noFill/>
+              </a:ln>
+            </p:spPr>
+            <p:style>
+              <a:lnRef idx="2">
+                <a:schemeClr val="accent1">
+                  <a:shade val="50000"/>
+                </a:schemeClr>
+              </a:lnRef>
+              <a:fillRef idx="1">
+                <a:schemeClr val="accent1"/>
+              </a:fillRef>
+              <a:effectRef idx="0">
+                <a:schemeClr val="accent1"/>
+              </a:effectRef>
+              <a:fontRef idx="minor">
+                <a:schemeClr val="lt1"/>
+              </a:fontRef>
+            </p:style>
+            <p:txBody>
+              <a:bodyPr rtlCol="0" anchor="ctr"/>
+              <a:lstStyle/>
+              <a:p>
+                <a:pPr algn="ctr"/>
+                <a:r>
+                  <a:rPr lang="en-GB" sz="1600" dirty="0">
+                    <a:solidFill>
+                      <a:schemeClr val="accent6">
+                        <a:lumMod val="75000"/>
+                      </a:schemeClr>
+                    </a:solidFill>
+                    <a:latin typeface="Segoe UI Light" panose="020B0502040204020203" pitchFamily="34" charset="0"/>
+                    <a:cs typeface="Segoe UI Light" panose="020B0502040204020203" pitchFamily="34" charset="0"/>
+                  </a:rPr>
+                  <a:t>File Share</a:t>
+                </a:r>
+              </a:p>
+            </p:txBody>
+          </p:sp>
+        </p:grpSp>
+      </p:grpSp>
     </p:spTree>
     <p:extLst>
       <p:ext uri="{BB962C8B-B14F-4D97-AF65-F5344CB8AC3E}">
